--- a/Project Documentation/Presentation Mandarine.pptx
+++ b/Project Documentation/Presentation Mandarine.pptx
@@ -543,6 +543,90 @@
     <p:extLst>
       <p:ext uri="{BB962C8B-B14F-4D97-AF65-F5344CB8AC3E}">
         <p14:creationId xmlns:p14="http://schemas.microsoft.com/office/powerpoint/2010/main" val="379079075"/>
+      </p:ext>
+    </p:extLst>
+  </p:cSld>
+  <p:clrMapOvr>
+    <a:masterClrMapping/>
+  </p:clrMapOvr>
+</p:notes>
+</file>
+
+<file path=ppt/notesSlides/notesSlide2.xml><?xml version="1.0" encoding="utf-8"?>
+<p:notes xmlns:a="http://schemas.openxmlformats.org/drawingml/2006/main" xmlns:r="http://schemas.openxmlformats.org/officeDocument/2006/relationships" xmlns:p="http://schemas.openxmlformats.org/presentationml/2006/main">
+  <p:cSld>
+    <p:spTree>
+      <p:nvGrpSpPr>
+        <p:cNvPr id="1" name=""/>
+        <p:cNvGrpSpPr/>
+        <p:nvPr/>
+      </p:nvGrpSpPr>
+      <p:grpSpPr>
+        <a:xfrm>
+          <a:off x="0" y="0"/>
+          <a:ext cx="0" cy="0"/>
+          <a:chOff x="0" y="0"/>
+          <a:chExt cx="0" cy="0"/>
+        </a:xfrm>
+      </p:grpSpPr>
+      <p:sp>
+        <p:nvSpPr>
+          <p:cNvPr id="2" name="Slide Image Placeholder 1"/>
+          <p:cNvSpPr>
+            <a:spLocks noGrp="1" noRot="1" noChangeAspect="1"/>
+          </p:cNvSpPr>
+          <p:nvPr>
+            <p:ph type="sldImg"/>
+          </p:nvPr>
+        </p:nvSpPr>
+        <p:spPr/>
+      </p:sp>
+      <p:sp>
+        <p:nvSpPr>
+          <p:cNvPr id="3" name="Notes Placeholder 2"/>
+          <p:cNvSpPr>
+            <a:spLocks noGrp="1"/>
+          </p:cNvSpPr>
+          <p:nvPr>
+            <p:ph type="body" idx="1"/>
+          </p:nvPr>
+        </p:nvSpPr>
+        <p:spPr/>
+        <p:txBody>
+          <a:bodyPr/>
+          <a:lstStyle/>
+          <a:p>
+            <a:endParaRPr lang="bg-BG" dirty="0"/>
+          </a:p>
+        </p:txBody>
+      </p:sp>
+      <p:sp>
+        <p:nvSpPr>
+          <p:cNvPr id="4" name="Slide Number Placeholder 3"/>
+          <p:cNvSpPr>
+            <a:spLocks noGrp="1"/>
+          </p:cNvSpPr>
+          <p:nvPr>
+            <p:ph type="sldNum" sz="quarter" idx="10"/>
+          </p:nvPr>
+        </p:nvSpPr>
+        <p:spPr/>
+        <p:txBody>
+          <a:bodyPr/>
+          <a:lstStyle/>
+          <a:p>
+            <a:fld id="{2C91813B-19C1-49AD-A23F-FF3119DA9A73}" type="slidenum">
+              <a:rPr lang="bg-BG" smtClean="0"/>
+              <a:t>3</a:t>
+            </a:fld>
+            <a:endParaRPr lang="bg-BG"/>
+          </a:p>
+        </p:txBody>
+      </p:sp>
+    </p:spTree>
+    <p:extLst>
+      <p:ext uri="{BB962C8B-B14F-4D97-AF65-F5344CB8AC3E}">
+        <p14:creationId xmlns:p14="http://schemas.microsoft.com/office/powerpoint/2010/main" val="2747109784"/>
       </p:ext>
     </p:extLst>
   </p:cSld>
@@ -4683,7 +4767,7 @@
               <a:t> </a:t>
             </a:r>
             <a:r>
-              <a:rPr lang="en-US" sz="5400" dirty="0" smtClean="0">
+              <a:rPr lang="en-US" sz="5000" dirty="0" smtClean="0">
                 <a:solidFill>
                   <a:schemeClr val="accent1">
                     <a:lumMod val="50000"/>
@@ -4693,7 +4777,7 @@
               <a:t>The goal of the app is to draw charts based on given data. </a:t>
             </a:r>
             <a:r>
-              <a:rPr lang="en-US" sz="5400" dirty="0" smtClean="0">
+              <a:rPr lang="en-US" sz="5000" dirty="0" smtClean="0">
                 <a:solidFill>
                   <a:schemeClr val="accent6">
                     <a:lumMod val="75000"/>
@@ -4702,7 +4786,7 @@
               </a:rPr>
               <a:t> </a:t>
             </a:r>
-            <a:endParaRPr lang="en-US" sz="5400" dirty="0" smtClean="0">
+            <a:endParaRPr lang="en-US" sz="5000" dirty="0" smtClean="0">
               <a:solidFill>
                 <a:schemeClr val="accent1">
                   <a:lumMod val="50000"/>
@@ -4767,7 +4851,7 @@
           <p:nvPr/>
         </p:nvPicPr>
         <p:blipFill>
-          <a:blip r:embed="rId2">
+          <a:blip r:embed="rId3">
             <a:extLst>
               <a:ext uri="{28A0092B-C50C-407E-A947-70E740481C1C}">
                 <a14:useLocalDpi xmlns:a14="http://schemas.microsoft.com/office/drawing/2010/main" val="0"/>
@@ -4798,8 +4882,8 @@
         </p:nvSpPr>
         <p:spPr>
           <a:xfrm>
-            <a:off x="5272414" y="3657600"/>
-            <a:ext cx="3505200" cy="1416976"/>
+            <a:off x="5272414" y="3429000"/>
+            <a:ext cx="3505200" cy="1524000"/>
           </a:xfrm>
           <a:prstGeom prst="rect">
             <a:avLst/>
@@ -4807,7 +4891,7 @@
         </p:spPr>
         <p:txBody>
           <a:bodyPr vert="horz" lIns="91440" tIns="45720" rIns="91440" bIns="45720" rtlCol="0">
-            <a:normAutofit fontScale="40000" lnSpcReduction="20000"/>
+            <a:normAutofit fontScale="47500" lnSpcReduction="20000"/>
           </a:bodyPr>
           <a:lstStyle>
             <a:lvl1pPr marL="342900" indent="-342900" algn="l" defTabSz="914400" rtl="0" eaLnBrk="1" latinLnBrk="0" hangingPunct="1">
@@ -4959,24 +5043,25 @@
                   </a:schemeClr>
                 </a:solidFill>
               </a:rPr>
-              <a:t>  </a:t>
-            </a:r>
-          </a:p>
-          <a:p>
-            <a:pPr marL="109728" indent="0">
-              <a:buFont typeface="Arial" pitchFamily="34" charset="0"/>
-              <a:buNone/>
-            </a:pPr>
-            <a:r>
-              <a:rPr lang="en-US" sz="5400" dirty="0" smtClean="0">
-                <a:solidFill>
-                  <a:schemeClr val="accent1">
-                    <a:lumMod val="50000"/>
-                  </a:schemeClr>
-                </a:solidFill>
-              </a:rPr>
-              <a:t>We succeeded to implement 9 different charts.</a:t>
-            </a:r>
+              <a:t> </a:t>
+            </a:r>
+            <a:r>
+              <a:rPr lang="en-US" sz="4200" dirty="0" smtClean="0">
+                <a:solidFill>
+                  <a:schemeClr val="accent1">
+                    <a:lumMod val="50000"/>
+                  </a:schemeClr>
+                </a:solidFill>
+              </a:rPr>
+              <a:t>The theme is “movies” – the app visually compares different movies – based on drama factor, ticket price, action factor and so on. </a:t>
+            </a:r>
+            <a:endParaRPr lang="en-US" sz="4200" dirty="0" smtClean="0">
+              <a:solidFill>
+                <a:schemeClr val="accent1">
+                  <a:lumMod val="50000"/>
+                </a:schemeClr>
+              </a:solidFill>
+            </a:endParaRPr>
           </a:p>
           <a:p>
             <a:pPr marL="452628"/>
@@ -5093,6 +5178,167 @@
           </a:prstGeom>
         </p:spPr>
       </p:pic>
+      <p:sp>
+        <p:nvSpPr>
+          <p:cNvPr id="4" name="TextBox 3"/>
+          <p:cNvSpPr txBox="1"/>
+          <p:nvPr/>
+        </p:nvSpPr>
+        <p:spPr>
+          <a:xfrm>
+            <a:off x="4929514" y="1752600"/>
+            <a:ext cx="4191000" cy="5262979"/>
+          </a:xfrm>
+          <a:prstGeom prst="rect">
+            <a:avLst/>
+          </a:prstGeom>
+          <a:noFill/>
+        </p:spPr>
+        <p:txBody>
+          <a:bodyPr wrap="square" rtlCol="0">
+            <a:spAutoFit/>
+          </a:bodyPr>
+          <a:lstStyle/>
+          <a:p>
+            <a:r>
+              <a:rPr lang="en-US" sz="2000" b="1" dirty="0" smtClean="0">
+                <a:solidFill>
+                  <a:schemeClr val="accent1">
+                    <a:lumMod val="50000"/>
+                  </a:schemeClr>
+                </a:solidFill>
+              </a:rPr>
+              <a:t>The app: </a:t>
+            </a:r>
+          </a:p>
+          <a:p>
+            <a:endParaRPr lang="en-US" sz="2000" dirty="0">
+              <a:solidFill>
+                <a:schemeClr val="accent1">
+                  <a:lumMod val="50000"/>
+                </a:schemeClr>
+              </a:solidFill>
+            </a:endParaRPr>
+          </a:p>
+          <a:p>
+            <a:r>
+              <a:rPr lang="en-US" sz="2000" dirty="0" smtClean="0">
+                <a:solidFill>
+                  <a:schemeClr val="accent1">
+                    <a:lumMod val="50000"/>
+                  </a:schemeClr>
+                </a:solidFill>
+              </a:rPr>
+              <a:t>Has 9 different charts </a:t>
+            </a:r>
+          </a:p>
+          <a:p>
+            <a:endParaRPr lang="en-US" sz="2000" dirty="0">
+              <a:solidFill>
+                <a:schemeClr val="accent1">
+                  <a:lumMod val="50000"/>
+                </a:schemeClr>
+              </a:solidFill>
+            </a:endParaRPr>
+          </a:p>
+          <a:p>
+            <a:r>
+              <a:rPr lang="en-US" sz="2000" dirty="0" smtClean="0">
+                <a:solidFill>
+                  <a:schemeClr val="accent1">
+                    <a:lumMod val="50000"/>
+                  </a:schemeClr>
+                </a:solidFill>
+              </a:rPr>
+              <a:t>Has its own database with movies and </a:t>
+            </a:r>
+          </a:p>
+          <a:p>
+            <a:r>
+              <a:rPr lang="en-US" sz="2000" dirty="0" smtClean="0">
+                <a:solidFill>
+                  <a:schemeClr val="accent1">
+                    <a:lumMod val="50000"/>
+                  </a:schemeClr>
+                </a:solidFill>
+              </a:rPr>
+              <a:t>some of the charts can work with it </a:t>
+            </a:r>
+          </a:p>
+          <a:p>
+            <a:endParaRPr lang="en-US" sz="2000" dirty="0">
+              <a:solidFill>
+                <a:schemeClr val="accent1">
+                  <a:lumMod val="50000"/>
+                </a:schemeClr>
+              </a:solidFill>
+            </a:endParaRPr>
+          </a:p>
+          <a:p>
+            <a:r>
+              <a:rPr lang="en-US" sz="2000" dirty="0" smtClean="0">
+                <a:solidFill>
+                  <a:schemeClr val="accent1">
+                    <a:lumMod val="50000"/>
+                  </a:schemeClr>
+                </a:solidFill>
+              </a:rPr>
+              <a:t>You can add a new movie with detailed </a:t>
+            </a:r>
+          </a:p>
+          <a:p>
+            <a:r>
+              <a:rPr lang="en-US" sz="2000" dirty="0" smtClean="0">
+                <a:solidFill>
+                  <a:schemeClr val="accent1">
+                    <a:lumMod val="50000"/>
+                  </a:schemeClr>
+                </a:solidFill>
+              </a:rPr>
+              <a:t>info – name, genre, ticket price etc. and </a:t>
+            </a:r>
+          </a:p>
+          <a:p>
+            <a:r>
+              <a:rPr lang="en-US" sz="2000" dirty="0" smtClean="0">
+                <a:solidFill>
+                  <a:schemeClr val="accent1">
+                    <a:lumMod val="50000"/>
+                  </a:schemeClr>
+                </a:solidFill>
+              </a:rPr>
+              <a:t>it’s added to the data base </a:t>
+            </a:r>
+          </a:p>
+          <a:p>
+            <a:endParaRPr lang="en-US" sz="2000" dirty="0">
+              <a:solidFill>
+                <a:schemeClr val="accent1">
+                  <a:lumMod val="50000"/>
+                </a:schemeClr>
+              </a:solidFill>
+            </a:endParaRPr>
+          </a:p>
+          <a:p>
+            <a:r>
+              <a:rPr lang="en-US" sz="2000" dirty="0" smtClean="0">
+                <a:solidFill>
+                  <a:schemeClr val="accent1">
+                    <a:lumMod val="50000"/>
+                  </a:schemeClr>
+                </a:solidFill>
+              </a:rPr>
+              <a:t>Some of the charts work with the new movie  </a:t>
+            </a:r>
+          </a:p>
+          <a:p>
+            <a:endParaRPr lang="en-US" dirty="0"/>
+          </a:p>
+          <a:p>
+            <a:endParaRPr lang="bg-BG" dirty="0"/>
+          </a:p>
+        </p:txBody>
+      </p:sp>
     </p:spTree>
     <p:extLst>
       <p:ext uri="{BB962C8B-B14F-4D97-AF65-F5344CB8AC3E}">
@@ -5317,14 +5563,6 @@
               </a:rPr>
               <a:t> </a:t>
             </a:r>
-            <a:endParaRPr lang="en-US" sz="4300" dirty="0" smtClean="0">
-              <a:solidFill>
-                <a:schemeClr val="accent1">
-                  <a:lumMod val="50000"/>
-                </a:schemeClr>
-              </a:solidFill>
-              <a:latin typeface="Palatino Linotype" pitchFamily="18" charset="0"/>
-            </a:endParaRPr>
           </a:p>
           <a:p>
             <a:pPr marL="109728" indent="0" algn="l"/>

--- a/Project Documentation/Presentation Mandarine.pptx
+++ b/Project Documentation/Presentation Mandarine.pptx
@@ -5,7 +5,7 @@
     <p:sldMasterId id="2147484092" r:id="rId1"/>
   </p:sldMasterIdLst>
   <p:notesMasterIdLst>
-    <p:notesMasterId r:id="rId11"/>
+    <p:notesMasterId r:id="rId10"/>
   </p:notesMasterIdLst>
   <p:sldIdLst>
     <p:sldId id="260" r:id="rId2"/>
@@ -16,7 +16,6 @@
     <p:sldId id="263" r:id="rId7"/>
     <p:sldId id="257" r:id="rId8"/>
     <p:sldId id="258" r:id="rId9"/>
-    <p:sldId id="265" r:id="rId10"/>
   </p:sldIdLst>
   <p:sldSz cx="9144000" cy="6858000" type="screen4x3"/>
   <p:notesSz cx="6858000" cy="9144000"/>
@@ -200,6 +199,7 @@
           <a:p>
             <a:fld id="{B3D787C8-F4B5-40A1-9CC1-B1F8A3F41B34}" type="datetimeFigureOut">
               <a:rPr lang="bg-BG" smtClean="0"/>
+              <a:pPr/>
               <a:t>31.7.2015 г.</a:t>
             </a:fld>
             <a:endParaRPr lang="bg-BG"/>
@@ -359,6 +359,7 @@
           <a:p>
             <a:fld id="{2C91813B-19C1-49AD-A23F-FF3119DA9A73}" type="slidenum">
               <a:rPr lang="bg-BG" smtClean="0"/>
+              <a:pPr/>
               <a:t>‹#›</a:t>
             </a:fld>
             <a:endParaRPr lang="bg-BG"/>
@@ -368,7 +369,7 @@
     </p:spTree>
     <p:extLst>
       <p:ext uri="{BB962C8B-B14F-4D97-AF65-F5344CB8AC3E}">
-        <p14:creationId xmlns:p14="http://schemas.microsoft.com/office/powerpoint/2010/main" val="3915967036"/>
+        <p14:creationId xmlns="" xmlns:p14="http://schemas.microsoft.com/office/powerpoint/2010/main" val="3915967036"/>
       </p:ext>
     </p:extLst>
   </p:cSld>
@@ -533,6 +534,7 @@
           <a:p>
             <a:fld id="{2C91813B-19C1-49AD-A23F-FF3119DA9A73}" type="slidenum">
               <a:rPr lang="bg-BG" smtClean="0"/>
+              <a:pPr/>
               <a:t>1</a:t>
             </a:fld>
             <a:endParaRPr lang="bg-BG"/>
@@ -542,7 +544,7 @@
     </p:spTree>
     <p:extLst>
       <p:ext uri="{BB962C8B-B14F-4D97-AF65-F5344CB8AC3E}">
-        <p14:creationId xmlns:p14="http://schemas.microsoft.com/office/powerpoint/2010/main" val="379079075"/>
+        <p14:creationId xmlns="" xmlns:p14="http://schemas.microsoft.com/office/powerpoint/2010/main" val="379079075"/>
       </p:ext>
     </p:extLst>
   </p:cSld>
@@ -617,6 +619,7 @@
           <a:p>
             <a:fld id="{2C91813B-19C1-49AD-A23F-FF3119DA9A73}" type="slidenum">
               <a:rPr lang="bg-BG" smtClean="0"/>
+              <a:pPr/>
               <a:t>3</a:t>
             </a:fld>
             <a:endParaRPr lang="bg-BG"/>
@@ -626,7 +629,7 @@
     </p:spTree>
     <p:extLst>
       <p:ext uri="{BB962C8B-B14F-4D97-AF65-F5344CB8AC3E}">
-        <p14:creationId xmlns:p14="http://schemas.microsoft.com/office/powerpoint/2010/main" val="2747109784"/>
+        <p14:creationId xmlns="" xmlns:p14="http://schemas.microsoft.com/office/powerpoint/2010/main" val="2747109784"/>
       </p:ext>
     </p:extLst>
   </p:cSld>
@@ -817,6 +820,7 @@
           <a:p>
             <a:fld id="{CCA324DA-4869-478D-B626-C9F9D6E19D38}" type="datetimeFigureOut">
               <a:rPr lang="bg-BG" smtClean="0"/>
+              <a:pPr/>
               <a:t>31.7.2015 г.</a:t>
             </a:fld>
             <a:endParaRPr lang="bg-BG"/>
@@ -859,6 +863,7 @@
           <a:p>
             <a:fld id="{86F2922A-7F7B-4C10-98C2-5C3BDB09F849}" type="slidenum">
               <a:rPr lang="bg-BG" smtClean="0"/>
+              <a:pPr/>
               <a:t>‹#›</a:t>
             </a:fld>
             <a:endParaRPr lang="bg-BG"/>
@@ -868,7 +873,7 @@
     </p:spTree>
     <p:extLst>
       <p:ext uri="{BB962C8B-B14F-4D97-AF65-F5344CB8AC3E}">
-        <p14:creationId xmlns:p14="http://schemas.microsoft.com/office/powerpoint/2010/main" val="1365601116"/>
+        <p14:creationId xmlns="" xmlns:p14="http://schemas.microsoft.com/office/powerpoint/2010/main" val="1365601116"/>
       </p:ext>
     </p:extLst>
   </p:cSld>
@@ -987,6 +992,7 @@
           <a:p>
             <a:fld id="{CCA324DA-4869-478D-B626-C9F9D6E19D38}" type="datetimeFigureOut">
               <a:rPr lang="bg-BG" smtClean="0"/>
+              <a:pPr/>
               <a:t>31.7.2015 г.</a:t>
             </a:fld>
             <a:endParaRPr lang="bg-BG"/>
@@ -1029,6 +1035,7 @@
           <a:p>
             <a:fld id="{86F2922A-7F7B-4C10-98C2-5C3BDB09F849}" type="slidenum">
               <a:rPr lang="bg-BG" smtClean="0"/>
+              <a:pPr/>
               <a:t>‹#›</a:t>
             </a:fld>
             <a:endParaRPr lang="bg-BG"/>
@@ -1038,7 +1045,7 @@
     </p:spTree>
     <p:extLst>
       <p:ext uri="{BB962C8B-B14F-4D97-AF65-F5344CB8AC3E}">
-        <p14:creationId xmlns:p14="http://schemas.microsoft.com/office/powerpoint/2010/main" val="2307113976"/>
+        <p14:creationId xmlns="" xmlns:p14="http://schemas.microsoft.com/office/powerpoint/2010/main" val="2307113976"/>
       </p:ext>
     </p:extLst>
   </p:cSld>
@@ -1167,6 +1174,7 @@
           <a:p>
             <a:fld id="{CCA324DA-4869-478D-B626-C9F9D6E19D38}" type="datetimeFigureOut">
               <a:rPr lang="bg-BG" smtClean="0"/>
+              <a:pPr/>
               <a:t>31.7.2015 г.</a:t>
             </a:fld>
             <a:endParaRPr lang="bg-BG"/>
@@ -1209,6 +1217,7 @@
           <a:p>
             <a:fld id="{86F2922A-7F7B-4C10-98C2-5C3BDB09F849}" type="slidenum">
               <a:rPr lang="bg-BG" smtClean="0"/>
+              <a:pPr/>
               <a:t>‹#›</a:t>
             </a:fld>
             <a:endParaRPr lang="bg-BG"/>
@@ -1218,7 +1227,7 @@
     </p:spTree>
     <p:extLst>
       <p:ext uri="{BB962C8B-B14F-4D97-AF65-F5344CB8AC3E}">
-        <p14:creationId xmlns:p14="http://schemas.microsoft.com/office/powerpoint/2010/main" val="2924712174"/>
+        <p14:creationId xmlns="" xmlns:p14="http://schemas.microsoft.com/office/powerpoint/2010/main" val="2924712174"/>
       </p:ext>
     </p:extLst>
   </p:cSld>
@@ -1337,6 +1346,7 @@
           <a:p>
             <a:fld id="{CCA324DA-4869-478D-B626-C9F9D6E19D38}" type="datetimeFigureOut">
               <a:rPr lang="bg-BG" smtClean="0"/>
+              <a:pPr/>
               <a:t>31.7.2015 г.</a:t>
             </a:fld>
             <a:endParaRPr lang="bg-BG"/>
@@ -1379,6 +1389,7 @@
           <a:p>
             <a:fld id="{86F2922A-7F7B-4C10-98C2-5C3BDB09F849}" type="slidenum">
               <a:rPr lang="bg-BG" smtClean="0"/>
+              <a:pPr/>
               <a:t>‹#›</a:t>
             </a:fld>
             <a:endParaRPr lang="bg-BG"/>
@@ -1388,7 +1399,7 @@
     </p:spTree>
     <p:extLst>
       <p:ext uri="{BB962C8B-B14F-4D97-AF65-F5344CB8AC3E}">
-        <p14:creationId xmlns:p14="http://schemas.microsoft.com/office/powerpoint/2010/main" val="920667919"/>
+        <p14:creationId xmlns="" xmlns:p14="http://schemas.microsoft.com/office/powerpoint/2010/main" val="920667919"/>
       </p:ext>
     </p:extLst>
   </p:cSld>
@@ -1583,6 +1594,7 @@
           <a:p>
             <a:fld id="{CCA324DA-4869-478D-B626-C9F9D6E19D38}" type="datetimeFigureOut">
               <a:rPr lang="bg-BG" smtClean="0"/>
+              <a:pPr/>
               <a:t>31.7.2015 г.</a:t>
             </a:fld>
             <a:endParaRPr lang="bg-BG"/>
@@ -1625,6 +1637,7 @@
           <a:p>
             <a:fld id="{86F2922A-7F7B-4C10-98C2-5C3BDB09F849}" type="slidenum">
               <a:rPr lang="bg-BG" smtClean="0"/>
+              <a:pPr/>
               <a:t>‹#›</a:t>
             </a:fld>
             <a:endParaRPr lang="bg-BG"/>
@@ -1634,7 +1647,7 @@
     </p:spTree>
     <p:extLst>
       <p:ext uri="{BB962C8B-B14F-4D97-AF65-F5344CB8AC3E}">
-        <p14:creationId xmlns:p14="http://schemas.microsoft.com/office/powerpoint/2010/main" val="2518805200"/>
+        <p14:creationId xmlns="" xmlns:p14="http://schemas.microsoft.com/office/powerpoint/2010/main" val="2518805200"/>
       </p:ext>
     </p:extLst>
   </p:cSld>
@@ -1871,6 +1884,7 @@
           <a:p>
             <a:fld id="{CCA324DA-4869-478D-B626-C9F9D6E19D38}" type="datetimeFigureOut">
               <a:rPr lang="bg-BG" smtClean="0"/>
+              <a:pPr/>
               <a:t>31.7.2015 г.</a:t>
             </a:fld>
             <a:endParaRPr lang="bg-BG"/>
@@ -1913,6 +1927,7 @@
           <a:p>
             <a:fld id="{86F2922A-7F7B-4C10-98C2-5C3BDB09F849}" type="slidenum">
               <a:rPr lang="bg-BG" smtClean="0"/>
+              <a:pPr/>
               <a:t>‹#›</a:t>
             </a:fld>
             <a:endParaRPr lang="bg-BG"/>
@@ -1922,7 +1937,7 @@
     </p:spTree>
     <p:extLst>
       <p:ext uri="{BB962C8B-B14F-4D97-AF65-F5344CB8AC3E}">
-        <p14:creationId xmlns:p14="http://schemas.microsoft.com/office/powerpoint/2010/main" val="1671547278"/>
+        <p14:creationId xmlns="" xmlns:p14="http://schemas.microsoft.com/office/powerpoint/2010/main" val="1671547278"/>
       </p:ext>
     </p:extLst>
   </p:cSld>
@@ -2293,6 +2308,7 @@
           <a:p>
             <a:fld id="{CCA324DA-4869-478D-B626-C9F9D6E19D38}" type="datetimeFigureOut">
               <a:rPr lang="bg-BG" smtClean="0"/>
+              <a:pPr/>
               <a:t>31.7.2015 г.</a:t>
             </a:fld>
             <a:endParaRPr lang="bg-BG"/>
@@ -2335,6 +2351,7 @@
           <a:p>
             <a:fld id="{86F2922A-7F7B-4C10-98C2-5C3BDB09F849}" type="slidenum">
               <a:rPr lang="bg-BG" smtClean="0"/>
+              <a:pPr/>
               <a:t>‹#›</a:t>
             </a:fld>
             <a:endParaRPr lang="bg-BG"/>
@@ -2344,7 +2361,7 @@
     </p:spTree>
     <p:extLst>
       <p:ext uri="{BB962C8B-B14F-4D97-AF65-F5344CB8AC3E}">
-        <p14:creationId xmlns:p14="http://schemas.microsoft.com/office/powerpoint/2010/main" val="2359131444"/>
+        <p14:creationId xmlns="" xmlns:p14="http://schemas.microsoft.com/office/powerpoint/2010/main" val="2359131444"/>
       </p:ext>
     </p:extLst>
   </p:cSld>
@@ -2411,6 +2428,7 @@
           <a:p>
             <a:fld id="{CCA324DA-4869-478D-B626-C9F9D6E19D38}" type="datetimeFigureOut">
               <a:rPr lang="bg-BG" smtClean="0"/>
+              <a:pPr/>
               <a:t>31.7.2015 г.</a:t>
             </a:fld>
             <a:endParaRPr lang="bg-BG"/>
@@ -2453,6 +2471,7 @@
           <a:p>
             <a:fld id="{86F2922A-7F7B-4C10-98C2-5C3BDB09F849}" type="slidenum">
               <a:rPr lang="bg-BG" smtClean="0"/>
+              <a:pPr/>
               <a:t>‹#›</a:t>
             </a:fld>
             <a:endParaRPr lang="bg-BG"/>
@@ -2462,7 +2481,7 @@
     </p:spTree>
     <p:extLst>
       <p:ext uri="{BB962C8B-B14F-4D97-AF65-F5344CB8AC3E}">
-        <p14:creationId xmlns:p14="http://schemas.microsoft.com/office/powerpoint/2010/main" val="1701070066"/>
+        <p14:creationId xmlns="" xmlns:p14="http://schemas.microsoft.com/office/powerpoint/2010/main" val="1701070066"/>
       </p:ext>
     </p:extLst>
   </p:cSld>
@@ -2506,6 +2525,7 @@
           <a:p>
             <a:fld id="{CCA324DA-4869-478D-B626-C9F9D6E19D38}" type="datetimeFigureOut">
               <a:rPr lang="bg-BG" smtClean="0"/>
+              <a:pPr/>
               <a:t>31.7.2015 г.</a:t>
             </a:fld>
             <a:endParaRPr lang="bg-BG"/>
@@ -2548,6 +2568,7 @@
           <a:p>
             <a:fld id="{86F2922A-7F7B-4C10-98C2-5C3BDB09F849}" type="slidenum">
               <a:rPr lang="bg-BG" smtClean="0"/>
+              <a:pPr/>
               <a:t>‹#›</a:t>
             </a:fld>
             <a:endParaRPr lang="bg-BG"/>
@@ -2557,7 +2578,7 @@
     </p:spTree>
     <p:extLst>
       <p:ext uri="{BB962C8B-B14F-4D97-AF65-F5344CB8AC3E}">
-        <p14:creationId xmlns:p14="http://schemas.microsoft.com/office/powerpoint/2010/main" val="1206239005"/>
+        <p14:creationId xmlns="" xmlns:p14="http://schemas.microsoft.com/office/powerpoint/2010/main" val="1206239005"/>
       </p:ext>
     </p:extLst>
   </p:cSld>
@@ -2783,6 +2804,7 @@
           <a:p>
             <a:fld id="{CCA324DA-4869-478D-B626-C9F9D6E19D38}" type="datetimeFigureOut">
               <a:rPr lang="bg-BG" smtClean="0"/>
+              <a:pPr/>
               <a:t>31.7.2015 г.</a:t>
             </a:fld>
             <a:endParaRPr lang="bg-BG"/>
@@ -2825,6 +2847,7 @@
           <a:p>
             <a:fld id="{86F2922A-7F7B-4C10-98C2-5C3BDB09F849}" type="slidenum">
               <a:rPr lang="bg-BG" smtClean="0"/>
+              <a:pPr/>
               <a:t>‹#›</a:t>
             </a:fld>
             <a:endParaRPr lang="bg-BG"/>
@@ -2834,7 +2857,7 @@
     </p:spTree>
     <p:extLst>
       <p:ext uri="{BB962C8B-B14F-4D97-AF65-F5344CB8AC3E}">
-        <p14:creationId xmlns:p14="http://schemas.microsoft.com/office/powerpoint/2010/main" val="2089640843"/>
+        <p14:creationId xmlns="" xmlns:p14="http://schemas.microsoft.com/office/powerpoint/2010/main" val="2089640843"/>
       </p:ext>
     </p:extLst>
   </p:cSld>
@@ -3036,6 +3059,7 @@
           <a:p>
             <a:fld id="{CCA324DA-4869-478D-B626-C9F9D6E19D38}" type="datetimeFigureOut">
               <a:rPr lang="bg-BG" smtClean="0"/>
+              <a:pPr/>
               <a:t>31.7.2015 г.</a:t>
             </a:fld>
             <a:endParaRPr lang="bg-BG"/>
@@ -3078,6 +3102,7 @@
           <a:p>
             <a:fld id="{86F2922A-7F7B-4C10-98C2-5C3BDB09F849}" type="slidenum">
               <a:rPr lang="bg-BG" smtClean="0"/>
+              <a:pPr/>
               <a:t>‹#›</a:t>
             </a:fld>
             <a:endParaRPr lang="bg-BG"/>
@@ -3087,7 +3112,7 @@
     </p:spTree>
     <p:extLst>
       <p:ext uri="{BB962C8B-B14F-4D97-AF65-F5344CB8AC3E}">
-        <p14:creationId xmlns:p14="http://schemas.microsoft.com/office/powerpoint/2010/main" val="1915928661"/>
+        <p14:creationId xmlns="" xmlns:p14="http://schemas.microsoft.com/office/powerpoint/2010/main" val="1915928661"/>
       </p:ext>
     </p:extLst>
   </p:cSld>
@@ -3103,7 +3128,7 @@
     <p:bg>
       <p:bgPr>
         <a:blipFill dpi="0" rotWithShape="1">
-          <a:blip r:embed="rId13">
+          <a:blip r:embed="rId13" cstate="print">
             <a:lum/>
           </a:blip>
           <a:srcRect/>
@@ -3258,6 +3283,7 @@
           <a:p>
             <a:fld id="{CCA324DA-4869-478D-B626-C9F9D6E19D38}" type="datetimeFigureOut">
               <a:rPr lang="bg-BG" smtClean="0"/>
+              <a:pPr/>
               <a:t>31.7.2015 г.</a:t>
             </a:fld>
             <a:endParaRPr lang="bg-BG"/>
@@ -3336,6 +3362,7 @@
           <a:p>
             <a:fld id="{86F2922A-7F7B-4C10-98C2-5C3BDB09F849}" type="slidenum">
               <a:rPr lang="bg-BG" smtClean="0"/>
+              <a:pPr/>
               <a:t>‹#›</a:t>
             </a:fld>
             <a:endParaRPr lang="bg-BG"/>
@@ -3345,7 +3372,7 @@
     </p:spTree>
     <p:extLst>
       <p:ext uri="{BB962C8B-B14F-4D97-AF65-F5344CB8AC3E}">
-        <p14:creationId xmlns:p14="http://schemas.microsoft.com/office/powerpoint/2010/main" val="3313188243"/>
+        <p14:creationId xmlns="" xmlns:p14="http://schemas.microsoft.com/office/powerpoint/2010/main" val="3313188243"/>
       </p:ext>
     </p:extLst>
   </p:cSld>
@@ -3622,7 +3649,7 @@
     <p:bg>
       <p:bgPr>
         <a:blipFill dpi="0" rotWithShape="1">
-          <a:blip r:embed="rId3">
+          <a:blip r:embed="rId3" cstate="print">
             <a:lum/>
           </a:blip>
           <a:srcRect/>
@@ -3963,7 +3990,7 @@
     </p:spTree>
     <p:extLst>
       <p:ext uri="{BB962C8B-B14F-4D97-AF65-F5344CB8AC3E}">
-        <p14:creationId xmlns:p14="http://schemas.microsoft.com/office/powerpoint/2010/main" val="3556372192"/>
+        <p14:creationId xmlns="" xmlns:p14="http://schemas.microsoft.com/office/powerpoint/2010/main" val="3556372192"/>
       </p:ext>
     </p:extLst>
   </p:cSld>
@@ -4250,7 +4277,7 @@
           <p:nvPr>
             <p:extLst>
               <p:ext uri="{D42A27DB-BD31-4B8C-83A1-F6EECF244321}">
-                <p14:modId xmlns:p14="http://schemas.microsoft.com/office/powerpoint/2010/main" val="193443960"/>
+                <p14:modId xmlns="" xmlns:p14="http://schemas.microsoft.com/office/powerpoint/2010/main" val="193443960"/>
               </p:ext>
             </p:extLst>
           </p:nvPr>
@@ -4697,7 +4724,7 @@
     </p:spTree>
     <p:extLst>
       <p:ext uri="{BB962C8B-B14F-4D97-AF65-F5344CB8AC3E}">
-        <p14:creationId xmlns:p14="http://schemas.microsoft.com/office/powerpoint/2010/main" val="3929209132"/>
+        <p14:creationId xmlns="" xmlns:p14="http://schemas.microsoft.com/office/powerpoint/2010/main" val="3929209132"/>
       </p:ext>
     </p:extLst>
   </p:cSld>
@@ -4842,36 +4869,6 @@
           </a:p>
         </p:txBody>
       </p:sp>
-      <p:pic>
-        <p:nvPicPr>
-          <p:cNvPr id="4" name="Picture 3"/>
-          <p:cNvPicPr>
-            <a:picLocks noChangeAspect="1"/>
-          </p:cNvPicPr>
-          <p:nvPr/>
-        </p:nvPicPr>
-        <p:blipFill>
-          <a:blip r:embed="rId3">
-            <a:extLst>
-              <a:ext uri="{28A0092B-C50C-407E-A947-70E740481C1C}">
-                <a14:useLocalDpi xmlns:a14="http://schemas.microsoft.com/office/drawing/2010/main" val="0"/>
-              </a:ext>
-            </a:extLst>
-          </a:blip>
-          <a:stretch>
-            <a:fillRect/>
-          </a:stretch>
-        </p:blipFill>
-        <p:spPr>
-          <a:xfrm>
-            <a:off x="228600" y="1828799"/>
-            <a:ext cx="4648200" cy="4481251"/>
-          </a:xfrm>
-          <a:prstGeom prst="rect">
-            <a:avLst/>
-          </a:prstGeom>
-        </p:spPr>
-      </p:pic>
       <p:sp>
         <p:nvSpPr>
           <p:cNvPr id="5" name="Subtitle 2"/>
@@ -5055,13 +5052,6 @@
               </a:rPr>
               <a:t>The theme is “movies” – the app visually compares different movies – based on drama factor, ticket price, action factor and so on. </a:t>
             </a:r>
-            <a:endParaRPr lang="en-US" sz="4200" dirty="0" smtClean="0">
-              <a:solidFill>
-                <a:schemeClr val="accent1">
-                  <a:lumMod val="50000"/>
-                </a:schemeClr>
-              </a:solidFill>
-            </a:endParaRPr>
           </a:p>
           <a:p>
             <a:pPr marL="452628"/>
@@ -5069,10 +5059,34 @@
           </a:p>
         </p:txBody>
       </p:sp>
+      <p:pic>
+        <p:nvPicPr>
+          <p:cNvPr id="6" name="Picture 5" descr="PIC1.png"/>
+          <p:cNvPicPr>
+            <a:picLocks noChangeAspect="1"/>
+          </p:cNvPicPr>
+          <p:nvPr/>
+        </p:nvPicPr>
+        <p:blipFill>
+          <a:blip r:embed="rId3" cstate="print"/>
+          <a:stretch>
+            <a:fillRect/>
+          </a:stretch>
+        </p:blipFill>
+        <p:spPr>
+          <a:xfrm>
+            <a:off x="228600" y="1828800"/>
+            <a:ext cx="4724400" cy="4517923"/>
+          </a:xfrm>
+          <a:prstGeom prst="rect">
+            <a:avLst/>
+          </a:prstGeom>
+        </p:spPr>
+      </p:pic>
     </p:spTree>
     <p:extLst>
       <p:ext uri="{BB962C8B-B14F-4D97-AF65-F5344CB8AC3E}">
-        <p14:creationId xmlns:p14="http://schemas.microsoft.com/office/powerpoint/2010/main" val="4207131649"/>
+        <p14:creationId xmlns="" xmlns:p14="http://schemas.microsoft.com/office/powerpoint/2010/main" val="4207131649"/>
       </p:ext>
     </p:extLst>
   </p:cSld>
@@ -5148,36 +5162,6 @@
           </a:p>
         </p:txBody>
       </p:sp>
-      <p:pic>
-        <p:nvPicPr>
-          <p:cNvPr id="3" name="Picture 2"/>
-          <p:cNvPicPr>
-            <a:picLocks noChangeAspect="1"/>
-          </p:cNvPicPr>
-          <p:nvPr/>
-        </p:nvPicPr>
-        <p:blipFill>
-          <a:blip r:embed="rId2">
-            <a:extLst>
-              <a:ext uri="{28A0092B-C50C-407E-A947-70E740481C1C}">
-                <a14:useLocalDpi xmlns:a14="http://schemas.microsoft.com/office/drawing/2010/main" val="0"/>
-              </a:ext>
-            </a:extLst>
-          </a:blip>
-          <a:stretch>
-            <a:fillRect/>
-          </a:stretch>
-        </p:blipFill>
-        <p:spPr>
-          <a:xfrm>
-            <a:off x="228600" y="1905000"/>
-            <a:ext cx="4511571" cy="4382176"/>
-          </a:xfrm>
-          <a:prstGeom prst="rect">
-            <a:avLst/>
-          </a:prstGeom>
-        </p:spPr>
-      </p:pic>
       <p:sp>
         <p:nvSpPr>
           <p:cNvPr id="4" name="TextBox 3"/>
@@ -5229,7 +5213,7 @@
                   </a:schemeClr>
                 </a:solidFill>
               </a:rPr>
-              <a:t>Has 9 different charts </a:t>
+              <a:t>Has 10 different charts </a:t>
             </a:r>
           </a:p>
           <a:p>
@@ -5339,10 +5323,34 @@
           </a:p>
         </p:txBody>
       </p:sp>
+      <p:pic>
+        <p:nvPicPr>
+          <p:cNvPr id="5" name="Picture 4" descr="PIC2.png"/>
+          <p:cNvPicPr>
+            <a:picLocks noChangeAspect="1"/>
+          </p:cNvPicPr>
+          <p:nvPr/>
+        </p:nvPicPr>
+        <p:blipFill>
+          <a:blip r:embed="rId2" cstate="print"/>
+          <a:stretch>
+            <a:fillRect/>
+          </a:stretch>
+        </p:blipFill>
+        <p:spPr>
+          <a:xfrm>
+            <a:off x="228600" y="1828800"/>
+            <a:ext cx="4588630" cy="4343400"/>
+          </a:xfrm>
+          <a:prstGeom prst="rect">
+            <a:avLst/>
+          </a:prstGeom>
+        </p:spPr>
+      </p:pic>
     </p:spTree>
     <p:extLst>
       <p:ext uri="{BB962C8B-B14F-4D97-AF65-F5344CB8AC3E}">
-        <p14:creationId xmlns:p14="http://schemas.microsoft.com/office/powerpoint/2010/main" val="1978140734"/>
+        <p14:creationId xmlns="" xmlns:p14="http://schemas.microsoft.com/office/powerpoint/2010/main" val="1978140734"/>
       </p:ext>
     </p:extLst>
   </p:cSld>
@@ -5427,10 +5435,533 @@
           </a:p>
         </p:txBody>
       </p:sp>
+      <p:sp>
+        <p:nvSpPr>
+          <p:cNvPr id="3" name="TextBox 2"/>
+          <p:cNvSpPr txBox="1"/>
+          <p:nvPr/>
+        </p:nvSpPr>
+        <p:spPr>
+          <a:xfrm>
+            <a:off x="3505200" y="609600"/>
+            <a:ext cx="2362200" cy="584775"/>
+          </a:xfrm>
+          <a:prstGeom prst="rect">
+            <a:avLst/>
+          </a:prstGeom>
+          <a:noFill/>
+        </p:spPr>
+        <p:txBody>
+          <a:bodyPr wrap="square" rtlCol="0">
+            <a:spAutoFit/>
+          </a:bodyPr>
+          <a:lstStyle/>
+          <a:p>
+            <a:r>
+              <a:rPr lang="en-US" sz="3200" b="1" dirty="0" smtClean="0">
+                <a:solidFill>
+                  <a:schemeClr val="accent1">
+                    <a:lumMod val="50000"/>
+                  </a:schemeClr>
+                </a:solidFill>
+              </a:rPr>
+              <a:t>THE CHARTS</a:t>
+            </a:r>
+            <a:endParaRPr lang="bg-BG" sz="3200" b="1" dirty="0">
+              <a:solidFill>
+                <a:schemeClr val="accent1">
+                  <a:lumMod val="50000"/>
+                </a:schemeClr>
+              </a:solidFill>
+            </a:endParaRPr>
+          </a:p>
+        </p:txBody>
+      </p:sp>
+      <p:graphicFrame>
+        <p:nvGraphicFramePr>
+          <p:cNvPr id="5" name="Table 4"/>
+          <p:cNvGraphicFramePr>
+            <a:graphicFrameLocks noGrp="1"/>
+          </p:cNvGraphicFramePr>
+          <p:nvPr/>
+        </p:nvGraphicFramePr>
+        <p:xfrm>
+          <a:off x="381000" y="1752600"/>
+          <a:ext cx="8305800" cy="4617720"/>
+        </p:xfrm>
+        <a:graphic>
+          <a:graphicData uri="http://schemas.openxmlformats.org/drawingml/2006/table">
+            <a:tbl>
+              <a:tblPr firstRow="1" bandRow="1">
+                <a:tableStyleId>{5C22544A-7EE6-4342-B048-85BDC9FD1C3A}</a:tableStyleId>
+              </a:tblPr>
+              <a:tblGrid>
+                <a:gridCol w="2438400"/>
+                <a:gridCol w="5867400"/>
+              </a:tblGrid>
+              <a:tr h="370840">
+                <a:tc>
+                  <a:txBody>
+                    <a:bodyPr/>
+                    <a:lstStyle/>
+                    <a:p>
+                      <a:r>
+                        <a:rPr lang="en-US" dirty="0" smtClean="0"/>
+                        <a:t>Name </a:t>
+                      </a:r>
+                      <a:endParaRPr lang="bg-BG" dirty="0"/>
+                    </a:p>
+                  </a:txBody>
+                  <a:tcPr/>
+                </a:tc>
+                <a:tc>
+                  <a:txBody>
+                    <a:bodyPr/>
+                    <a:lstStyle/>
+                    <a:p>
+                      <a:r>
+                        <a:rPr lang="en-US" dirty="0" smtClean="0"/>
+                        <a:t>Brief description / compares movies based on:</a:t>
+                      </a:r>
+                      <a:endParaRPr lang="bg-BG" dirty="0"/>
+                    </a:p>
+                  </a:txBody>
+                  <a:tcPr/>
+                </a:tc>
+              </a:tr>
+              <a:tr h="370840">
+                <a:tc>
+                  <a:txBody>
+                    <a:bodyPr/>
+                    <a:lstStyle/>
+                    <a:p>
+                      <a:r>
+                        <a:rPr lang="en-US" dirty="0" smtClean="0"/>
+                        <a:t>Doughnut</a:t>
+                      </a:r>
+                      <a:r>
+                        <a:rPr lang="en-US" baseline="0" dirty="0" smtClean="0"/>
+                        <a:t> Chart </a:t>
+                      </a:r>
+                      <a:endParaRPr lang="bg-BG" dirty="0"/>
+                    </a:p>
+                  </a:txBody>
+                  <a:tcPr/>
+                </a:tc>
+                <a:tc>
+                  <a:txBody>
+                    <a:bodyPr/>
+                    <a:lstStyle/>
+                    <a:p>
+                      <a:r>
+                        <a:rPr lang="en-US" baseline="0" dirty="0" smtClean="0"/>
+                        <a:t>genre, works with database and new added movies </a:t>
+                      </a:r>
+                      <a:endParaRPr lang="bg-BG" dirty="0"/>
+                    </a:p>
+                  </a:txBody>
+                  <a:tcPr/>
+                </a:tc>
+              </a:tr>
+              <a:tr h="370840">
+                <a:tc>
+                  <a:txBody>
+                    <a:bodyPr/>
+                    <a:lstStyle/>
+                    <a:p>
+                      <a:r>
+                        <a:rPr lang="en-US" dirty="0" smtClean="0"/>
+                        <a:t>Line Chart</a:t>
+                      </a:r>
+                      <a:r>
+                        <a:rPr lang="en-US" baseline="0" dirty="0" smtClean="0"/>
+                        <a:t> </a:t>
+                      </a:r>
+                      <a:endParaRPr lang="bg-BG" dirty="0"/>
+                    </a:p>
+                  </a:txBody>
+                  <a:tcPr/>
+                </a:tc>
+                <a:tc>
+                  <a:txBody>
+                    <a:bodyPr/>
+                    <a:lstStyle/>
+                    <a:p>
+                      <a:r>
+                        <a:rPr lang="en-US" baseline="0" dirty="0" smtClean="0"/>
+                        <a:t>t. price and drama factor , works with database and new added movies </a:t>
+                      </a:r>
+                      <a:endParaRPr lang="bg-BG" dirty="0"/>
+                    </a:p>
+                  </a:txBody>
+                  <a:tcPr/>
+                </a:tc>
+              </a:tr>
+              <a:tr h="370840">
+                <a:tc>
+                  <a:txBody>
+                    <a:bodyPr/>
+                    <a:lstStyle/>
+                    <a:p>
+                      <a:r>
+                        <a:rPr lang="en-US" dirty="0" smtClean="0"/>
+                        <a:t>Bar Chart </a:t>
+                      </a:r>
+                      <a:endParaRPr lang="bg-BG" dirty="0"/>
+                    </a:p>
+                  </a:txBody>
+                  <a:tcPr/>
+                </a:tc>
+                <a:tc>
+                  <a:txBody>
+                    <a:bodyPr/>
+                    <a:lstStyle/>
+                    <a:p>
+                      <a:r>
+                        <a:rPr lang="en-US" baseline="0" dirty="0" smtClean="0"/>
+                        <a:t>box office gross , works with its own data </a:t>
+                      </a:r>
+                      <a:endParaRPr lang="bg-BG" dirty="0"/>
+                    </a:p>
+                  </a:txBody>
+                  <a:tcPr/>
+                </a:tc>
+              </a:tr>
+              <a:tr h="370840">
+                <a:tc>
+                  <a:txBody>
+                    <a:bodyPr/>
+                    <a:lstStyle/>
+                    <a:p>
+                      <a:r>
+                        <a:rPr lang="en-US" smtClean="0"/>
+                        <a:t>Compare movies </a:t>
+                      </a:r>
+                      <a:endParaRPr lang="bg-BG" dirty="0"/>
+                    </a:p>
+                  </a:txBody>
+                  <a:tcPr/>
+                </a:tc>
+                <a:tc>
+                  <a:txBody>
+                    <a:bodyPr/>
+                    <a:lstStyle/>
+                    <a:p>
+                      <a:r>
+                        <a:rPr lang="en-US" dirty="0" smtClean="0"/>
+                        <a:t>all factors, </a:t>
+                      </a:r>
+                      <a:r>
+                        <a:rPr lang="en-US" baseline="0" dirty="0" smtClean="0"/>
+                        <a:t>works with database and new added movies, can change movies with button </a:t>
+                      </a:r>
+                      <a:endParaRPr lang="bg-BG" dirty="0"/>
+                    </a:p>
+                  </a:txBody>
+                  <a:tcPr/>
+                </a:tc>
+              </a:tr>
+              <a:tr h="370840">
+                <a:tc>
+                  <a:txBody>
+                    <a:bodyPr/>
+                    <a:lstStyle/>
+                    <a:p>
+                      <a:r>
+                        <a:rPr lang="en-US" dirty="0" smtClean="0"/>
+                        <a:t>Bubble Chart </a:t>
+                      </a:r>
+                      <a:endParaRPr lang="bg-BG" dirty="0"/>
+                    </a:p>
+                  </a:txBody>
+                  <a:tcPr/>
+                </a:tc>
+                <a:tc>
+                  <a:txBody>
+                    <a:bodyPr/>
+                    <a:lstStyle/>
+                    <a:p>
+                      <a:pPr marL="0" marR="0" indent="0" algn="l" defTabSz="914400" rtl="0" eaLnBrk="1" fontAlgn="auto" latinLnBrk="0" hangingPunct="1">
+                        <a:lnSpc>
+                          <a:spcPct val="100000"/>
+                        </a:lnSpc>
+                        <a:spcBef>
+                          <a:spcPts val="0"/>
+                        </a:spcBef>
+                        <a:spcAft>
+                          <a:spcPts val="0"/>
+                        </a:spcAft>
+                        <a:buClrTx/>
+                        <a:buSzTx/>
+                        <a:buFontTx/>
+                        <a:buNone/>
+                        <a:tabLst/>
+                        <a:defRPr/>
+                      </a:pPr>
+                      <a:r>
+                        <a:rPr lang="en-US" dirty="0" smtClean="0"/>
+                        <a:t>all factors, </a:t>
+                      </a:r>
+                      <a:r>
+                        <a:rPr lang="en-US" baseline="0" dirty="0" smtClean="0"/>
+                        <a:t>works with database and new added movies</a:t>
+                      </a:r>
+                      <a:endParaRPr lang="bg-BG" dirty="0" smtClean="0"/>
+                    </a:p>
+                  </a:txBody>
+                  <a:tcPr/>
+                </a:tc>
+              </a:tr>
+              <a:tr h="370840">
+                <a:tc>
+                  <a:txBody>
+                    <a:bodyPr/>
+                    <a:lstStyle/>
+                    <a:p>
+                      <a:r>
+                        <a:rPr lang="en-US" dirty="0" smtClean="0"/>
+                        <a:t>Polar  Chart </a:t>
+                      </a:r>
+                      <a:endParaRPr lang="bg-BG" dirty="0"/>
+                    </a:p>
+                  </a:txBody>
+                  <a:tcPr/>
+                </a:tc>
+                <a:tc>
+                  <a:txBody>
+                    <a:bodyPr/>
+                    <a:lstStyle/>
+                    <a:p>
+                      <a:r>
+                        <a:rPr lang="en-US" dirty="0" smtClean="0"/>
+                        <a:t>comedy</a:t>
+                      </a:r>
+                      <a:r>
+                        <a:rPr lang="en-US" baseline="0" dirty="0" smtClean="0"/>
+                        <a:t> factor, works with database </a:t>
+                      </a:r>
+                      <a:endParaRPr lang="bg-BG" dirty="0"/>
+                    </a:p>
+                  </a:txBody>
+                  <a:tcPr/>
+                </a:tc>
+              </a:tr>
+              <a:tr h="370840">
+                <a:tc>
+                  <a:txBody>
+                    <a:bodyPr/>
+                    <a:lstStyle/>
+                    <a:p>
+                      <a:r>
+                        <a:rPr lang="en-US" dirty="0" smtClean="0"/>
+                        <a:t>Area Chart </a:t>
+                      </a:r>
+                      <a:endParaRPr lang="bg-BG" dirty="0"/>
+                    </a:p>
+                  </a:txBody>
+                  <a:tcPr/>
+                </a:tc>
+                <a:tc>
+                  <a:txBody>
+                    <a:bodyPr/>
+                    <a:lstStyle/>
+                    <a:p>
+                      <a:pPr marL="0" marR="0" indent="0" algn="l" defTabSz="914400" rtl="0" eaLnBrk="1" fontAlgn="auto" latinLnBrk="0" hangingPunct="1">
+                        <a:lnSpc>
+                          <a:spcPct val="100000"/>
+                        </a:lnSpc>
+                        <a:spcBef>
+                          <a:spcPts val="0"/>
+                        </a:spcBef>
+                        <a:spcAft>
+                          <a:spcPts val="0"/>
+                        </a:spcAft>
+                        <a:buClrTx/>
+                        <a:buSzTx/>
+                        <a:buFontTx/>
+                        <a:buNone/>
+                        <a:tabLst/>
+                        <a:defRPr/>
+                      </a:pPr>
+                      <a:r>
+                        <a:rPr lang="en-US" dirty="0" smtClean="0"/>
+                        <a:t>genre</a:t>
+                      </a:r>
+                      <a:r>
+                        <a:rPr lang="en-US" baseline="0" dirty="0" smtClean="0"/>
+                        <a:t> thought years, works with its own data </a:t>
+                      </a:r>
+                      <a:endParaRPr lang="bg-BG" dirty="0" smtClean="0"/>
+                    </a:p>
+                  </a:txBody>
+                  <a:tcPr/>
+                </a:tc>
+              </a:tr>
+              <a:tr h="370840">
+                <a:tc>
+                  <a:txBody>
+                    <a:bodyPr/>
+                    <a:lstStyle/>
+                    <a:p>
+                      <a:r>
+                        <a:rPr lang="en-US" dirty="0" smtClean="0"/>
+                        <a:t>Pyramid Chart</a:t>
+                      </a:r>
+                      <a:r>
+                        <a:rPr lang="en-US" baseline="0" dirty="0" smtClean="0"/>
+                        <a:t> </a:t>
+                      </a:r>
+                      <a:endParaRPr lang="bg-BG" dirty="0"/>
+                    </a:p>
+                  </a:txBody>
+                  <a:tcPr/>
+                </a:tc>
+                <a:tc>
+                  <a:txBody>
+                    <a:bodyPr/>
+                    <a:lstStyle/>
+                    <a:p>
+                      <a:pPr marL="0" marR="0" indent="0" algn="l" defTabSz="914400" rtl="0" eaLnBrk="1" fontAlgn="auto" latinLnBrk="0" hangingPunct="1">
+                        <a:lnSpc>
+                          <a:spcPct val="100000"/>
+                        </a:lnSpc>
+                        <a:spcBef>
+                          <a:spcPts val="0"/>
+                        </a:spcBef>
+                        <a:spcAft>
+                          <a:spcPts val="0"/>
+                        </a:spcAft>
+                        <a:buClrTx/>
+                        <a:buSzTx/>
+                        <a:buFontTx/>
+                        <a:buNone/>
+                        <a:tabLst/>
+                        <a:defRPr/>
+                      </a:pPr>
+                      <a:r>
+                        <a:rPr lang="en-US" dirty="0" smtClean="0"/>
+                        <a:t>ticket price, </a:t>
+                      </a:r>
+                      <a:r>
+                        <a:rPr lang="en-US" baseline="0" dirty="0" smtClean="0"/>
+                        <a:t>works with its own data </a:t>
+                      </a:r>
+                      <a:endParaRPr lang="bg-BG" dirty="0" smtClean="0"/>
+                    </a:p>
+                  </a:txBody>
+                  <a:tcPr/>
+                </a:tc>
+              </a:tr>
+              <a:tr h="370840">
+                <a:tc>
+                  <a:txBody>
+                    <a:bodyPr/>
+                    <a:lstStyle/>
+                    <a:p>
+                      <a:r>
+                        <a:rPr lang="en-US" dirty="0" smtClean="0"/>
+                        <a:t>Pie Chart </a:t>
+                      </a:r>
+                      <a:endParaRPr lang="bg-BG" dirty="0"/>
+                    </a:p>
+                  </a:txBody>
+                  <a:tcPr/>
+                </a:tc>
+                <a:tc>
+                  <a:txBody>
+                    <a:bodyPr/>
+                    <a:lstStyle/>
+                    <a:p>
+                      <a:pPr marL="0" marR="0" indent="0" algn="l" defTabSz="914400" rtl="0" eaLnBrk="1" fontAlgn="auto" latinLnBrk="0" hangingPunct="1">
+                        <a:lnSpc>
+                          <a:spcPct val="100000"/>
+                        </a:lnSpc>
+                        <a:spcBef>
+                          <a:spcPts val="0"/>
+                        </a:spcBef>
+                        <a:spcAft>
+                          <a:spcPts val="0"/>
+                        </a:spcAft>
+                        <a:buClrTx/>
+                        <a:buSzTx/>
+                        <a:buFontTx/>
+                        <a:buNone/>
+                        <a:tabLst/>
+                        <a:defRPr/>
+                      </a:pPr>
+                      <a:r>
+                        <a:rPr lang="en-US" dirty="0" smtClean="0"/>
+                        <a:t>action factor,</a:t>
+                      </a:r>
+                      <a:r>
+                        <a:rPr lang="en-US" baseline="0" dirty="0" smtClean="0"/>
+                        <a:t> works with database and new added movies</a:t>
+                      </a:r>
+                      <a:endParaRPr lang="bg-BG" dirty="0" smtClean="0"/>
+                    </a:p>
+                  </a:txBody>
+                  <a:tcPr/>
+                </a:tc>
+              </a:tr>
+              <a:tr h="370840">
+                <a:tc>
+                  <a:txBody>
+                    <a:bodyPr/>
+                    <a:lstStyle/>
+                    <a:p>
+                      <a:r>
+                        <a:rPr lang="en-US" dirty="0" smtClean="0"/>
+                        <a:t>Floating</a:t>
+                      </a:r>
+                      <a:r>
+                        <a:rPr lang="en-US" baseline="0" dirty="0" smtClean="0"/>
+                        <a:t> Bar Chart </a:t>
+                      </a:r>
+                      <a:endParaRPr lang="bg-BG" dirty="0"/>
+                    </a:p>
+                  </a:txBody>
+                  <a:tcPr/>
+                </a:tc>
+                <a:tc>
+                  <a:txBody>
+                    <a:bodyPr/>
+                    <a:lstStyle/>
+                    <a:p>
+                      <a:pPr marL="0" marR="0" indent="0" algn="l" defTabSz="914400" rtl="0" eaLnBrk="1" fontAlgn="auto" latinLnBrk="0" hangingPunct="1">
+                        <a:lnSpc>
+                          <a:spcPct val="100000"/>
+                        </a:lnSpc>
+                        <a:spcBef>
+                          <a:spcPts val="0"/>
+                        </a:spcBef>
+                        <a:spcAft>
+                          <a:spcPts val="0"/>
+                        </a:spcAft>
+                        <a:buClrTx/>
+                        <a:buSzTx/>
+                        <a:buFontTx/>
+                        <a:buNone/>
+                        <a:tabLst/>
+                        <a:defRPr/>
+                      </a:pPr>
+                      <a:r>
+                        <a:rPr lang="en-US" baseline="0" dirty="0" smtClean="0"/>
+                        <a:t>genre, works with database and new added movies </a:t>
+                      </a:r>
+                      <a:endParaRPr lang="bg-BG" dirty="0" smtClean="0"/>
+                    </a:p>
+                  </a:txBody>
+                  <a:tcPr/>
+                </a:tc>
+              </a:tr>
+            </a:tbl>
+          </a:graphicData>
+        </a:graphic>
+      </p:graphicFrame>
     </p:spTree>
     <p:extLst>
       <p:ext uri="{BB962C8B-B14F-4D97-AF65-F5344CB8AC3E}">
-        <p14:creationId xmlns:p14="http://schemas.microsoft.com/office/powerpoint/2010/main" val="1284655973"/>
+        <p14:creationId xmlns="" xmlns:p14="http://schemas.microsoft.com/office/powerpoint/2010/main" val="1284655973"/>
       </p:ext>
     </p:extLst>
   </p:cSld>
@@ -5492,10 +6023,52 @@
           </a:p>
         </p:txBody>
       </p:sp>
+      <p:sp>
+        <p:nvSpPr>
+          <p:cNvPr id="4" name="TextBox 3"/>
+          <p:cNvSpPr txBox="1"/>
+          <p:nvPr/>
+        </p:nvSpPr>
+        <p:spPr>
+          <a:xfrm>
+            <a:off x="1295400" y="609600"/>
+            <a:ext cx="7315200" cy="584775"/>
+          </a:xfrm>
+          <a:prstGeom prst="rect">
+            <a:avLst/>
+          </a:prstGeom>
+          <a:noFill/>
+        </p:spPr>
+        <p:txBody>
+          <a:bodyPr wrap="square" rtlCol="0">
+            <a:spAutoFit/>
+          </a:bodyPr>
+          <a:lstStyle/>
+          <a:p>
+            <a:r>
+              <a:rPr lang="en-US" sz="3200" b="1" dirty="0" smtClean="0">
+                <a:solidFill>
+                  <a:schemeClr val="accent1">
+                    <a:lumMod val="50000"/>
+                  </a:schemeClr>
+                </a:solidFill>
+              </a:rPr>
+              <a:t>WHAT WE USED TO CREATE THE APP</a:t>
+            </a:r>
+            <a:endParaRPr lang="bg-BG" sz="3200" b="1" dirty="0">
+              <a:solidFill>
+                <a:schemeClr val="accent1">
+                  <a:lumMod val="50000"/>
+                </a:schemeClr>
+              </a:solidFill>
+            </a:endParaRPr>
+          </a:p>
+        </p:txBody>
+      </p:sp>
     </p:spTree>
     <p:extLst>
       <p:ext uri="{BB962C8B-B14F-4D97-AF65-F5344CB8AC3E}">
-        <p14:creationId xmlns:p14="http://schemas.microsoft.com/office/powerpoint/2010/main" val="3004571794"/>
+        <p14:creationId xmlns="" xmlns:p14="http://schemas.microsoft.com/office/powerpoint/2010/main" val="3004571794"/>
       </p:ext>
     </p:extLst>
   </p:cSld>
@@ -5579,7 +6152,7 @@
     </p:spTree>
     <p:extLst>
       <p:ext uri="{BB962C8B-B14F-4D97-AF65-F5344CB8AC3E}">
-        <p14:creationId xmlns:p14="http://schemas.microsoft.com/office/powerpoint/2010/main" val="241372775"/>
+        <p14:creationId xmlns="" xmlns:p14="http://schemas.microsoft.com/office/powerpoint/2010/main" val="241372775"/>
       </p:ext>
     </p:extLst>
   </p:cSld>
@@ -5691,805 +6264,7 @@
     </p:spTree>
     <p:extLst>
       <p:ext uri="{BB962C8B-B14F-4D97-AF65-F5344CB8AC3E}">
-        <p14:creationId xmlns:p14="http://schemas.microsoft.com/office/powerpoint/2010/main" val="2020875122"/>
-      </p:ext>
-    </p:extLst>
-  </p:cSld>
-  <p:clrMapOvr>
-    <a:masterClrMapping/>
-  </p:clrMapOvr>
-  <p:timing>
-    <p:tnLst>
-      <p:par>
-        <p:cTn id="1" dur="indefinite" restart="never" nodeType="tmRoot"/>
-      </p:par>
-    </p:tnLst>
-  </p:timing>
-</p:sld>
-</file>
-
-<file path=ppt/slides/slide9.xml><?xml version="1.0" encoding="utf-8"?>
-<p:sld xmlns:a="http://schemas.openxmlformats.org/drawingml/2006/main" xmlns:r="http://schemas.openxmlformats.org/officeDocument/2006/relationships" xmlns:p="http://schemas.openxmlformats.org/presentationml/2006/main">
-  <p:cSld>
-    <p:spTree>
-      <p:nvGrpSpPr>
-        <p:cNvPr id="1" name=""/>
-        <p:cNvGrpSpPr/>
-        <p:nvPr/>
-      </p:nvGrpSpPr>
-      <p:grpSpPr>
-        <a:xfrm>
-          <a:off x="0" y="0"/>
-          <a:ext cx="0" cy="0"/>
-          <a:chOff x="0" y="0"/>
-          <a:chExt cx="0" cy="0"/>
-        </a:xfrm>
-      </p:grpSpPr>
-      <p:sp>
-        <p:nvSpPr>
-          <p:cNvPr id="3" name="Content Placeholder 2"/>
-          <p:cNvSpPr>
-            <a:spLocks noGrp="1"/>
-          </p:cNvSpPr>
-          <p:nvPr>
-            <p:ph idx="1"/>
-          </p:nvPr>
-        </p:nvSpPr>
-        <p:spPr>
-          <a:xfrm>
-            <a:off x="457200" y="381000"/>
-            <a:ext cx="8229600" cy="5745163"/>
-          </a:xfrm>
-        </p:spPr>
-        <p:txBody>
-          <a:bodyPr>
-            <a:normAutofit fontScale="92500" lnSpcReduction="10000"/>
-          </a:bodyPr>
-          <a:lstStyle/>
-          <a:p>
-            <a:pPr marL="0" indent="0" algn="ctr">
-              <a:buNone/>
-            </a:pPr>
-            <a:r>
-              <a:rPr lang="en-US" u="sng" dirty="0" smtClean="0">
-                <a:solidFill>
-                  <a:schemeClr val="accent1">
-                    <a:lumMod val="50000"/>
-                  </a:schemeClr>
-                </a:solidFill>
-                <a:latin typeface="Palatino Linotype" pitchFamily="18" charset="0"/>
-              </a:rPr>
-              <a:t>People, who took part in the project: </a:t>
-            </a:r>
-            <a:br>
-              <a:rPr lang="en-US" u="sng" dirty="0" smtClean="0">
-                <a:solidFill>
-                  <a:schemeClr val="accent1">
-                    <a:lumMod val="50000"/>
-                  </a:schemeClr>
-                </a:solidFill>
-                <a:latin typeface="Palatino Linotype" pitchFamily="18" charset="0"/>
-              </a:rPr>
-            </a:br>
-            <a:r>
-              <a:rPr lang="en-US" dirty="0" err="1" smtClean="0">
-                <a:solidFill>
-                  <a:schemeClr val="accent1">
-                    <a:lumMod val="50000"/>
-                  </a:schemeClr>
-                </a:solidFill>
-                <a:latin typeface="Palatino Linotype" pitchFamily="18" charset="0"/>
-              </a:rPr>
-              <a:t>Petar</a:t>
-            </a:r>
-            <a:r>
-              <a:rPr lang="en-US" dirty="0" smtClean="0">
-                <a:solidFill>
-                  <a:schemeClr val="accent1">
-                    <a:lumMod val="50000"/>
-                  </a:schemeClr>
-                </a:solidFill>
-                <a:latin typeface="Palatino Linotype" pitchFamily="18" charset="0"/>
-              </a:rPr>
-              <a:t> </a:t>
-            </a:r>
-            <a:r>
-              <a:rPr lang="en-US" dirty="0" err="1" smtClean="0">
-                <a:solidFill>
-                  <a:schemeClr val="accent1">
-                    <a:lumMod val="50000"/>
-                  </a:schemeClr>
-                </a:solidFill>
-                <a:latin typeface="Palatino Linotype" pitchFamily="18" charset="0"/>
-              </a:rPr>
-              <a:t>Velkov</a:t>
-            </a:r>
-            <a:r>
-              <a:rPr lang="en-US" dirty="0" smtClean="0">
-                <a:solidFill>
-                  <a:schemeClr val="accent1">
-                    <a:lumMod val="50000"/>
-                  </a:schemeClr>
-                </a:solidFill>
-                <a:latin typeface="Palatino Linotype" pitchFamily="18" charset="0"/>
-              </a:rPr>
-              <a:t> – </a:t>
-            </a:r>
-            <a:r>
-              <a:rPr lang="en-US" dirty="0" err="1" smtClean="0">
-                <a:solidFill>
-                  <a:schemeClr val="accent1">
-                    <a:lumMod val="50000"/>
-                  </a:schemeClr>
-                </a:solidFill>
-                <a:latin typeface="Palatino Linotype" pitchFamily="18" charset="0"/>
-              </a:rPr>
-              <a:t>kidroca</a:t>
-            </a:r>
-            <a:r>
-              <a:rPr lang="en-US" dirty="0" smtClean="0">
-                <a:solidFill>
-                  <a:schemeClr val="accent1">
-                    <a:lumMod val="50000"/>
-                  </a:schemeClr>
-                </a:solidFill>
-                <a:latin typeface="Palatino Linotype" pitchFamily="18" charset="0"/>
-              </a:rPr>
-              <a:t> </a:t>
-            </a:r>
-            <a:br>
-              <a:rPr lang="en-US" dirty="0" smtClean="0">
-                <a:solidFill>
-                  <a:schemeClr val="accent1">
-                    <a:lumMod val="50000"/>
-                  </a:schemeClr>
-                </a:solidFill>
-                <a:latin typeface="Palatino Linotype" pitchFamily="18" charset="0"/>
-              </a:rPr>
-            </a:br>
-            <a:r>
-              <a:rPr lang="en-US" dirty="0" err="1" smtClean="0">
-                <a:solidFill>
-                  <a:schemeClr val="accent1">
-                    <a:lumMod val="50000"/>
-                  </a:schemeClr>
-                </a:solidFill>
-                <a:latin typeface="Palatino Linotype" pitchFamily="18" charset="0"/>
-              </a:rPr>
-              <a:t>Yordanka</a:t>
-            </a:r>
-            <a:r>
-              <a:rPr lang="en-US" dirty="0" smtClean="0">
-                <a:solidFill>
-                  <a:schemeClr val="accent1">
-                    <a:lumMod val="50000"/>
-                  </a:schemeClr>
-                </a:solidFill>
-                <a:latin typeface="Palatino Linotype" pitchFamily="18" charset="0"/>
-              </a:rPr>
-              <a:t> </a:t>
-            </a:r>
-            <a:r>
-              <a:rPr lang="en-US" dirty="0" err="1" smtClean="0">
-                <a:solidFill>
-                  <a:schemeClr val="accent1">
-                    <a:lumMod val="50000"/>
-                  </a:schemeClr>
-                </a:solidFill>
-                <a:latin typeface="Palatino Linotype" pitchFamily="18" charset="0"/>
-              </a:rPr>
-              <a:t>Petkova</a:t>
-            </a:r>
-            <a:r>
-              <a:rPr lang="en-US" dirty="0" smtClean="0">
-                <a:solidFill>
-                  <a:schemeClr val="accent1">
-                    <a:lumMod val="50000"/>
-                  </a:schemeClr>
-                </a:solidFill>
-                <a:latin typeface="Palatino Linotype" pitchFamily="18" charset="0"/>
-              </a:rPr>
-              <a:t> – </a:t>
-            </a:r>
-            <a:r>
-              <a:rPr lang="en-US" dirty="0" err="1" smtClean="0">
-                <a:solidFill>
-                  <a:schemeClr val="accent1">
-                    <a:lumMod val="50000"/>
-                  </a:schemeClr>
-                </a:solidFill>
-                <a:latin typeface="Palatino Linotype" pitchFamily="18" charset="0"/>
-              </a:rPr>
-              <a:t>yori_to</a:t>
-            </a:r>
-            <a:r>
-              <a:rPr lang="en-US" dirty="0" smtClean="0">
-                <a:solidFill>
-                  <a:schemeClr val="accent1">
-                    <a:lumMod val="50000"/>
-                  </a:schemeClr>
-                </a:solidFill>
-                <a:latin typeface="Palatino Linotype" pitchFamily="18" charset="0"/>
-              </a:rPr>
-              <a:t> </a:t>
-            </a:r>
-            <a:br>
-              <a:rPr lang="en-US" dirty="0" smtClean="0">
-                <a:solidFill>
-                  <a:schemeClr val="accent1">
-                    <a:lumMod val="50000"/>
-                  </a:schemeClr>
-                </a:solidFill>
-                <a:latin typeface="Palatino Linotype" pitchFamily="18" charset="0"/>
-              </a:rPr>
-            </a:br>
-            <a:r>
-              <a:rPr lang="en-US" dirty="0" smtClean="0">
-                <a:solidFill>
-                  <a:schemeClr val="accent1">
-                    <a:lumMod val="50000"/>
-                  </a:schemeClr>
-                </a:solidFill>
-                <a:latin typeface="Palatino Linotype" pitchFamily="18" charset="0"/>
-              </a:rPr>
-              <a:t>Ivan </a:t>
-            </a:r>
-            <a:r>
-              <a:rPr lang="en-US" dirty="0" err="1" smtClean="0">
-                <a:solidFill>
-                  <a:schemeClr val="accent1">
-                    <a:lumMod val="50000"/>
-                  </a:schemeClr>
-                </a:solidFill>
-                <a:latin typeface="Palatino Linotype" pitchFamily="18" charset="0"/>
-              </a:rPr>
-              <a:t>Ivanov</a:t>
-            </a:r>
-            <a:r>
-              <a:rPr lang="en-US" dirty="0" smtClean="0">
-                <a:solidFill>
-                  <a:schemeClr val="accent1">
-                    <a:lumMod val="50000"/>
-                  </a:schemeClr>
-                </a:solidFill>
-                <a:latin typeface="Palatino Linotype" pitchFamily="18" charset="0"/>
-              </a:rPr>
-              <a:t> – </a:t>
-            </a:r>
-            <a:r>
-              <a:rPr lang="en-US" dirty="0" err="1" smtClean="0">
-                <a:solidFill>
-                  <a:schemeClr val="accent1">
-                    <a:lumMod val="50000"/>
-                  </a:schemeClr>
-                </a:solidFill>
-                <a:latin typeface="Palatino Linotype" pitchFamily="18" charset="0"/>
-              </a:rPr>
-              <a:t>Arcelion</a:t>
-            </a:r>
-            <a:r>
-              <a:rPr lang="en-US" dirty="0" smtClean="0">
-                <a:solidFill>
-                  <a:schemeClr val="accent1">
-                    <a:lumMod val="50000"/>
-                  </a:schemeClr>
-                </a:solidFill>
-                <a:latin typeface="Palatino Linotype" pitchFamily="18" charset="0"/>
-              </a:rPr>
-              <a:t> </a:t>
-            </a:r>
-            <a:br>
-              <a:rPr lang="en-US" dirty="0" smtClean="0">
-                <a:solidFill>
-                  <a:schemeClr val="accent1">
-                    <a:lumMod val="50000"/>
-                  </a:schemeClr>
-                </a:solidFill>
-                <a:latin typeface="Palatino Linotype" pitchFamily="18" charset="0"/>
-              </a:rPr>
-            </a:br>
-            <a:r>
-              <a:rPr lang="en-US" dirty="0" err="1" smtClean="0">
-                <a:solidFill>
-                  <a:schemeClr val="accent1">
-                    <a:lumMod val="50000"/>
-                  </a:schemeClr>
-                </a:solidFill>
-                <a:latin typeface="Palatino Linotype" pitchFamily="18" charset="0"/>
-              </a:rPr>
-              <a:t>Todor</a:t>
-            </a:r>
-            <a:r>
-              <a:rPr lang="en-US" dirty="0" smtClean="0">
-                <a:solidFill>
-                  <a:schemeClr val="accent1">
-                    <a:lumMod val="50000"/>
-                  </a:schemeClr>
-                </a:solidFill>
-                <a:latin typeface="Palatino Linotype" pitchFamily="18" charset="0"/>
-              </a:rPr>
-              <a:t> </a:t>
-            </a:r>
-            <a:r>
-              <a:rPr lang="en-US" dirty="0" err="1" smtClean="0">
-                <a:solidFill>
-                  <a:schemeClr val="accent1">
-                    <a:lumMod val="50000"/>
-                  </a:schemeClr>
-                </a:solidFill>
-                <a:latin typeface="Palatino Linotype" pitchFamily="18" charset="0"/>
-              </a:rPr>
-              <a:t>Dimitrov</a:t>
-            </a:r>
-            <a:r>
-              <a:rPr lang="en-US" dirty="0" smtClean="0">
-                <a:solidFill>
-                  <a:schemeClr val="accent1">
-                    <a:lumMod val="50000"/>
-                  </a:schemeClr>
-                </a:solidFill>
-                <a:latin typeface="Palatino Linotype" pitchFamily="18" charset="0"/>
-              </a:rPr>
-              <a:t> – </a:t>
-            </a:r>
-            <a:r>
-              <a:rPr lang="en-US" dirty="0" err="1" smtClean="0">
-                <a:solidFill>
-                  <a:schemeClr val="accent1">
-                    <a:lumMod val="50000"/>
-                  </a:schemeClr>
-                </a:solidFill>
-                <a:latin typeface="Palatino Linotype" pitchFamily="18" charset="0"/>
-              </a:rPr>
-              <a:t>TodorDimitrov</a:t>
-            </a:r>
-            <a:r>
-              <a:rPr lang="en-US" dirty="0" smtClean="0">
-                <a:solidFill>
-                  <a:schemeClr val="accent1">
-                    <a:lumMod val="50000"/>
-                  </a:schemeClr>
-                </a:solidFill>
-                <a:latin typeface="Palatino Linotype" pitchFamily="18" charset="0"/>
-              </a:rPr>
-              <a:t/>
-            </a:r>
-            <a:br>
-              <a:rPr lang="en-US" dirty="0" smtClean="0">
-                <a:solidFill>
-                  <a:schemeClr val="accent1">
-                    <a:lumMod val="50000"/>
-                  </a:schemeClr>
-                </a:solidFill>
-                <a:latin typeface="Palatino Linotype" pitchFamily="18" charset="0"/>
-              </a:rPr>
-            </a:br>
-            <a:r>
-              <a:rPr lang="en-US" dirty="0" err="1" smtClean="0">
-                <a:solidFill>
-                  <a:schemeClr val="accent1">
-                    <a:lumMod val="50000"/>
-                  </a:schemeClr>
-                </a:solidFill>
-                <a:latin typeface="Palatino Linotype" pitchFamily="18" charset="0"/>
-              </a:rPr>
-              <a:t>Peruna</a:t>
-            </a:r>
-            <a:r>
-              <a:rPr lang="en-US" dirty="0" smtClean="0">
-                <a:solidFill>
-                  <a:schemeClr val="accent1">
-                    <a:lumMod val="50000"/>
-                  </a:schemeClr>
-                </a:solidFill>
-                <a:latin typeface="Palatino Linotype" pitchFamily="18" charset="0"/>
-              </a:rPr>
-              <a:t> </a:t>
-            </a:r>
-            <a:r>
-              <a:rPr lang="en-US" dirty="0" err="1" smtClean="0">
-                <a:solidFill>
-                  <a:schemeClr val="accent1">
-                    <a:lumMod val="50000"/>
-                  </a:schemeClr>
-                </a:solidFill>
-                <a:latin typeface="Palatino Linotype" pitchFamily="18" charset="0"/>
-              </a:rPr>
-              <a:t>Keremidchieva</a:t>
-            </a:r>
-            <a:r>
-              <a:rPr lang="en-US" dirty="0" smtClean="0">
-                <a:solidFill>
-                  <a:schemeClr val="accent1">
-                    <a:lumMod val="50000"/>
-                  </a:schemeClr>
-                </a:solidFill>
-                <a:latin typeface="Palatino Linotype" pitchFamily="18" charset="0"/>
-              </a:rPr>
-              <a:t> – </a:t>
-            </a:r>
-            <a:r>
-              <a:rPr lang="en-US" dirty="0" err="1" smtClean="0">
-                <a:solidFill>
-                  <a:schemeClr val="accent1">
-                    <a:lumMod val="50000"/>
-                  </a:schemeClr>
-                </a:solidFill>
-                <a:latin typeface="Palatino Linotype" pitchFamily="18" charset="0"/>
-              </a:rPr>
-              <a:t>peruna</a:t>
-            </a:r>
-            <a:r>
-              <a:rPr lang="en-US" dirty="0" smtClean="0">
-                <a:solidFill>
-                  <a:schemeClr val="accent1">
-                    <a:lumMod val="50000"/>
-                  </a:schemeClr>
-                </a:solidFill>
-                <a:latin typeface="Palatino Linotype" pitchFamily="18" charset="0"/>
-              </a:rPr>
-              <a:t> </a:t>
-            </a:r>
-            <a:br>
-              <a:rPr lang="en-US" dirty="0" smtClean="0">
-                <a:solidFill>
-                  <a:schemeClr val="accent1">
-                    <a:lumMod val="50000"/>
-                  </a:schemeClr>
-                </a:solidFill>
-                <a:latin typeface="Palatino Linotype" pitchFamily="18" charset="0"/>
-              </a:rPr>
-            </a:br>
-            <a:r>
-              <a:rPr lang="en-US" dirty="0" err="1" smtClean="0">
-                <a:solidFill>
-                  <a:schemeClr val="accent1">
-                    <a:lumMod val="50000"/>
-                  </a:schemeClr>
-                </a:solidFill>
-                <a:latin typeface="Palatino Linotype" pitchFamily="18" charset="0"/>
-              </a:rPr>
-              <a:t>Svilen</a:t>
-            </a:r>
-            <a:r>
-              <a:rPr lang="en-US" dirty="0" smtClean="0">
-                <a:solidFill>
-                  <a:schemeClr val="accent1">
-                    <a:lumMod val="50000"/>
-                  </a:schemeClr>
-                </a:solidFill>
-                <a:latin typeface="Palatino Linotype" pitchFamily="18" charset="0"/>
-              </a:rPr>
-              <a:t> </a:t>
-            </a:r>
-            <a:r>
-              <a:rPr lang="en-US" dirty="0" err="1" smtClean="0">
-                <a:solidFill>
-                  <a:schemeClr val="accent1">
-                    <a:lumMod val="50000"/>
-                  </a:schemeClr>
-                </a:solidFill>
-                <a:latin typeface="Palatino Linotype" pitchFamily="18" charset="0"/>
-              </a:rPr>
-              <a:t>Ukalski</a:t>
-            </a:r>
-            <a:r>
-              <a:rPr lang="en-US" dirty="0" smtClean="0">
-                <a:solidFill>
-                  <a:schemeClr val="accent1">
-                    <a:lumMod val="50000"/>
-                  </a:schemeClr>
-                </a:solidFill>
-                <a:latin typeface="Palatino Linotype" pitchFamily="18" charset="0"/>
-              </a:rPr>
-              <a:t> – </a:t>
-            </a:r>
-            <a:r>
-              <a:rPr lang="en-US" dirty="0" err="1" smtClean="0">
-                <a:solidFill>
-                  <a:schemeClr val="accent1">
-                    <a:lumMod val="50000"/>
-                  </a:schemeClr>
-                </a:solidFill>
-                <a:latin typeface="Palatino Linotype" pitchFamily="18" charset="0"/>
-              </a:rPr>
-              <a:t>snukal</a:t>
-            </a:r>
-            <a:r>
-              <a:rPr lang="en-US" dirty="0" smtClean="0">
-                <a:solidFill>
-                  <a:schemeClr val="accent1">
-                    <a:lumMod val="50000"/>
-                  </a:schemeClr>
-                </a:solidFill>
-                <a:latin typeface="Palatino Linotype" pitchFamily="18" charset="0"/>
-              </a:rPr>
-              <a:t> </a:t>
-            </a:r>
-            <a:br>
-              <a:rPr lang="en-US" dirty="0" smtClean="0">
-                <a:solidFill>
-                  <a:schemeClr val="accent1">
-                    <a:lumMod val="50000"/>
-                  </a:schemeClr>
-                </a:solidFill>
-                <a:latin typeface="Palatino Linotype" pitchFamily="18" charset="0"/>
-              </a:rPr>
-            </a:br>
-            <a:r>
-              <a:rPr lang="en-US" dirty="0" err="1" smtClean="0">
-                <a:solidFill>
-                  <a:schemeClr val="accent1">
-                    <a:lumMod val="50000"/>
-                  </a:schemeClr>
-                </a:solidFill>
-                <a:latin typeface="Palatino Linotype" pitchFamily="18" charset="0"/>
-              </a:rPr>
-              <a:t>Hristo</a:t>
-            </a:r>
-            <a:r>
-              <a:rPr lang="en-US" dirty="0" smtClean="0">
-                <a:solidFill>
-                  <a:schemeClr val="accent1">
-                    <a:lumMod val="50000"/>
-                  </a:schemeClr>
-                </a:solidFill>
-                <a:latin typeface="Palatino Linotype" pitchFamily="18" charset="0"/>
-              </a:rPr>
-              <a:t> </a:t>
-            </a:r>
-            <a:r>
-              <a:rPr lang="en-US" dirty="0" err="1" smtClean="0">
-                <a:solidFill>
-                  <a:schemeClr val="accent1">
-                    <a:lumMod val="50000"/>
-                  </a:schemeClr>
-                </a:solidFill>
-                <a:latin typeface="Palatino Linotype" pitchFamily="18" charset="0"/>
-              </a:rPr>
-              <a:t>Vasilev</a:t>
-            </a:r>
-            <a:r>
-              <a:rPr lang="en-US" dirty="0" smtClean="0">
-                <a:solidFill>
-                  <a:schemeClr val="accent1">
-                    <a:lumMod val="50000"/>
-                  </a:schemeClr>
-                </a:solidFill>
-                <a:latin typeface="Palatino Linotype" pitchFamily="18" charset="0"/>
-              </a:rPr>
-              <a:t> – </a:t>
-            </a:r>
-            <a:r>
-              <a:rPr lang="en-US" dirty="0" err="1" smtClean="0">
-                <a:solidFill>
-                  <a:schemeClr val="accent1">
-                    <a:lumMod val="50000"/>
-                  </a:schemeClr>
-                </a:solidFill>
-                <a:latin typeface="Palatino Linotype" pitchFamily="18" charset="0"/>
-              </a:rPr>
-              <a:t>vasilevhr</a:t>
-            </a:r>
-            <a:r>
-              <a:rPr lang="en-US" dirty="0" smtClean="0">
-                <a:solidFill>
-                  <a:schemeClr val="accent1">
-                    <a:lumMod val="50000"/>
-                  </a:schemeClr>
-                </a:solidFill>
-                <a:latin typeface="Palatino Linotype" pitchFamily="18" charset="0"/>
-              </a:rPr>
-              <a:t> </a:t>
-            </a:r>
-            <a:br>
-              <a:rPr lang="en-US" dirty="0" smtClean="0">
-                <a:solidFill>
-                  <a:schemeClr val="accent1">
-                    <a:lumMod val="50000"/>
-                  </a:schemeClr>
-                </a:solidFill>
-                <a:latin typeface="Palatino Linotype" pitchFamily="18" charset="0"/>
-              </a:rPr>
-            </a:br>
-            <a:r>
-              <a:rPr lang="en-US" dirty="0" err="1" smtClean="0">
-                <a:solidFill>
-                  <a:schemeClr val="accent1">
-                    <a:lumMod val="50000"/>
-                  </a:schemeClr>
-                </a:solidFill>
-                <a:latin typeface="Palatino Linotype" pitchFamily="18" charset="0"/>
-              </a:rPr>
-              <a:t>Nikolay</a:t>
-            </a:r>
-            <a:r>
-              <a:rPr lang="en-US" dirty="0" smtClean="0">
-                <a:solidFill>
-                  <a:schemeClr val="accent1">
-                    <a:lumMod val="50000"/>
-                  </a:schemeClr>
-                </a:solidFill>
-                <a:latin typeface="Palatino Linotype" pitchFamily="18" charset="0"/>
-              </a:rPr>
-              <a:t> </a:t>
-            </a:r>
-            <a:r>
-              <a:rPr lang="en-US" dirty="0" err="1" smtClean="0">
-                <a:solidFill>
-                  <a:schemeClr val="accent1">
-                    <a:lumMod val="50000"/>
-                  </a:schemeClr>
-                </a:solidFill>
-                <a:latin typeface="Palatino Linotype" pitchFamily="18" charset="0"/>
-              </a:rPr>
-              <a:t>Kumanov</a:t>
-            </a:r>
-            <a:r>
-              <a:rPr lang="en-US" dirty="0" smtClean="0">
-                <a:solidFill>
-                  <a:schemeClr val="accent1">
-                    <a:lumMod val="50000"/>
-                  </a:schemeClr>
-                </a:solidFill>
-                <a:latin typeface="Palatino Linotype" pitchFamily="18" charset="0"/>
-              </a:rPr>
-              <a:t> – </a:t>
-            </a:r>
-            <a:r>
-              <a:rPr lang="en-US" dirty="0" err="1" smtClean="0">
-                <a:solidFill>
-                  <a:schemeClr val="accent1">
-                    <a:lumMod val="50000"/>
-                  </a:schemeClr>
-                </a:solidFill>
-                <a:latin typeface="Palatino Linotype" pitchFamily="18" charset="0"/>
-              </a:rPr>
-              <a:t>NP.Kumanov</a:t>
-            </a:r>
-            <a:r>
-              <a:rPr lang="en-US" dirty="0" smtClean="0">
-                <a:solidFill>
-                  <a:schemeClr val="accent1">
-                    <a:lumMod val="50000"/>
-                  </a:schemeClr>
-                </a:solidFill>
-                <a:latin typeface="Palatino Linotype" pitchFamily="18" charset="0"/>
-              </a:rPr>
-              <a:t> </a:t>
-            </a:r>
-            <a:br>
-              <a:rPr lang="en-US" dirty="0" smtClean="0">
-                <a:solidFill>
-                  <a:schemeClr val="accent1">
-                    <a:lumMod val="50000"/>
-                  </a:schemeClr>
-                </a:solidFill>
-                <a:latin typeface="Palatino Linotype" pitchFamily="18" charset="0"/>
-              </a:rPr>
-            </a:br>
-            <a:r>
-              <a:rPr lang="en-US" dirty="0" err="1" smtClean="0">
-                <a:solidFill>
-                  <a:schemeClr val="accent1">
-                    <a:lumMod val="50000"/>
-                  </a:schemeClr>
-                </a:solidFill>
-                <a:latin typeface="Palatino Linotype" pitchFamily="18" charset="0"/>
-              </a:rPr>
-              <a:t>Filip</a:t>
-            </a:r>
-            <a:r>
-              <a:rPr lang="en-US" dirty="0" smtClean="0">
-                <a:solidFill>
-                  <a:schemeClr val="accent1">
-                    <a:lumMod val="50000"/>
-                  </a:schemeClr>
-                </a:solidFill>
-                <a:latin typeface="Palatino Linotype" pitchFamily="18" charset="0"/>
-              </a:rPr>
-              <a:t> </a:t>
-            </a:r>
-            <a:r>
-              <a:rPr lang="en-US" dirty="0" err="1" smtClean="0">
-                <a:solidFill>
-                  <a:schemeClr val="accent1">
-                    <a:lumMod val="50000"/>
-                  </a:schemeClr>
-                </a:solidFill>
-                <a:latin typeface="Palatino Linotype" pitchFamily="18" charset="0"/>
-              </a:rPr>
-              <a:t>Anestiev</a:t>
-            </a:r>
-            <a:r>
-              <a:rPr lang="en-US" dirty="0" smtClean="0">
-                <a:solidFill>
-                  <a:schemeClr val="accent1">
-                    <a:lumMod val="50000"/>
-                  </a:schemeClr>
-                </a:solidFill>
-                <a:latin typeface="Palatino Linotype" pitchFamily="18" charset="0"/>
-              </a:rPr>
-              <a:t> – </a:t>
-            </a:r>
-            <a:r>
-              <a:rPr lang="en-US" dirty="0" err="1" smtClean="0">
-                <a:solidFill>
-                  <a:schemeClr val="accent1">
-                    <a:lumMod val="50000"/>
-                  </a:schemeClr>
-                </a:solidFill>
-                <a:latin typeface="Palatino Linotype" pitchFamily="18" charset="0"/>
-              </a:rPr>
-              <a:t>panestiev</a:t>
-            </a:r>
-            <a:r>
-              <a:rPr lang="en-US" dirty="0" smtClean="0">
-                <a:solidFill>
-                  <a:schemeClr val="accent1">
-                    <a:lumMod val="50000"/>
-                  </a:schemeClr>
-                </a:solidFill>
-                <a:latin typeface="Palatino Linotype" pitchFamily="18" charset="0"/>
-              </a:rPr>
-              <a:t> </a:t>
-            </a:r>
-          </a:p>
-          <a:p>
-            <a:pPr algn="ctr"/>
-            <a:endParaRPr lang="en-US" dirty="0">
-              <a:solidFill>
-                <a:schemeClr val="accent1">
-                  <a:lumMod val="50000"/>
-                </a:schemeClr>
-              </a:solidFill>
-              <a:latin typeface="Palatino Linotype" pitchFamily="18" charset="0"/>
-            </a:endParaRPr>
-          </a:p>
-          <a:p>
-            <a:pPr marL="0" indent="0" algn="ctr">
-              <a:buNone/>
-            </a:pPr>
-            <a:r>
-              <a:rPr lang="en-US" u="sng" dirty="0" smtClean="0">
-                <a:solidFill>
-                  <a:schemeClr val="accent1">
-                    <a:lumMod val="50000"/>
-                  </a:schemeClr>
-                </a:solidFill>
-                <a:latin typeface="Palatino Linotype" pitchFamily="18" charset="0"/>
-              </a:rPr>
-              <a:t>People, who took part in the project:</a:t>
-            </a:r>
-            <a:r>
-              <a:rPr lang="en-US" dirty="0" smtClean="0">
-                <a:solidFill>
-                  <a:schemeClr val="accent1">
-                    <a:lumMod val="50000"/>
-                  </a:schemeClr>
-                </a:solidFill>
-                <a:latin typeface="Palatino Linotype" pitchFamily="18" charset="0"/>
-              </a:rPr>
-              <a:t> None </a:t>
-            </a:r>
-            <a:br>
-              <a:rPr lang="en-US" dirty="0" smtClean="0">
-                <a:solidFill>
-                  <a:schemeClr val="accent1">
-                    <a:lumMod val="50000"/>
-                  </a:schemeClr>
-                </a:solidFill>
-                <a:latin typeface="Palatino Linotype" pitchFamily="18" charset="0"/>
-              </a:rPr>
-            </a:br>
-            <a:endParaRPr lang="bg-BG" dirty="0"/>
-          </a:p>
-        </p:txBody>
-      </p:sp>
-    </p:spTree>
-    <p:extLst>
-      <p:ext uri="{BB962C8B-B14F-4D97-AF65-F5344CB8AC3E}">
-        <p14:creationId xmlns:p14="http://schemas.microsoft.com/office/powerpoint/2010/main" val="320316327"/>
+        <p14:creationId xmlns="" xmlns:p14="http://schemas.microsoft.com/office/powerpoint/2010/main" val="2020875122"/>
       </p:ext>
     </p:extLst>
   </p:cSld>

--- a/Project Documentation/Presentation Mandarine.pptx
+++ b/Project Documentation/Presentation Mandarine.pptx
@@ -369,7 +369,7 @@
     </p:spTree>
     <p:extLst>
       <p:ext uri="{BB962C8B-B14F-4D97-AF65-F5344CB8AC3E}">
-        <p14:creationId xmlns="" xmlns:p14="http://schemas.microsoft.com/office/powerpoint/2010/main" val="3915967036"/>
+        <p14:creationId xmlns:p14="http://schemas.microsoft.com/office/powerpoint/2010/main" xmlns="" val="3915967036"/>
       </p:ext>
     </p:extLst>
   </p:cSld>
@@ -544,7 +544,7 @@
     </p:spTree>
     <p:extLst>
       <p:ext uri="{BB962C8B-B14F-4D97-AF65-F5344CB8AC3E}">
-        <p14:creationId xmlns="" xmlns:p14="http://schemas.microsoft.com/office/powerpoint/2010/main" val="379079075"/>
+        <p14:creationId xmlns:p14="http://schemas.microsoft.com/office/powerpoint/2010/main" xmlns="" val="379079075"/>
       </p:ext>
     </p:extLst>
   </p:cSld>
@@ -629,7 +629,7 @@
     </p:spTree>
     <p:extLst>
       <p:ext uri="{BB962C8B-B14F-4D97-AF65-F5344CB8AC3E}">
-        <p14:creationId xmlns="" xmlns:p14="http://schemas.microsoft.com/office/powerpoint/2010/main" val="2747109784"/>
+        <p14:creationId xmlns:p14="http://schemas.microsoft.com/office/powerpoint/2010/main" xmlns="" val="2747109784"/>
       </p:ext>
     </p:extLst>
   </p:cSld>
@@ -873,7 +873,7 @@
     </p:spTree>
     <p:extLst>
       <p:ext uri="{BB962C8B-B14F-4D97-AF65-F5344CB8AC3E}">
-        <p14:creationId xmlns="" xmlns:p14="http://schemas.microsoft.com/office/powerpoint/2010/main" val="1365601116"/>
+        <p14:creationId xmlns:p14="http://schemas.microsoft.com/office/powerpoint/2010/main" xmlns="" val="1365601116"/>
       </p:ext>
     </p:extLst>
   </p:cSld>
@@ -1045,7 +1045,7 @@
     </p:spTree>
     <p:extLst>
       <p:ext uri="{BB962C8B-B14F-4D97-AF65-F5344CB8AC3E}">
-        <p14:creationId xmlns="" xmlns:p14="http://schemas.microsoft.com/office/powerpoint/2010/main" val="2307113976"/>
+        <p14:creationId xmlns:p14="http://schemas.microsoft.com/office/powerpoint/2010/main" xmlns="" val="2307113976"/>
       </p:ext>
     </p:extLst>
   </p:cSld>
@@ -1227,7 +1227,7 @@
     </p:spTree>
     <p:extLst>
       <p:ext uri="{BB962C8B-B14F-4D97-AF65-F5344CB8AC3E}">
-        <p14:creationId xmlns="" xmlns:p14="http://schemas.microsoft.com/office/powerpoint/2010/main" val="2924712174"/>
+        <p14:creationId xmlns:p14="http://schemas.microsoft.com/office/powerpoint/2010/main" xmlns="" val="2924712174"/>
       </p:ext>
     </p:extLst>
   </p:cSld>
@@ -1399,7 +1399,7 @@
     </p:spTree>
     <p:extLst>
       <p:ext uri="{BB962C8B-B14F-4D97-AF65-F5344CB8AC3E}">
-        <p14:creationId xmlns="" xmlns:p14="http://schemas.microsoft.com/office/powerpoint/2010/main" val="920667919"/>
+        <p14:creationId xmlns:p14="http://schemas.microsoft.com/office/powerpoint/2010/main" xmlns="" val="920667919"/>
       </p:ext>
     </p:extLst>
   </p:cSld>
@@ -1647,7 +1647,7 @@
     </p:spTree>
     <p:extLst>
       <p:ext uri="{BB962C8B-B14F-4D97-AF65-F5344CB8AC3E}">
-        <p14:creationId xmlns="" xmlns:p14="http://schemas.microsoft.com/office/powerpoint/2010/main" val="2518805200"/>
+        <p14:creationId xmlns:p14="http://schemas.microsoft.com/office/powerpoint/2010/main" xmlns="" val="2518805200"/>
       </p:ext>
     </p:extLst>
   </p:cSld>
@@ -1937,7 +1937,7 @@
     </p:spTree>
     <p:extLst>
       <p:ext uri="{BB962C8B-B14F-4D97-AF65-F5344CB8AC3E}">
-        <p14:creationId xmlns="" xmlns:p14="http://schemas.microsoft.com/office/powerpoint/2010/main" val="1671547278"/>
+        <p14:creationId xmlns:p14="http://schemas.microsoft.com/office/powerpoint/2010/main" xmlns="" val="1671547278"/>
       </p:ext>
     </p:extLst>
   </p:cSld>
@@ -2361,7 +2361,7 @@
     </p:spTree>
     <p:extLst>
       <p:ext uri="{BB962C8B-B14F-4D97-AF65-F5344CB8AC3E}">
-        <p14:creationId xmlns="" xmlns:p14="http://schemas.microsoft.com/office/powerpoint/2010/main" val="2359131444"/>
+        <p14:creationId xmlns:p14="http://schemas.microsoft.com/office/powerpoint/2010/main" xmlns="" val="2359131444"/>
       </p:ext>
     </p:extLst>
   </p:cSld>
@@ -2481,7 +2481,7 @@
     </p:spTree>
     <p:extLst>
       <p:ext uri="{BB962C8B-B14F-4D97-AF65-F5344CB8AC3E}">
-        <p14:creationId xmlns="" xmlns:p14="http://schemas.microsoft.com/office/powerpoint/2010/main" val="1701070066"/>
+        <p14:creationId xmlns:p14="http://schemas.microsoft.com/office/powerpoint/2010/main" xmlns="" val="1701070066"/>
       </p:ext>
     </p:extLst>
   </p:cSld>
@@ -2578,7 +2578,7 @@
     </p:spTree>
     <p:extLst>
       <p:ext uri="{BB962C8B-B14F-4D97-AF65-F5344CB8AC3E}">
-        <p14:creationId xmlns="" xmlns:p14="http://schemas.microsoft.com/office/powerpoint/2010/main" val="1206239005"/>
+        <p14:creationId xmlns:p14="http://schemas.microsoft.com/office/powerpoint/2010/main" xmlns="" val="1206239005"/>
       </p:ext>
     </p:extLst>
   </p:cSld>
@@ -2857,7 +2857,7 @@
     </p:spTree>
     <p:extLst>
       <p:ext uri="{BB962C8B-B14F-4D97-AF65-F5344CB8AC3E}">
-        <p14:creationId xmlns="" xmlns:p14="http://schemas.microsoft.com/office/powerpoint/2010/main" val="2089640843"/>
+        <p14:creationId xmlns:p14="http://schemas.microsoft.com/office/powerpoint/2010/main" xmlns="" val="2089640843"/>
       </p:ext>
     </p:extLst>
   </p:cSld>
@@ -3112,7 +3112,7 @@
     </p:spTree>
     <p:extLst>
       <p:ext uri="{BB962C8B-B14F-4D97-AF65-F5344CB8AC3E}">
-        <p14:creationId xmlns="" xmlns:p14="http://schemas.microsoft.com/office/powerpoint/2010/main" val="1915928661"/>
+        <p14:creationId xmlns:p14="http://schemas.microsoft.com/office/powerpoint/2010/main" xmlns="" val="1915928661"/>
       </p:ext>
     </p:extLst>
   </p:cSld>
@@ -3372,7 +3372,7 @@
     </p:spTree>
     <p:extLst>
       <p:ext uri="{BB962C8B-B14F-4D97-AF65-F5344CB8AC3E}">
-        <p14:creationId xmlns="" xmlns:p14="http://schemas.microsoft.com/office/powerpoint/2010/main" val="3313188243"/>
+        <p14:creationId xmlns:p14="http://schemas.microsoft.com/office/powerpoint/2010/main" xmlns="" val="3313188243"/>
       </p:ext>
     </p:extLst>
   </p:cSld>
@@ -3990,7 +3990,7 @@
     </p:spTree>
     <p:extLst>
       <p:ext uri="{BB962C8B-B14F-4D97-AF65-F5344CB8AC3E}">
-        <p14:creationId xmlns="" xmlns:p14="http://schemas.microsoft.com/office/powerpoint/2010/main" val="3556372192"/>
+        <p14:creationId xmlns:p14="http://schemas.microsoft.com/office/powerpoint/2010/main" xmlns="" val="3556372192"/>
       </p:ext>
     </p:extLst>
   </p:cSld>
@@ -4277,7 +4277,7 @@
           <p:nvPr>
             <p:extLst>
               <p:ext uri="{D42A27DB-BD31-4B8C-83A1-F6EECF244321}">
-                <p14:modId xmlns="" xmlns:p14="http://schemas.microsoft.com/office/powerpoint/2010/main" val="193443960"/>
+                <p14:modId xmlns:p14="http://schemas.microsoft.com/office/powerpoint/2010/main" xmlns="" val="193443960"/>
               </p:ext>
             </p:extLst>
           </p:nvPr>
@@ -4724,7 +4724,7 @@
     </p:spTree>
     <p:extLst>
       <p:ext uri="{BB962C8B-B14F-4D97-AF65-F5344CB8AC3E}">
-        <p14:creationId xmlns="" xmlns:p14="http://schemas.microsoft.com/office/powerpoint/2010/main" val="3929209132"/>
+        <p14:creationId xmlns:p14="http://schemas.microsoft.com/office/powerpoint/2010/main" xmlns="" val="3929209132"/>
       </p:ext>
     </p:extLst>
   </p:cSld>
@@ -5086,7 +5086,7 @@
     </p:spTree>
     <p:extLst>
       <p:ext uri="{BB962C8B-B14F-4D97-AF65-F5344CB8AC3E}">
-        <p14:creationId xmlns="" xmlns:p14="http://schemas.microsoft.com/office/powerpoint/2010/main" val="4207131649"/>
+        <p14:creationId xmlns:p14="http://schemas.microsoft.com/office/powerpoint/2010/main" xmlns="" val="4207131649"/>
       </p:ext>
     </p:extLst>
   </p:cSld>
@@ -5350,7 +5350,7 @@
     </p:spTree>
     <p:extLst>
       <p:ext uri="{BB962C8B-B14F-4D97-AF65-F5344CB8AC3E}">
-        <p14:creationId xmlns="" xmlns:p14="http://schemas.microsoft.com/office/powerpoint/2010/main" val="1978140734"/>
+        <p14:creationId xmlns:p14="http://schemas.microsoft.com/office/powerpoint/2010/main" xmlns="" val="1978140734"/>
       </p:ext>
     </p:extLst>
   </p:cSld>
@@ -5487,7 +5487,7 @@
         </p:nvGraphicFramePr>
         <p:xfrm>
           <a:off x="381000" y="1752600"/>
-          <a:ext cx="8305800" cy="4617720"/>
+          <a:ext cx="8305801" cy="4683760"/>
         </p:xfrm>
         <a:graphic>
           <a:graphicData uri="http://schemas.openxmlformats.org/drawingml/2006/table">
@@ -5496,8 +5496,9 @@
                 <a:tableStyleId>{5C22544A-7EE6-4342-B048-85BDC9FD1C3A}</a:tableStyleId>
               </a:tblPr>
               <a:tblGrid>
-                <a:gridCol w="2438400"/>
-                <a:gridCol w="5867400"/>
+                <a:gridCol w="1428955"/>
+                <a:gridCol w="4895645"/>
+                <a:gridCol w="1981201"/>
               </a:tblGrid>
               <a:tr h="370840">
                 <a:tc>
@@ -5522,6 +5523,20 @@
                       <a:r>
                         <a:rPr lang="en-US" dirty="0" smtClean="0"/>
                         <a:t>Brief description / compares movies based on:</a:t>
+                      </a:r>
+                      <a:endParaRPr lang="bg-BG" dirty="0"/>
+                    </a:p>
+                  </a:txBody>
+                  <a:tcPr/>
+                </a:tc>
+                <a:tc>
+                  <a:txBody>
+                    <a:bodyPr/>
+                    <a:lstStyle/>
+                    <a:p>
+                      <a:r>
+                        <a:rPr lang="en-US" dirty="0" smtClean="0"/>
+                        <a:t>Used library</a:t>
                       </a:r>
                       <a:endParaRPr lang="bg-BG" dirty="0"/>
                     </a:p>
@@ -5562,34 +5577,14 @@
                   </a:txBody>
                   <a:tcPr/>
                 </a:tc>
-              </a:tr>
-              <a:tr h="370840">
                 <a:tc>
                   <a:txBody>
                     <a:bodyPr/>
                     <a:lstStyle/>
                     <a:p>
                       <a:r>
-                        <a:rPr lang="en-US" dirty="0" smtClean="0"/>
-                        <a:t>Line Chart</a:t>
-                      </a:r>
-                      <a:r>
-                        <a:rPr lang="en-US" baseline="0" dirty="0" smtClean="0"/>
-                        <a:t> </a:t>
-                      </a:r>
-                      <a:endParaRPr lang="bg-BG" dirty="0"/>
-                    </a:p>
-                  </a:txBody>
-                  <a:tcPr/>
-                </a:tc>
-                <a:tc>
-                  <a:txBody>
-                    <a:bodyPr/>
-                    <a:lstStyle/>
-                    <a:p>
-                      <a:r>
-                        <a:rPr lang="en-US" baseline="0" dirty="0" smtClean="0"/>
-                        <a:t>t. price and drama factor , works with database and new added movies </a:t>
+                        <a:rPr lang="en-US" dirty="0" err="1" smtClean="0"/>
+                        <a:t>ChartJS</a:t>
                       </a:r>
                       <a:endParaRPr lang="bg-BG" dirty="0"/>
                     </a:p>
@@ -5605,7 +5600,11 @@
                     <a:p>
                       <a:r>
                         <a:rPr lang="en-US" dirty="0" smtClean="0"/>
-                        <a:t>Bar Chart </a:t>
+                        <a:t>Line Chart</a:t>
+                      </a:r>
+                      <a:r>
+                        <a:rPr lang="en-US" baseline="0" dirty="0" smtClean="0"/>
+                        <a:t> </a:t>
                       </a:r>
                       <a:endParaRPr lang="bg-BG" dirty="0"/>
                     </a:p>
@@ -5619,7 +5618,21 @@
                     <a:p>
                       <a:r>
                         <a:rPr lang="en-US" baseline="0" dirty="0" smtClean="0"/>
-                        <a:t>box office gross , works with its own data </a:t>
+                        <a:t>t. price and drama factor , works with database and new added movies </a:t>
+                      </a:r>
+                      <a:endParaRPr lang="bg-BG" dirty="0"/>
+                    </a:p>
+                  </a:txBody>
+                  <a:tcPr/>
+                </a:tc>
+                <a:tc>
+                  <a:txBody>
+                    <a:bodyPr/>
+                    <a:lstStyle/>
+                    <a:p>
+                      <a:r>
+                        <a:rPr lang="en-US" dirty="0" smtClean="0"/>
+                        <a:t>// TO ADD</a:t>
                       </a:r>
                       <a:endParaRPr lang="bg-BG" dirty="0"/>
                     </a:p>
@@ -5634,8 +5647,8 @@
                     <a:lstStyle/>
                     <a:p>
                       <a:r>
-                        <a:rPr lang="en-US" smtClean="0"/>
-                        <a:t>Compare movies </a:t>
+                        <a:rPr lang="en-US" dirty="0" smtClean="0"/>
+                        <a:t>Bar Chart </a:t>
                       </a:r>
                       <a:endParaRPr lang="bg-BG" dirty="0"/>
                     </a:p>
@@ -5648,12 +5661,77 @@
                     <a:lstStyle/>
                     <a:p>
                       <a:r>
+                        <a:rPr lang="en-US" baseline="0" dirty="0" smtClean="0"/>
+                        <a:t>box office gross , works with its own data </a:t>
+                      </a:r>
+                      <a:endParaRPr lang="bg-BG" dirty="0"/>
+                    </a:p>
+                  </a:txBody>
+                  <a:tcPr/>
+                </a:tc>
+                <a:tc>
+                  <a:txBody>
+                    <a:bodyPr/>
+                    <a:lstStyle/>
+                    <a:p>
+                      <a:r>
+                        <a:rPr lang="en-US" dirty="0" smtClean="0"/>
+                        <a:t>// TO ADD</a:t>
+                      </a:r>
+                      <a:endParaRPr lang="bg-BG" dirty="0"/>
+                    </a:p>
+                  </a:txBody>
+                  <a:tcPr/>
+                </a:tc>
+              </a:tr>
+              <a:tr h="370840">
+                <a:tc>
+                  <a:txBody>
+                    <a:bodyPr/>
+                    <a:lstStyle/>
+                    <a:p>
+                      <a:r>
+                        <a:rPr lang="en-US" smtClean="0"/>
+                        <a:t>Compare movies </a:t>
+                      </a:r>
+                      <a:endParaRPr lang="bg-BG" dirty="0"/>
+                    </a:p>
+                  </a:txBody>
+                  <a:tcPr/>
+                </a:tc>
+                <a:tc>
+                  <a:txBody>
+                    <a:bodyPr/>
+                    <a:lstStyle/>
+                    <a:p>
+                      <a:r>
                         <a:rPr lang="en-US" dirty="0" smtClean="0"/>
                         <a:t>all factors, </a:t>
                       </a:r>
                       <a:r>
                         <a:rPr lang="en-US" baseline="0" dirty="0" smtClean="0"/>
                         <a:t>works with database and new added movies, can change movies with button </a:t>
+                      </a:r>
+                      <a:endParaRPr lang="bg-BG" dirty="0"/>
+                    </a:p>
+                  </a:txBody>
+                  <a:tcPr/>
+                </a:tc>
+                <a:tc>
+                  <a:txBody>
+                    <a:bodyPr/>
+                    <a:lstStyle/>
+                    <a:p>
+                      <a:r>
+                        <a:rPr lang="en-US" dirty="0" err="1" smtClean="0"/>
+                        <a:t>ChartJS</a:t>
+                      </a:r>
+                      <a:endParaRPr lang="bg-BG" dirty="0" smtClean="0"/>
+                    </a:p>
+                    <a:p>
+                      <a:r>
+                        <a:rPr lang="en-US" dirty="0" err="1" smtClean="0"/>
+                        <a:t>jQwery</a:t>
                       </a:r>
                       <a:endParaRPr lang="bg-BG" dirty="0"/>
                     </a:p>
@@ -5711,6 +5789,37 @@
                   </a:txBody>
                   <a:tcPr/>
                 </a:tc>
+                <a:tc>
+                  <a:txBody>
+                    <a:bodyPr/>
+                    <a:lstStyle/>
+                    <a:p>
+                      <a:pPr marL="0" marR="0" indent="0" algn="l" defTabSz="914400" rtl="0" eaLnBrk="1" fontAlgn="auto" latinLnBrk="0" hangingPunct="1">
+                        <a:lnSpc>
+                          <a:spcPct val="100000"/>
+                        </a:lnSpc>
+                        <a:spcBef>
+                          <a:spcPts val="0"/>
+                        </a:spcBef>
+                        <a:spcAft>
+                          <a:spcPts val="0"/>
+                        </a:spcAft>
+                        <a:buClrTx/>
+                        <a:buSzTx/>
+                        <a:buFontTx/>
+                        <a:buNone/>
+                        <a:tabLst/>
+                        <a:defRPr/>
+                      </a:pPr>
+                      <a:r>
+                        <a:rPr lang="en-US" dirty="0" smtClean="0"/>
+                        <a:t>// TO ADD</a:t>
+                      </a:r>
+                      <a:endParaRPr lang="bg-BG" dirty="0" smtClean="0"/>
+                    </a:p>
+                  </a:txBody>
+                  <a:tcPr/>
+                </a:tc>
               </a:tr>
               <a:tr h="370840">
                 <a:tc>
@@ -5739,6 +5848,20 @@
                       <a:r>
                         <a:rPr lang="en-US" baseline="0" dirty="0" smtClean="0"/>
                         <a:t> factor, works with database </a:t>
+                      </a:r>
+                      <a:endParaRPr lang="bg-BG" dirty="0"/>
+                    </a:p>
+                  </a:txBody>
+                  <a:tcPr/>
+                </a:tc>
+                <a:tc>
+                  <a:txBody>
+                    <a:bodyPr/>
+                    <a:lstStyle/>
+                    <a:p>
+                      <a:r>
+                        <a:rPr lang="en-US" dirty="0" err="1" smtClean="0"/>
+                        <a:t>ChartJS</a:t>
                       </a:r>
                       <a:endParaRPr lang="bg-BG" dirty="0"/>
                     </a:p>
@@ -5796,6 +5919,37 @@
                   </a:txBody>
                   <a:tcPr/>
                 </a:tc>
+                <a:tc>
+                  <a:txBody>
+                    <a:bodyPr/>
+                    <a:lstStyle/>
+                    <a:p>
+                      <a:pPr marL="0" marR="0" indent="0" algn="l" defTabSz="914400" rtl="0" eaLnBrk="1" fontAlgn="auto" latinLnBrk="0" hangingPunct="1">
+                        <a:lnSpc>
+                          <a:spcPct val="100000"/>
+                        </a:lnSpc>
+                        <a:spcBef>
+                          <a:spcPts val="0"/>
+                        </a:spcBef>
+                        <a:spcAft>
+                          <a:spcPts val="0"/>
+                        </a:spcAft>
+                        <a:buClrTx/>
+                        <a:buSzTx/>
+                        <a:buFontTx/>
+                        <a:buNone/>
+                        <a:tabLst/>
+                        <a:defRPr/>
+                      </a:pPr>
+                      <a:r>
+                        <a:rPr lang="en-US" dirty="0" smtClean="0"/>
+                        <a:t>// TO ADD</a:t>
+                      </a:r>
+                      <a:endParaRPr lang="bg-BG" dirty="0" smtClean="0"/>
+                    </a:p>
+                  </a:txBody>
+                  <a:tcPr/>
+                </a:tc>
               </a:tr>
               <a:tr h="370840">
                 <a:tc>
@@ -5851,6 +6005,184 @@
                   </a:txBody>
                   <a:tcPr/>
                 </a:tc>
+                <a:tc>
+                  <a:txBody>
+                    <a:bodyPr/>
+                    <a:lstStyle/>
+                    <a:p>
+                      <a:pPr marL="0" marR="0" indent="0" algn="l" defTabSz="914400" rtl="0" eaLnBrk="1" fontAlgn="auto" latinLnBrk="0" hangingPunct="1">
+                        <a:lnSpc>
+                          <a:spcPct val="100000"/>
+                        </a:lnSpc>
+                        <a:spcBef>
+                          <a:spcPts val="0"/>
+                        </a:spcBef>
+                        <a:spcAft>
+                          <a:spcPts val="0"/>
+                        </a:spcAft>
+                        <a:buClrTx/>
+                        <a:buSzTx/>
+                        <a:buFontTx/>
+                        <a:buNone/>
+                        <a:tabLst/>
+                        <a:defRPr/>
+                      </a:pPr>
+                      <a:r>
+                        <a:rPr lang="en-US" dirty="0" err="1" smtClean="0"/>
+                        <a:t>Highcharts</a:t>
+                      </a:r>
+                      <a:r>
+                        <a:rPr lang="en-US" dirty="0" smtClean="0"/>
+                        <a:t> </a:t>
+                      </a:r>
+                      <a:endParaRPr lang="bg-BG" dirty="0" smtClean="0"/>
+                    </a:p>
+                  </a:txBody>
+                  <a:tcPr/>
+                </a:tc>
+              </a:tr>
+            </a:tbl>
+          </a:graphicData>
+        </a:graphic>
+      </p:graphicFrame>
+    </p:spTree>
+    <p:extLst>
+      <p:ext uri="{BB962C8B-B14F-4D97-AF65-F5344CB8AC3E}">
+        <p14:creationId xmlns:p14="http://schemas.microsoft.com/office/powerpoint/2010/main" xmlns="" val="1284655973"/>
+      </p:ext>
+    </p:extLst>
+  </p:cSld>
+  <p:clrMapOvr>
+    <a:masterClrMapping/>
+  </p:clrMapOvr>
+</p:sld>
+</file>
+
+<file path=ppt/slides/slide6.xml><?xml version="1.0" encoding="utf-8"?>
+<p:sld xmlns:a="http://schemas.openxmlformats.org/drawingml/2006/main" xmlns:r="http://schemas.openxmlformats.org/officeDocument/2006/relationships" xmlns:p="http://schemas.openxmlformats.org/presentationml/2006/main">
+  <p:cSld>
+    <p:spTree>
+      <p:nvGrpSpPr>
+        <p:cNvPr id="1" name=""/>
+        <p:cNvGrpSpPr/>
+        <p:nvPr/>
+      </p:nvGrpSpPr>
+      <p:grpSpPr>
+        <a:xfrm>
+          <a:off x="0" y="0"/>
+          <a:ext cx="0" cy="0"/>
+          <a:chOff x="0" y="0"/>
+          <a:chExt cx="0" cy="0"/>
+        </a:xfrm>
+      </p:grpSpPr>
+      <p:sp>
+        <p:nvSpPr>
+          <p:cNvPr id="5" name="TextBox 4"/>
+          <p:cNvSpPr txBox="1"/>
+          <p:nvPr/>
+        </p:nvSpPr>
+        <p:spPr>
+          <a:xfrm>
+            <a:off x="3505200" y="609600"/>
+            <a:ext cx="2362200" cy="584775"/>
+          </a:xfrm>
+          <a:prstGeom prst="rect">
+            <a:avLst/>
+          </a:prstGeom>
+          <a:noFill/>
+        </p:spPr>
+        <p:txBody>
+          <a:bodyPr wrap="square" rtlCol="0">
+            <a:spAutoFit/>
+          </a:bodyPr>
+          <a:lstStyle/>
+          <a:p>
+            <a:r>
+              <a:rPr lang="en-US" sz="3200" b="1" dirty="0" smtClean="0">
+                <a:solidFill>
+                  <a:schemeClr val="accent1">
+                    <a:lumMod val="50000"/>
+                  </a:schemeClr>
+                </a:solidFill>
+              </a:rPr>
+              <a:t>THE CHARTS</a:t>
+            </a:r>
+            <a:endParaRPr lang="bg-BG" sz="3200" b="1" dirty="0">
+              <a:solidFill>
+                <a:schemeClr val="accent1">
+                  <a:lumMod val="50000"/>
+                </a:schemeClr>
+              </a:solidFill>
+            </a:endParaRPr>
+          </a:p>
+        </p:txBody>
+      </p:sp>
+      <p:graphicFrame>
+        <p:nvGraphicFramePr>
+          <p:cNvPr id="6" name="Table 5"/>
+          <p:cNvGraphicFramePr>
+            <a:graphicFrameLocks noGrp="1"/>
+          </p:cNvGraphicFramePr>
+          <p:nvPr/>
+        </p:nvGraphicFramePr>
+        <p:xfrm>
+          <a:off x="381000" y="1752600"/>
+          <a:ext cx="8305801" cy="1651000"/>
+        </p:xfrm>
+        <a:graphic>
+          <a:graphicData uri="http://schemas.openxmlformats.org/drawingml/2006/table">
+            <a:tbl>
+              <a:tblPr firstRow="1" bandRow="1">
+                <a:tableStyleId>{5C22544A-7EE6-4342-B048-85BDC9FD1C3A}</a:tableStyleId>
+              </a:tblPr>
+              <a:tblGrid>
+                <a:gridCol w="1428955"/>
+                <a:gridCol w="4895645"/>
+                <a:gridCol w="1981201"/>
+              </a:tblGrid>
+              <a:tr h="370840">
+                <a:tc>
+                  <a:txBody>
+                    <a:bodyPr/>
+                    <a:lstStyle/>
+                    <a:p>
+                      <a:r>
+                        <a:rPr lang="en-US" dirty="0" smtClean="0"/>
+                        <a:t>Name </a:t>
+                      </a:r>
+                      <a:endParaRPr lang="bg-BG" dirty="0"/>
+                    </a:p>
+                  </a:txBody>
+                  <a:tcPr/>
+                </a:tc>
+                <a:tc>
+                  <a:txBody>
+                    <a:bodyPr/>
+                    <a:lstStyle/>
+                    <a:p>
+                      <a:r>
+                        <a:rPr lang="en-US" dirty="0" smtClean="0"/>
+                        <a:t>Brief description / compares movies based on:</a:t>
+                      </a:r>
+                      <a:endParaRPr lang="bg-BG" dirty="0"/>
+                    </a:p>
+                  </a:txBody>
+                  <a:tcPr/>
+                </a:tc>
+                <a:tc>
+                  <a:txBody>
+                    <a:bodyPr/>
+                    <a:lstStyle/>
+                    <a:p>
+                      <a:r>
+                        <a:rPr lang="en-US" dirty="0" smtClean="0"/>
+                        <a:t>Used library</a:t>
+                      </a:r>
+                      <a:endParaRPr lang="bg-BG" dirty="0"/>
+                    </a:p>
+                  </a:txBody>
+                  <a:tcPr/>
+                </a:tc>
               </a:tr>
               <a:tr h="370840">
                 <a:tc>
@@ -5902,6 +6234,71 @@
                   </a:txBody>
                   <a:tcPr/>
                 </a:tc>
+                <a:tc>
+                  <a:txBody>
+                    <a:bodyPr/>
+                    <a:lstStyle/>
+                    <a:p>
+                      <a:pPr marL="0" marR="0" indent="0" algn="l" defTabSz="914400" rtl="0" eaLnBrk="1" fontAlgn="auto" latinLnBrk="0" hangingPunct="1">
+                        <a:lnSpc>
+                          <a:spcPct val="100000"/>
+                        </a:lnSpc>
+                        <a:spcBef>
+                          <a:spcPts val="0"/>
+                        </a:spcBef>
+                        <a:spcAft>
+                          <a:spcPts val="0"/>
+                        </a:spcAft>
+                        <a:buClrTx/>
+                        <a:buSzTx/>
+                        <a:buFontTx/>
+                        <a:buNone/>
+                        <a:tabLst/>
+                        <a:defRPr/>
+                      </a:pPr>
+                      <a:r>
+                        <a:rPr lang="en-US" sz="1800" b="0" i="0" kern="1200" dirty="0" smtClean="0">
+                          <a:solidFill>
+                            <a:schemeClr val="dk1"/>
+                          </a:solidFill>
+                          <a:latin typeface="+mn-lt"/>
+                          <a:ea typeface="+mn-ea"/>
+                          <a:cs typeface="+mn-cs"/>
+                        </a:rPr>
+                        <a:t>Raphael JS  </a:t>
+                      </a:r>
+                    </a:p>
+                    <a:p>
+                      <a:pPr marL="0" marR="0" indent="0" algn="l" defTabSz="914400" rtl="0" eaLnBrk="1" fontAlgn="auto" latinLnBrk="0" hangingPunct="1">
+                        <a:lnSpc>
+                          <a:spcPct val="100000"/>
+                        </a:lnSpc>
+                        <a:spcBef>
+                          <a:spcPts val="0"/>
+                        </a:spcBef>
+                        <a:spcAft>
+                          <a:spcPts val="0"/>
+                        </a:spcAft>
+                        <a:buClrTx/>
+                        <a:buSzTx/>
+                        <a:buFontTx/>
+                        <a:buNone/>
+                        <a:tabLst/>
+                        <a:defRPr/>
+                      </a:pPr>
+                      <a:r>
+                        <a:rPr lang="en-US" dirty="0" err="1" smtClean="0"/>
+                        <a:t>g.raphael.js</a:t>
+                      </a:r>
+                      <a:r>
+                        <a:rPr lang="en-US" dirty="0" smtClean="0"/>
+                        <a:t> </a:t>
+                      </a:r>
+                      <a:endParaRPr lang="bg-BG" dirty="0" smtClean="0"/>
+                    </a:p>
+                  </a:txBody>
+                  <a:tcPr/>
+                </a:tc>
               </a:tr>
               <a:tr h="370840">
                 <a:tc>
@@ -5953,6 +6350,37 @@
                   </a:txBody>
                   <a:tcPr/>
                 </a:tc>
+                <a:tc>
+                  <a:txBody>
+                    <a:bodyPr/>
+                    <a:lstStyle/>
+                    <a:p>
+                      <a:pPr marL="0" marR="0" indent="0" algn="l" defTabSz="914400" rtl="0" eaLnBrk="1" fontAlgn="auto" latinLnBrk="0" hangingPunct="1">
+                        <a:lnSpc>
+                          <a:spcPct val="100000"/>
+                        </a:lnSpc>
+                        <a:spcBef>
+                          <a:spcPts val="0"/>
+                        </a:spcBef>
+                        <a:spcAft>
+                          <a:spcPts val="0"/>
+                        </a:spcAft>
+                        <a:buClrTx/>
+                        <a:buSzTx/>
+                        <a:buFontTx/>
+                        <a:buNone/>
+                        <a:tabLst/>
+                        <a:defRPr/>
+                      </a:pPr>
+                      <a:r>
+                        <a:rPr lang="en-US" dirty="0" smtClean="0"/>
+                        <a:t>// TO ADD</a:t>
+                      </a:r>
+                      <a:endParaRPr lang="bg-BG" dirty="0" smtClean="0"/>
+                    </a:p>
+                  </a:txBody>
+                  <a:tcPr/>
+                </a:tc>
               </a:tr>
             </a:tbl>
           </a:graphicData>
@@ -5961,114 +6389,7 @@
     </p:spTree>
     <p:extLst>
       <p:ext uri="{BB962C8B-B14F-4D97-AF65-F5344CB8AC3E}">
-        <p14:creationId xmlns="" xmlns:p14="http://schemas.microsoft.com/office/powerpoint/2010/main" val="1284655973"/>
-      </p:ext>
-    </p:extLst>
-  </p:cSld>
-  <p:clrMapOvr>
-    <a:masterClrMapping/>
-  </p:clrMapOvr>
-</p:sld>
-</file>
-
-<file path=ppt/slides/slide6.xml><?xml version="1.0" encoding="utf-8"?>
-<p:sld xmlns:a="http://schemas.openxmlformats.org/drawingml/2006/main" xmlns:r="http://schemas.openxmlformats.org/officeDocument/2006/relationships" xmlns:p="http://schemas.openxmlformats.org/presentationml/2006/main">
-  <p:cSld>
-    <p:spTree>
-      <p:nvGrpSpPr>
-        <p:cNvPr id="1" name=""/>
-        <p:cNvGrpSpPr/>
-        <p:nvPr/>
-      </p:nvGrpSpPr>
-      <p:grpSpPr>
-        <a:xfrm>
-          <a:off x="0" y="0"/>
-          <a:ext cx="0" cy="0"/>
-          <a:chOff x="0" y="0"/>
-          <a:chExt cx="0" cy="0"/>
-        </a:xfrm>
-      </p:grpSpPr>
-      <p:sp>
-        <p:nvSpPr>
-          <p:cNvPr id="3" name="Title 2"/>
-          <p:cNvSpPr>
-            <a:spLocks noGrp="1"/>
-          </p:cNvSpPr>
-          <p:nvPr>
-            <p:ph type="ctrTitle"/>
-          </p:nvPr>
-        </p:nvSpPr>
-        <p:spPr>
-          <a:xfrm>
-            <a:off x="685800" y="2438400"/>
-            <a:ext cx="7772400" cy="3505200"/>
-          </a:xfrm>
-        </p:spPr>
-        <p:txBody>
-          <a:bodyPr>
-            <a:normAutofit/>
-          </a:bodyPr>
-          <a:lstStyle/>
-          <a:p>
-            <a:pPr marL="109728" indent="0" algn="l"/>
-            <a:endParaRPr lang="en-US" sz="3600" dirty="0" smtClean="0">
-              <a:solidFill>
-                <a:schemeClr val="accent1">
-                  <a:lumMod val="50000"/>
-                </a:schemeClr>
-              </a:solidFill>
-              <a:latin typeface="Palatino Linotype" pitchFamily="18" charset="0"/>
-              <a:cs typeface="Lucida Sans Unicode" pitchFamily="34" charset="0"/>
-            </a:endParaRPr>
-          </a:p>
-        </p:txBody>
-      </p:sp>
-      <p:sp>
-        <p:nvSpPr>
-          <p:cNvPr id="4" name="TextBox 3"/>
-          <p:cNvSpPr txBox="1"/>
-          <p:nvPr/>
-        </p:nvSpPr>
-        <p:spPr>
-          <a:xfrm>
-            <a:off x="1295400" y="609600"/>
-            <a:ext cx="7315200" cy="584775"/>
-          </a:xfrm>
-          <a:prstGeom prst="rect">
-            <a:avLst/>
-          </a:prstGeom>
-          <a:noFill/>
-        </p:spPr>
-        <p:txBody>
-          <a:bodyPr wrap="square" rtlCol="0">
-            <a:spAutoFit/>
-          </a:bodyPr>
-          <a:lstStyle/>
-          <a:p>
-            <a:r>
-              <a:rPr lang="en-US" sz="3200" b="1" dirty="0" smtClean="0">
-                <a:solidFill>
-                  <a:schemeClr val="accent1">
-                    <a:lumMod val="50000"/>
-                  </a:schemeClr>
-                </a:solidFill>
-              </a:rPr>
-              <a:t>WHAT WE USED TO CREATE THE APP</a:t>
-            </a:r>
-            <a:endParaRPr lang="bg-BG" sz="3200" b="1" dirty="0">
-              <a:solidFill>
-                <a:schemeClr val="accent1">
-                  <a:lumMod val="50000"/>
-                </a:schemeClr>
-              </a:solidFill>
-            </a:endParaRPr>
-          </a:p>
-        </p:txBody>
-      </p:sp>
-    </p:spTree>
-    <p:extLst>
-      <p:ext uri="{BB962C8B-B14F-4D97-AF65-F5344CB8AC3E}">
-        <p14:creationId xmlns="" xmlns:p14="http://schemas.microsoft.com/office/powerpoint/2010/main" val="3004571794"/>
+        <p14:creationId xmlns:p14="http://schemas.microsoft.com/office/powerpoint/2010/main" xmlns="" val="3004571794"/>
       </p:ext>
     </p:extLst>
   </p:cSld>
@@ -6149,10 +6470,249 @@
           </a:p>
         </p:txBody>
       </p:sp>
+      <p:sp>
+        <p:nvSpPr>
+          <p:cNvPr id="3" name="TextBox 2"/>
+          <p:cNvSpPr txBox="1"/>
+          <p:nvPr/>
+        </p:nvSpPr>
+        <p:spPr>
+          <a:xfrm>
+            <a:off x="1752600" y="609600"/>
+            <a:ext cx="6096000" cy="584775"/>
+          </a:xfrm>
+          <a:prstGeom prst="rect">
+            <a:avLst/>
+          </a:prstGeom>
+          <a:noFill/>
+        </p:spPr>
+        <p:txBody>
+          <a:bodyPr wrap="square" rtlCol="0">
+            <a:spAutoFit/>
+          </a:bodyPr>
+          <a:lstStyle/>
+          <a:p>
+            <a:r>
+              <a:rPr lang="en-US" sz="3200" b="1" dirty="0" smtClean="0">
+                <a:solidFill>
+                  <a:schemeClr val="accent1">
+                    <a:lumMod val="50000"/>
+                  </a:schemeClr>
+                </a:solidFill>
+              </a:rPr>
+              <a:t>GENERAL REQUREMENTS INFO  </a:t>
+            </a:r>
+            <a:endParaRPr lang="bg-BG" sz="3200" b="1" dirty="0">
+              <a:solidFill>
+                <a:schemeClr val="accent1">
+                  <a:lumMod val="50000"/>
+                </a:schemeClr>
+              </a:solidFill>
+            </a:endParaRPr>
+          </a:p>
+        </p:txBody>
+      </p:sp>
+      <p:sp>
+        <p:nvSpPr>
+          <p:cNvPr id="4" name="TextBox 3"/>
+          <p:cNvSpPr txBox="1"/>
+          <p:nvPr/>
+        </p:nvSpPr>
+        <p:spPr>
+          <a:xfrm>
+            <a:off x="914400" y="2286000"/>
+            <a:ext cx="7086600" cy="3046988"/>
+          </a:xfrm>
+          <a:prstGeom prst="rect">
+            <a:avLst/>
+          </a:prstGeom>
+          <a:noFill/>
+        </p:spPr>
+        <p:txBody>
+          <a:bodyPr wrap="square" rtlCol="0">
+            <a:spAutoFit/>
+          </a:bodyPr>
+          <a:lstStyle/>
+          <a:p>
+            <a:pPr>
+              <a:buFontTx/>
+              <a:buChar char="-"/>
+            </a:pPr>
+            <a:r>
+              <a:rPr lang="en-US" sz="2400" dirty="0" smtClean="0">
+                <a:solidFill>
+                  <a:schemeClr val="accent1">
+                    <a:lumMod val="50000"/>
+                  </a:schemeClr>
+                </a:solidFill>
+              </a:rPr>
+              <a:t>Use of Canvas </a:t>
+            </a:r>
+            <a:r>
+              <a:rPr lang="en-US" sz="2400" dirty="0" smtClean="0">
+                <a:solidFill>
+                  <a:schemeClr val="accent1">
+                    <a:lumMod val="50000"/>
+                  </a:schemeClr>
+                </a:solidFill>
+              </a:rPr>
+              <a:t>framework like </a:t>
+            </a:r>
+            <a:r>
+              <a:rPr lang="en-US" sz="2400" dirty="0" err="1" smtClean="0">
+                <a:solidFill>
+                  <a:schemeClr val="accent1">
+                    <a:lumMod val="50000"/>
+                  </a:schemeClr>
+                </a:solidFill>
+              </a:rPr>
+              <a:t>ChartJS</a:t>
+            </a:r>
+            <a:endParaRPr lang="en-US" sz="2400" dirty="0" smtClean="0">
+              <a:solidFill>
+                <a:schemeClr val="accent1">
+                  <a:lumMod val="50000"/>
+                </a:schemeClr>
+              </a:solidFill>
+            </a:endParaRPr>
+          </a:p>
+          <a:p>
+            <a:pPr>
+              <a:buFontTx/>
+              <a:buChar char="-"/>
+            </a:pPr>
+            <a:endParaRPr lang="en-US" sz="2400" dirty="0" smtClean="0">
+              <a:solidFill>
+                <a:schemeClr val="accent1">
+                  <a:lumMod val="50000"/>
+                </a:schemeClr>
+              </a:solidFill>
+            </a:endParaRPr>
+          </a:p>
+          <a:p>
+            <a:pPr>
+              <a:buFontTx/>
+              <a:buChar char="-"/>
+            </a:pPr>
+            <a:r>
+              <a:rPr lang="en-US" sz="2400" dirty="0" smtClean="0">
+                <a:solidFill>
+                  <a:schemeClr val="accent1">
+                    <a:lumMod val="50000"/>
+                  </a:schemeClr>
+                </a:solidFill>
+              </a:rPr>
+              <a:t>Use of SVG , </a:t>
+            </a:r>
+            <a:r>
+              <a:rPr lang="en-US" sz="2400" dirty="0" smtClean="0">
+                <a:solidFill>
+                  <a:schemeClr val="accent1">
+                    <a:lumMod val="50000"/>
+                  </a:schemeClr>
+                </a:solidFill>
+              </a:rPr>
+              <a:t>Raphael JS </a:t>
+            </a:r>
+            <a:r>
+              <a:rPr lang="en-US" sz="2400" dirty="0" smtClean="0">
+                <a:solidFill>
+                  <a:schemeClr val="accent1">
+                    <a:lumMod val="50000"/>
+                  </a:schemeClr>
+                </a:solidFill>
+              </a:rPr>
+              <a:t>, </a:t>
+            </a:r>
+            <a:r>
+              <a:rPr lang="en-US" sz="2400" dirty="0" err="1" smtClean="0">
+                <a:solidFill>
+                  <a:schemeClr val="accent1">
+                    <a:lumMod val="50000"/>
+                  </a:schemeClr>
+                </a:solidFill>
+              </a:rPr>
+              <a:t>highcharts</a:t>
+            </a:r>
+            <a:endParaRPr lang="en-US" sz="2400" dirty="0" smtClean="0">
+              <a:solidFill>
+                <a:schemeClr val="accent1">
+                  <a:lumMod val="50000"/>
+                </a:schemeClr>
+              </a:solidFill>
+            </a:endParaRPr>
+          </a:p>
+          <a:p>
+            <a:pPr>
+              <a:buFontTx/>
+              <a:buChar char="-"/>
+            </a:pPr>
+            <a:endParaRPr lang="en-US" sz="2400" dirty="0" smtClean="0">
+              <a:solidFill>
+                <a:schemeClr val="accent1">
+                  <a:lumMod val="50000"/>
+                </a:schemeClr>
+              </a:solidFill>
+            </a:endParaRPr>
+          </a:p>
+          <a:p>
+            <a:pPr>
+              <a:buFontTx/>
+              <a:buChar char="-"/>
+            </a:pPr>
+            <a:r>
+              <a:rPr lang="en-US" sz="2400" dirty="0" smtClean="0">
+                <a:solidFill>
+                  <a:schemeClr val="accent1">
+                    <a:lumMod val="50000"/>
+                  </a:schemeClr>
+                </a:solidFill>
+              </a:rPr>
+              <a:t>Created animation with SVG </a:t>
+            </a:r>
+          </a:p>
+          <a:p>
+            <a:pPr>
+              <a:buFontTx/>
+              <a:buChar char="-"/>
+            </a:pPr>
+            <a:endParaRPr lang="en-US" sz="2400" dirty="0" smtClean="0">
+              <a:solidFill>
+                <a:schemeClr val="accent1">
+                  <a:lumMod val="50000"/>
+                </a:schemeClr>
+              </a:solidFill>
+            </a:endParaRPr>
+          </a:p>
+          <a:p>
+            <a:pPr>
+              <a:buFontTx/>
+              <a:buChar char="-"/>
+            </a:pPr>
+            <a:r>
+              <a:rPr lang="en-US" sz="2400" dirty="0" smtClean="0">
+                <a:solidFill>
+                  <a:schemeClr val="accent1">
+                    <a:lumMod val="50000"/>
+                  </a:schemeClr>
+                </a:solidFill>
+              </a:rPr>
+              <a:t>The app works with the latest browsers: Chrome, Mozilla Firefox, Opera, Apple Safari</a:t>
+            </a:r>
+            <a:endParaRPr lang="en-US" sz="2400" dirty="0">
+              <a:solidFill>
+                <a:schemeClr val="accent1">
+                  <a:lumMod val="50000"/>
+                </a:schemeClr>
+              </a:solidFill>
+            </a:endParaRPr>
+          </a:p>
+        </p:txBody>
+      </p:sp>
     </p:spTree>
     <p:extLst>
       <p:ext uri="{BB962C8B-B14F-4D97-AF65-F5344CB8AC3E}">
-        <p14:creationId xmlns="" xmlns:p14="http://schemas.microsoft.com/office/powerpoint/2010/main" val="241372775"/>
+        <p14:creationId xmlns:p14="http://schemas.microsoft.com/office/powerpoint/2010/main" xmlns="" val="241372775"/>
       </p:ext>
     </p:extLst>
   </p:cSld>
@@ -6188,75 +6748,84 @@
       </p:grpSpPr>
       <p:sp>
         <p:nvSpPr>
-          <p:cNvPr id="3" name="Title 2"/>
-          <p:cNvSpPr>
-            <a:spLocks noGrp="1"/>
-          </p:cNvSpPr>
-          <p:nvPr>
-            <p:ph type="title"/>
-          </p:nvPr>
+          <p:cNvPr id="4" name="TextBox 3"/>
+          <p:cNvSpPr txBox="1"/>
+          <p:nvPr/>
         </p:nvSpPr>
         <p:spPr>
           <a:xfrm>
-            <a:off x="457200" y="2286000"/>
-            <a:ext cx="8229600" cy="3352800"/>
+            <a:off x="1752600" y="609600"/>
+            <a:ext cx="6096000" cy="584775"/>
           </a:xfrm>
+          <a:prstGeom prst="rect">
+            <a:avLst/>
+          </a:prstGeom>
+          <a:noFill/>
         </p:spPr>
         <p:txBody>
-          <a:bodyPr>
-            <a:normAutofit/>
+          <a:bodyPr wrap="square" rtlCol="0">
+            <a:spAutoFit/>
           </a:bodyPr>
           <a:lstStyle/>
           <a:p>
             <a:r>
-              <a:rPr lang="en-US" sz="3600" u="sng" dirty="0" smtClean="0">
+              <a:rPr lang="en-US" sz="3200" b="1" dirty="0" smtClean="0">
                 <a:solidFill>
                   <a:schemeClr val="accent1">
                     <a:lumMod val="50000"/>
                   </a:schemeClr>
                 </a:solidFill>
-                <a:latin typeface="Palatino Linotype" pitchFamily="18" charset="0"/>
               </a:rPr>
-              <a:t/>
-            </a:r>
-            <a:br>
-              <a:rPr lang="en-US" sz="3600" u="sng" dirty="0" smtClean="0">
+              <a:t>GITHUB REPOSITORY ADDRESS</a:t>
+            </a:r>
+            <a:endParaRPr lang="bg-BG" sz="3200" b="1" dirty="0">
+              <a:solidFill>
+                <a:schemeClr val="accent1">
+                  <a:lumMod val="50000"/>
+                </a:schemeClr>
+              </a:solidFill>
+            </a:endParaRPr>
+          </a:p>
+        </p:txBody>
+      </p:sp>
+      <p:sp>
+        <p:nvSpPr>
+          <p:cNvPr id="5" name="TextBox 4"/>
+          <p:cNvSpPr txBox="1"/>
+          <p:nvPr/>
+        </p:nvSpPr>
+        <p:spPr>
+          <a:xfrm>
+            <a:off x="304800" y="3581400"/>
+            <a:ext cx="8458200" cy="523220"/>
+          </a:xfrm>
+          <a:prstGeom prst="rect">
+            <a:avLst/>
+          </a:prstGeom>
+          <a:noFill/>
+        </p:spPr>
+        <p:txBody>
+          <a:bodyPr wrap="square" rtlCol="0">
+            <a:spAutoFit/>
+          </a:bodyPr>
+          <a:lstStyle/>
+          <a:p>
+            <a:r>
+              <a:rPr lang="en-US" sz="2800" b="1" u="sng" dirty="0" smtClean="0">
                 <a:solidFill>
                   <a:schemeClr val="accent1">
                     <a:lumMod val="50000"/>
                   </a:schemeClr>
                 </a:solidFill>
-                <a:latin typeface="Palatino Linotype" pitchFamily="18" charset="0"/>
               </a:rPr>
-            </a:br>
-            <a:r>
-              <a:rPr lang="en-US" sz="3600" u="sng" dirty="0" smtClean="0">
-                <a:solidFill>
-                  <a:schemeClr val="accent1">
-                    <a:lumMod val="50000"/>
-                  </a:schemeClr>
-                </a:solidFill>
-                <a:latin typeface="Palatino Linotype" pitchFamily="18" charset="0"/>
-              </a:rPr>
-              <a:t/>
-            </a:r>
-            <a:br>
-              <a:rPr lang="en-US" sz="3600" u="sng" dirty="0" smtClean="0">
-                <a:solidFill>
-                  <a:schemeClr val="accent1">
-                    <a:lumMod val="50000"/>
-                  </a:schemeClr>
-                </a:solidFill>
-                <a:latin typeface="Palatino Linotype" pitchFamily="18" charset="0"/>
-              </a:rPr>
-            </a:br>
-            <a:endParaRPr lang="bg-BG" sz="3600" b="1" dirty="0">
+              <a:t>https://github.com/kidroca/JS-Teamwork-Mandarine</a:t>
+            </a:r>
+            <a:endParaRPr lang="bg-BG" sz="2800" b="1" u="sng" dirty="0">
               <a:solidFill>
-                <a:schemeClr val="tx2">
+                <a:schemeClr val="accent1">
                   <a:lumMod val="50000"/>
                 </a:schemeClr>
               </a:solidFill>
-              <a:latin typeface="Palatino Linotype" pitchFamily="18" charset="0"/>
             </a:endParaRPr>
           </a:p>
         </p:txBody>
@@ -6264,7 +6833,7 @@
     </p:spTree>
     <p:extLst>
       <p:ext uri="{BB962C8B-B14F-4D97-AF65-F5344CB8AC3E}">
-        <p14:creationId xmlns="" xmlns:p14="http://schemas.microsoft.com/office/powerpoint/2010/main" val="2020875122"/>
+        <p14:creationId xmlns:p14="http://schemas.microsoft.com/office/powerpoint/2010/main" xmlns="" val="2020875122"/>
       </p:ext>
     </p:extLst>
   </p:cSld>

--- a/Project Documentation/Presentation Mandarine.pptx
+++ b/Project Documentation/Presentation Mandarine.pptx
@@ -369,7 +369,7 @@
     </p:spTree>
     <p:extLst>
       <p:ext uri="{BB962C8B-B14F-4D97-AF65-F5344CB8AC3E}">
-        <p14:creationId xmlns:p14="http://schemas.microsoft.com/office/powerpoint/2010/main" xmlns="" val="3915967036"/>
+        <p14:creationId xmlns="" xmlns:p14="http://schemas.microsoft.com/office/powerpoint/2010/main" val="3915967036"/>
       </p:ext>
     </p:extLst>
   </p:cSld>
@@ -544,7 +544,7 @@
     </p:spTree>
     <p:extLst>
       <p:ext uri="{BB962C8B-B14F-4D97-AF65-F5344CB8AC3E}">
-        <p14:creationId xmlns:p14="http://schemas.microsoft.com/office/powerpoint/2010/main" xmlns="" val="379079075"/>
+        <p14:creationId xmlns="" xmlns:p14="http://schemas.microsoft.com/office/powerpoint/2010/main" val="379079075"/>
       </p:ext>
     </p:extLst>
   </p:cSld>
@@ -629,7 +629,7 @@
     </p:spTree>
     <p:extLst>
       <p:ext uri="{BB962C8B-B14F-4D97-AF65-F5344CB8AC3E}">
-        <p14:creationId xmlns:p14="http://schemas.microsoft.com/office/powerpoint/2010/main" xmlns="" val="2747109784"/>
+        <p14:creationId xmlns="" xmlns:p14="http://schemas.microsoft.com/office/powerpoint/2010/main" val="2747109784"/>
       </p:ext>
     </p:extLst>
   </p:cSld>
@@ -873,7 +873,7 @@
     </p:spTree>
     <p:extLst>
       <p:ext uri="{BB962C8B-B14F-4D97-AF65-F5344CB8AC3E}">
-        <p14:creationId xmlns:p14="http://schemas.microsoft.com/office/powerpoint/2010/main" xmlns="" val="1365601116"/>
+        <p14:creationId xmlns="" xmlns:p14="http://schemas.microsoft.com/office/powerpoint/2010/main" val="1365601116"/>
       </p:ext>
     </p:extLst>
   </p:cSld>
@@ -1045,7 +1045,7 @@
     </p:spTree>
     <p:extLst>
       <p:ext uri="{BB962C8B-B14F-4D97-AF65-F5344CB8AC3E}">
-        <p14:creationId xmlns:p14="http://schemas.microsoft.com/office/powerpoint/2010/main" xmlns="" val="2307113976"/>
+        <p14:creationId xmlns="" xmlns:p14="http://schemas.microsoft.com/office/powerpoint/2010/main" val="2307113976"/>
       </p:ext>
     </p:extLst>
   </p:cSld>
@@ -1227,7 +1227,7 @@
     </p:spTree>
     <p:extLst>
       <p:ext uri="{BB962C8B-B14F-4D97-AF65-F5344CB8AC3E}">
-        <p14:creationId xmlns:p14="http://schemas.microsoft.com/office/powerpoint/2010/main" xmlns="" val="2924712174"/>
+        <p14:creationId xmlns="" xmlns:p14="http://schemas.microsoft.com/office/powerpoint/2010/main" val="2924712174"/>
       </p:ext>
     </p:extLst>
   </p:cSld>
@@ -1399,7 +1399,7 @@
     </p:spTree>
     <p:extLst>
       <p:ext uri="{BB962C8B-B14F-4D97-AF65-F5344CB8AC3E}">
-        <p14:creationId xmlns:p14="http://schemas.microsoft.com/office/powerpoint/2010/main" xmlns="" val="920667919"/>
+        <p14:creationId xmlns="" xmlns:p14="http://schemas.microsoft.com/office/powerpoint/2010/main" val="920667919"/>
       </p:ext>
     </p:extLst>
   </p:cSld>
@@ -1647,7 +1647,7 @@
     </p:spTree>
     <p:extLst>
       <p:ext uri="{BB962C8B-B14F-4D97-AF65-F5344CB8AC3E}">
-        <p14:creationId xmlns:p14="http://schemas.microsoft.com/office/powerpoint/2010/main" xmlns="" val="2518805200"/>
+        <p14:creationId xmlns="" xmlns:p14="http://schemas.microsoft.com/office/powerpoint/2010/main" val="2518805200"/>
       </p:ext>
     </p:extLst>
   </p:cSld>
@@ -1937,7 +1937,7 @@
     </p:spTree>
     <p:extLst>
       <p:ext uri="{BB962C8B-B14F-4D97-AF65-F5344CB8AC3E}">
-        <p14:creationId xmlns:p14="http://schemas.microsoft.com/office/powerpoint/2010/main" xmlns="" val="1671547278"/>
+        <p14:creationId xmlns="" xmlns:p14="http://schemas.microsoft.com/office/powerpoint/2010/main" val="1671547278"/>
       </p:ext>
     </p:extLst>
   </p:cSld>
@@ -2361,7 +2361,7 @@
     </p:spTree>
     <p:extLst>
       <p:ext uri="{BB962C8B-B14F-4D97-AF65-F5344CB8AC3E}">
-        <p14:creationId xmlns:p14="http://schemas.microsoft.com/office/powerpoint/2010/main" xmlns="" val="2359131444"/>
+        <p14:creationId xmlns="" xmlns:p14="http://schemas.microsoft.com/office/powerpoint/2010/main" val="2359131444"/>
       </p:ext>
     </p:extLst>
   </p:cSld>
@@ -2481,7 +2481,7 @@
     </p:spTree>
     <p:extLst>
       <p:ext uri="{BB962C8B-B14F-4D97-AF65-F5344CB8AC3E}">
-        <p14:creationId xmlns:p14="http://schemas.microsoft.com/office/powerpoint/2010/main" xmlns="" val="1701070066"/>
+        <p14:creationId xmlns="" xmlns:p14="http://schemas.microsoft.com/office/powerpoint/2010/main" val="1701070066"/>
       </p:ext>
     </p:extLst>
   </p:cSld>
@@ -2578,7 +2578,7 @@
     </p:spTree>
     <p:extLst>
       <p:ext uri="{BB962C8B-B14F-4D97-AF65-F5344CB8AC3E}">
-        <p14:creationId xmlns:p14="http://schemas.microsoft.com/office/powerpoint/2010/main" xmlns="" val="1206239005"/>
+        <p14:creationId xmlns="" xmlns:p14="http://schemas.microsoft.com/office/powerpoint/2010/main" val="1206239005"/>
       </p:ext>
     </p:extLst>
   </p:cSld>
@@ -2857,7 +2857,7 @@
     </p:spTree>
     <p:extLst>
       <p:ext uri="{BB962C8B-B14F-4D97-AF65-F5344CB8AC3E}">
-        <p14:creationId xmlns:p14="http://schemas.microsoft.com/office/powerpoint/2010/main" xmlns="" val="2089640843"/>
+        <p14:creationId xmlns="" xmlns:p14="http://schemas.microsoft.com/office/powerpoint/2010/main" val="2089640843"/>
       </p:ext>
     </p:extLst>
   </p:cSld>
@@ -3112,7 +3112,7 @@
     </p:spTree>
     <p:extLst>
       <p:ext uri="{BB962C8B-B14F-4D97-AF65-F5344CB8AC3E}">
-        <p14:creationId xmlns:p14="http://schemas.microsoft.com/office/powerpoint/2010/main" xmlns="" val="1915928661"/>
+        <p14:creationId xmlns="" xmlns:p14="http://schemas.microsoft.com/office/powerpoint/2010/main" val="1915928661"/>
       </p:ext>
     </p:extLst>
   </p:cSld>
@@ -3372,7 +3372,7 @@
     </p:spTree>
     <p:extLst>
       <p:ext uri="{BB962C8B-B14F-4D97-AF65-F5344CB8AC3E}">
-        <p14:creationId xmlns:p14="http://schemas.microsoft.com/office/powerpoint/2010/main" xmlns="" val="3313188243"/>
+        <p14:creationId xmlns="" xmlns:p14="http://schemas.microsoft.com/office/powerpoint/2010/main" val="3313188243"/>
       </p:ext>
     </p:extLst>
   </p:cSld>
@@ -3990,7 +3990,7 @@
     </p:spTree>
     <p:extLst>
       <p:ext uri="{BB962C8B-B14F-4D97-AF65-F5344CB8AC3E}">
-        <p14:creationId xmlns:p14="http://schemas.microsoft.com/office/powerpoint/2010/main" xmlns="" val="3556372192"/>
+        <p14:creationId xmlns="" xmlns:p14="http://schemas.microsoft.com/office/powerpoint/2010/main" val="3556372192"/>
       </p:ext>
     </p:extLst>
   </p:cSld>
@@ -4277,7 +4277,7 @@
           <p:nvPr>
             <p:extLst>
               <p:ext uri="{D42A27DB-BD31-4B8C-83A1-F6EECF244321}">
-                <p14:modId xmlns:p14="http://schemas.microsoft.com/office/powerpoint/2010/main" xmlns="" val="193443960"/>
+                <p14:modId xmlns="" xmlns:p14="http://schemas.microsoft.com/office/powerpoint/2010/main" val="193443960"/>
               </p:ext>
             </p:extLst>
           </p:nvPr>
@@ -4724,7 +4724,7 @@
     </p:spTree>
     <p:extLst>
       <p:ext uri="{BB962C8B-B14F-4D97-AF65-F5344CB8AC3E}">
-        <p14:creationId xmlns:p14="http://schemas.microsoft.com/office/powerpoint/2010/main" xmlns="" val="3929209132"/>
+        <p14:creationId xmlns="" xmlns:p14="http://schemas.microsoft.com/office/powerpoint/2010/main" val="3929209132"/>
       </p:ext>
     </p:extLst>
   </p:cSld>
@@ -5086,7 +5086,7 @@
     </p:spTree>
     <p:extLst>
       <p:ext uri="{BB962C8B-B14F-4D97-AF65-F5344CB8AC3E}">
-        <p14:creationId xmlns:p14="http://schemas.microsoft.com/office/powerpoint/2010/main" xmlns="" val="4207131649"/>
+        <p14:creationId xmlns="" xmlns:p14="http://schemas.microsoft.com/office/powerpoint/2010/main" val="4207131649"/>
       </p:ext>
     </p:extLst>
   </p:cSld>
@@ -5171,7 +5171,7 @@
         <p:spPr>
           <a:xfrm>
             <a:off x="4929514" y="1752600"/>
-            <a:ext cx="4191000" cy="5262979"/>
+            <a:ext cx="4191000" cy="4955203"/>
           </a:xfrm>
           <a:prstGeom prst="rect">
             <a:avLst/>
@@ -5246,10 +5246,8 @@
                   </a:schemeClr>
                 </a:solidFill>
               </a:rPr>
-              <a:t>some of the charts can work with it </a:t>
-            </a:r>
-          </a:p>
-          <a:p>
+              <a:t>almost all of the charts can work with it </a:t>
+            </a:r>
             <a:endParaRPr lang="en-US" sz="2000" dirty="0">
               <a:solidFill>
                 <a:schemeClr val="accent1">
@@ -5267,31 +5265,7 @@
                   </a:schemeClr>
                 </a:solidFill>
               </a:rPr>
-              <a:t>You can add a new movie with detailed </a:t>
-            </a:r>
-          </a:p>
-          <a:p>
-            <a:r>
-              <a:rPr lang="en-US" sz="2000" dirty="0" smtClean="0">
-                <a:solidFill>
-                  <a:schemeClr val="accent1">
-                    <a:lumMod val="50000"/>
-                  </a:schemeClr>
-                </a:solidFill>
-              </a:rPr>
-              <a:t>info – name, genre, ticket price etc. and </a:t>
-            </a:r>
-          </a:p>
-          <a:p>
-            <a:r>
-              <a:rPr lang="en-US" sz="2000" dirty="0" smtClean="0">
-                <a:solidFill>
-                  <a:schemeClr val="accent1">
-                    <a:lumMod val="50000"/>
-                  </a:schemeClr>
-                </a:solidFill>
-              </a:rPr>
-              <a:t>it’s added to the data base </a:t>
+              <a:t>You can add a new movie with detailed info – name, genre, ticket price etc. and it’s added to the data base </a:t>
             </a:r>
           </a:p>
           <a:p>
@@ -5312,7 +5286,7 @@
                   </a:schemeClr>
                 </a:solidFill>
               </a:rPr>
-              <a:t>Some of the charts work with the new movie  </a:t>
+              <a:t>Half of the charts work with the new movie  </a:t>
             </a:r>
           </a:p>
           <a:p>
@@ -5350,7 +5324,7 @@
     </p:spTree>
     <p:extLst>
       <p:ext uri="{BB962C8B-B14F-4D97-AF65-F5344CB8AC3E}">
-        <p14:creationId xmlns:p14="http://schemas.microsoft.com/office/powerpoint/2010/main" xmlns="" val="1978140734"/>
+        <p14:creationId xmlns="" xmlns:p14="http://schemas.microsoft.com/office/powerpoint/2010/main" val="1978140734"/>
       </p:ext>
     </p:extLst>
   </p:cSld>
@@ -5631,8 +5605,70 @@
                     <a:lstStyle/>
                     <a:p>
                       <a:r>
+                        <a:rPr lang="en-US" smtClean="0"/>
+                        <a:t>ChartJS</a:t>
+                      </a:r>
+                      <a:endParaRPr lang="bg-BG" dirty="0" smtClean="0"/>
+                    </a:p>
+                  </a:txBody>
+                  <a:tcPr/>
+                </a:tc>
+              </a:tr>
+              <a:tr h="370840">
+                <a:tc>
+                  <a:txBody>
+                    <a:bodyPr/>
+                    <a:lstStyle/>
+                    <a:p>
+                      <a:r>
                         <a:rPr lang="en-US" dirty="0" smtClean="0"/>
-                        <a:t>// TO ADD</a:t>
+                        <a:t>Bar Chart </a:t>
+                      </a:r>
+                      <a:endParaRPr lang="bg-BG" dirty="0"/>
+                    </a:p>
+                  </a:txBody>
+                  <a:tcPr/>
+                </a:tc>
+                <a:tc>
+                  <a:txBody>
+                    <a:bodyPr/>
+                    <a:lstStyle/>
+                    <a:p>
+                      <a:r>
+                        <a:rPr lang="en-US" baseline="0" dirty="0" smtClean="0"/>
+                        <a:t>box office gross , works with its own data </a:t>
+                      </a:r>
+                      <a:endParaRPr lang="bg-BG" dirty="0"/>
+                    </a:p>
+                  </a:txBody>
+                  <a:tcPr/>
+                </a:tc>
+                <a:tc>
+                  <a:txBody>
+                    <a:bodyPr/>
+                    <a:lstStyle/>
+                    <a:p>
+                      <a:r>
+                        <a:rPr lang="en-US" sz="1800" b="0" i="0" kern="1200" dirty="0" err="1" smtClean="0">
+                          <a:solidFill>
+                            <a:schemeClr val="dk1"/>
+                          </a:solidFill>
+                          <a:latin typeface="+mn-lt"/>
+                          <a:ea typeface="+mn-ea"/>
+                          <a:cs typeface="+mn-cs"/>
+                        </a:rPr>
+                        <a:t>CanvasJS</a:t>
+                      </a:r>
+                      <a:r>
+                        <a:rPr lang="en-US" sz="1800" b="0" i="0" kern="1200" dirty="0" smtClean="0">
+                          <a:solidFill>
+                            <a:schemeClr val="dk1"/>
+                          </a:solidFill>
+                          <a:latin typeface="+mn-lt"/>
+                          <a:ea typeface="+mn-ea"/>
+                          <a:cs typeface="+mn-cs"/>
+                        </a:rPr>
+                        <a:t> </a:t>
                       </a:r>
                       <a:endParaRPr lang="bg-BG" dirty="0"/>
                     </a:p>
@@ -5647,8 +5683,8 @@
                     <a:lstStyle/>
                     <a:p>
                       <a:r>
-                        <a:rPr lang="en-US" dirty="0" smtClean="0"/>
-                        <a:t>Bar Chart </a:t>
+                        <a:rPr lang="en-US" smtClean="0"/>
+                        <a:t>Compare movies </a:t>
                       </a:r>
                       <a:endParaRPr lang="bg-BG" dirty="0"/>
                     </a:p>
@@ -5661,8 +5697,12 @@
                     <a:lstStyle/>
                     <a:p>
                       <a:r>
+                        <a:rPr lang="en-US" dirty="0" smtClean="0"/>
+                        <a:t>all factors, </a:t>
+                      </a:r>
+                      <a:r>
                         <a:rPr lang="en-US" baseline="0" dirty="0" smtClean="0"/>
-                        <a:t>box office gross , works with its own data </a:t>
+                        <a:t>works with database and new added movies, can change movies with button </a:t>
                       </a:r>
                       <a:endParaRPr lang="bg-BG" dirty="0"/>
                     </a:p>
@@ -5675,54 +5715,6 @@
                     <a:lstStyle/>
                     <a:p>
                       <a:r>
-                        <a:rPr lang="en-US" dirty="0" smtClean="0"/>
-                        <a:t>// TO ADD</a:t>
-                      </a:r>
-                      <a:endParaRPr lang="bg-BG" dirty="0"/>
-                    </a:p>
-                  </a:txBody>
-                  <a:tcPr/>
-                </a:tc>
-              </a:tr>
-              <a:tr h="370840">
-                <a:tc>
-                  <a:txBody>
-                    <a:bodyPr/>
-                    <a:lstStyle/>
-                    <a:p>
-                      <a:r>
-                        <a:rPr lang="en-US" smtClean="0"/>
-                        <a:t>Compare movies </a:t>
-                      </a:r>
-                      <a:endParaRPr lang="bg-BG" dirty="0"/>
-                    </a:p>
-                  </a:txBody>
-                  <a:tcPr/>
-                </a:tc>
-                <a:tc>
-                  <a:txBody>
-                    <a:bodyPr/>
-                    <a:lstStyle/>
-                    <a:p>
-                      <a:r>
-                        <a:rPr lang="en-US" dirty="0" smtClean="0"/>
-                        <a:t>all factors, </a:t>
-                      </a:r>
-                      <a:r>
-                        <a:rPr lang="en-US" baseline="0" dirty="0" smtClean="0"/>
-                        <a:t>works with database and new added movies, can change movies with button </a:t>
-                      </a:r>
-                      <a:endParaRPr lang="bg-BG" dirty="0"/>
-                    </a:p>
-                  </a:txBody>
-                  <a:tcPr/>
-                </a:tc>
-                <a:tc>
-                  <a:txBody>
-                    <a:bodyPr/>
-                    <a:lstStyle/>
-                    <a:p>
-                      <a:r>
                         <a:rPr lang="en-US" dirty="0" err="1" smtClean="0"/>
                         <a:t>ChartJS</a:t>
                       </a:r>
@@ -5730,8 +5722,26 @@
                     </a:p>
                     <a:p>
                       <a:r>
-                        <a:rPr lang="en-US" dirty="0" err="1" smtClean="0"/>
-                        <a:t>jQwery</a:t>
+                        <a:rPr lang="en-US" sz="1800" b="0" i="0" kern="1200" dirty="0" err="1" smtClean="0">
+                          <a:solidFill>
+                            <a:schemeClr val="dk1"/>
+                          </a:solidFill>
+                          <a:latin typeface="+mn-lt"/>
+                          <a:ea typeface="+mn-ea"/>
+                          <a:cs typeface="+mn-cs"/>
+                        </a:rPr>
+                        <a:t>jQuery</a:t>
+                      </a:r>
+                      <a:r>
+                        <a:rPr lang="en-US" sz="1800" b="0" i="0" kern="1200" dirty="0" smtClean="0">
+                          <a:solidFill>
+                            <a:schemeClr val="dk1"/>
+                          </a:solidFill>
+                          <a:latin typeface="+mn-lt"/>
+                          <a:ea typeface="+mn-ea"/>
+                          <a:cs typeface="+mn-cs"/>
+                        </a:rPr>
+                        <a:t> </a:t>
                       </a:r>
                       <a:endParaRPr lang="bg-BG" dirty="0"/>
                     </a:p>
@@ -5812,8 +5822,15 @@
                         <a:defRPr/>
                       </a:pPr>
                       <a:r>
-                        <a:rPr lang="en-US" dirty="0" smtClean="0"/>
-                        <a:t>// TO ADD</a:t>
+                        <a:rPr lang="en-US" sz="1800" b="0" i="0" kern="1200" dirty="0" err="1" smtClean="0">
+                          <a:solidFill>
+                            <a:schemeClr val="dk1"/>
+                          </a:solidFill>
+                          <a:latin typeface="+mn-lt"/>
+                          <a:ea typeface="+mn-ea"/>
+                          <a:cs typeface="+mn-cs"/>
+                        </a:rPr>
+                        <a:t>CanvasJS</a:t>
                       </a:r>
                       <a:endParaRPr lang="bg-BG" dirty="0" smtClean="0"/>
                     </a:p>
@@ -5912,7 +5929,26 @@
                       </a:r>
                       <a:r>
                         <a:rPr lang="en-US" baseline="0" dirty="0" smtClean="0"/>
-                        <a:t> thought years, works with its own data </a:t>
+                        <a:t> </a:t>
+                      </a:r>
+                      <a:r>
+                        <a:rPr lang="en-US" sz="1800" b="0" i="0" kern="1200" dirty="0" smtClean="0">
+                          <a:solidFill>
+                            <a:schemeClr val="dk1"/>
+                          </a:solidFill>
+                          <a:latin typeface="+mn-lt"/>
+                          <a:ea typeface="+mn-ea"/>
+                          <a:cs typeface="+mn-cs"/>
+                        </a:rPr>
+                        <a:t>through</a:t>
+                      </a:r>
+                      <a:r>
+                        <a:rPr lang="en-US" baseline="0" dirty="0" smtClean="0"/>
+                        <a:t> </a:t>
+                      </a:r>
+                      <a:r>
+                        <a:rPr lang="en-US" baseline="0" dirty="0" smtClean="0"/>
+                        <a:t>years, works with its own data </a:t>
                       </a:r>
                       <a:endParaRPr lang="bg-BG" dirty="0" smtClean="0"/>
                     </a:p>
@@ -5942,8 +5978,15 @@
                         <a:defRPr/>
                       </a:pPr>
                       <a:r>
-                        <a:rPr lang="en-US" dirty="0" smtClean="0"/>
-                        <a:t>// TO ADD</a:t>
+                        <a:rPr lang="en-US" sz="1800" b="0" i="0" kern="1200" dirty="0" err="1" smtClean="0">
+                          <a:solidFill>
+                            <a:schemeClr val="dk1"/>
+                          </a:solidFill>
+                          <a:latin typeface="+mn-lt"/>
+                          <a:ea typeface="+mn-ea"/>
+                          <a:cs typeface="+mn-cs"/>
+                        </a:rPr>
+                        <a:t>CanvasJS</a:t>
                       </a:r>
                       <a:endParaRPr lang="bg-BG" dirty="0" smtClean="0"/>
                     </a:p>
@@ -6048,7 +6091,7 @@
     </p:spTree>
     <p:extLst>
       <p:ext uri="{BB962C8B-B14F-4D97-AF65-F5344CB8AC3E}">
-        <p14:creationId xmlns:p14="http://schemas.microsoft.com/office/powerpoint/2010/main" xmlns="" val="1284655973"/>
+        <p14:creationId xmlns="" xmlns:p14="http://schemas.microsoft.com/office/powerpoint/2010/main" val="1284655973"/>
       </p:ext>
     </p:extLst>
   </p:cSld>
@@ -6373,8 +6416,26 @@
                         <a:defRPr/>
                       </a:pPr>
                       <a:r>
-                        <a:rPr lang="en-US" dirty="0" smtClean="0"/>
-                        <a:t>// TO ADD</a:t>
+                        <a:rPr lang="en-US" sz="1800" b="0" i="0" kern="1200" dirty="0" err="1" smtClean="0">
+                          <a:solidFill>
+                            <a:schemeClr val="dk1"/>
+                          </a:solidFill>
+                          <a:latin typeface="+mn-lt"/>
+                          <a:ea typeface="+mn-ea"/>
+                          <a:cs typeface="+mn-cs"/>
+                        </a:rPr>
+                        <a:t>CanvasJS</a:t>
+                      </a:r>
+                      <a:r>
+                        <a:rPr lang="en-US" sz="1800" b="0" i="0" kern="1200" dirty="0" smtClean="0">
+                          <a:solidFill>
+                            <a:schemeClr val="dk1"/>
+                          </a:solidFill>
+                          <a:latin typeface="+mn-lt"/>
+                          <a:ea typeface="+mn-ea"/>
+                          <a:cs typeface="+mn-cs"/>
+                        </a:rPr>
+                        <a:t> </a:t>
                       </a:r>
                       <a:endParaRPr lang="bg-BG" dirty="0" smtClean="0"/>
                     </a:p>
@@ -6389,7 +6450,7 @@
     </p:spTree>
     <p:extLst>
       <p:ext uri="{BB962C8B-B14F-4D97-AF65-F5344CB8AC3E}">
-        <p14:creationId xmlns:p14="http://schemas.microsoft.com/office/powerpoint/2010/main" xmlns="" val="3004571794"/>
+        <p14:creationId xmlns="" xmlns:p14="http://schemas.microsoft.com/office/powerpoint/2010/main" val="3004571794"/>
       </p:ext>
     </p:extLst>
   </p:cSld>
@@ -6520,7 +6581,7 @@
         </p:nvSpPr>
         <p:spPr>
           <a:xfrm>
-            <a:off x="914400" y="2286000"/>
+            <a:off x="1447800" y="2286000"/>
             <a:ext cx="7086600" cy="3046988"/>
           </a:xfrm>
           <a:prstGeom prst="rect">
@@ -6546,7 +6607,27 @@
                   </a:schemeClr>
                 </a:solidFill>
               </a:rPr>
-              <a:t>Use of Canvas </a:t>
+              <a:t>Use of </a:t>
+            </a:r>
+            <a:r>
+              <a:rPr lang="en-US" sz="2400" dirty="0" err="1" smtClean="0">
+                <a:solidFill>
+                  <a:schemeClr val="accent1">
+                    <a:lumMod val="50000"/>
+                  </a:schemeClr>
+                </a:solidFill>
+              </a:rPr>
+              <a:t>CanvasJS</a:t>
+            </a:r>
+            <a:r>
+              <a:rPr lang="en-US" sz="2400" dirty="0" smtClean="0">
+                <a:solidFill>
+                  <a:schemeClr val="accent1">
+                    <a:lumMod val="50000"/>
+                  </a:schemeClr>
+                </a:solidFill>
+              </a:rPr>
+              <a:t>,  </a:t>
             </a:r>
             <a:r>
               <a:rPr lang="en-US" sz="2400" dirty="0" smtClean="0">
@@ -6602,27 +6683,7 @@
                   </a:schemeClr>
                 </a:solidFill>
               </a:rPr>
-              <a:t>Use of SVG , </a:t>
-            </a:r>
-            <a:r>
-              <a:rPr lang="en-US" sz="2400" dirty="0" smtClean="0">
-                <a:solidFill>
-                  <a:schemeClr val="accent1">
-                    <a:lumMod val="50000"/>
-                  </a:schemeClr>
-                </a:solidFill>
-              </a:rPr>
-              <a:t>Raphael JS </a:t>
-            </a:r>
-            <a:r>
-              <a:rPr lang="en-US" sz="2400" dirty="0" smtClean="0">
-                <a:solidFill>
-                  <a:schemeClr val="accent1">
-                    <a:lumMod val="50000"/>
-                  </a:schemeClr>
-                </a:solidFill>
-              </a:rPr>
-              <a:t>, </a:t>
+              <a:t>Use of SVG , Raphael JS , </a:t>
             </a:r>
             <a:r>
               <a:rPr lang="en-US" sz="2400" dirty="0" err="1" smtClean="0">
@@ -6712,7 +6773,7 @@
     </p:spTree>
     <p:extLst>
       <p:ext uri="{BB962C8B-B14F-4D97-AF65-F5344CB8AC3E}">
-        <p14:creationId xmlns:p14="http://schemas.microsoft.com/office/powerpoint/2010/main" xmlns="" val="241372775"/>
+        <p14:creationId xmlns="" xmlns:p14="http://schemas.microsoft.com/office/powerpoint/2010/main" val="241372775"/>
       </p:ext>
     </p:extLst>
   </p:cSld>
@@ -6796,7 +6857,7 @@
         </p:nvSpPr>
         <p:spPr>
           <a:xfrm>
-            <a:off x="304800" y="3581400"/>
+            <a:off x="457200" y="3505200"/>
             <a:ext cx="8458200" cy="523220"/>
           </a:xfrm>
           <a:prstGeom prst="rect">
@@ -6833,7 +6894,7 @@
     </p:spTree>
     <p:extLst>
       <p:ext uri="{BB962C8B-B14F-4D97-AF65-F5344CB8AC3E}">
-        <p14:creationId xmlns:p14="http://schemas.microsoft.com/office/powerpoint/2010/main" xmlns="" val="2020875122"/>
+        <p14:creationId xmlns="" xmlns:p14="http://schemas.microsoft.com/office/powerpoint/2010/main" val="2020875122"/>
       </p:ext>
     </p:extLst>
   </p:cSld>

--- a/Project Documentation/Presentation Mandarine.pptx
+++ b/Project Documentation/Presentation Mandarine.pptx
@@ -369,7 +369,7 @@
     </p:spTree>
     <p:extLst>
       <p:ext uri="{BB962C8B-B14F-4D97-AF65-F5344CB8AC3E}">
-        <p14:creationId xmlns="" xmlns:p14="http://schemas.microsoft.com/office/powerpoint/2010/main" val="3915967036"/>
+        <p14:creationId xmlns:p14="http://schemas.microsoft.com/office/powerpoint/2010/main" xmlns="" val="3915967036"/>
       </p:ext>
     </p:extLst>
   </p:cSld>
@@ -544,7 +544,7 @@
     </p:spTree>
     <p:extLst>
       <p:ext uri="{BB962C8B-B14F-4D97-AF65-F5344CB8AC3E}">
-        <p14:creationId xmlns="" xmlns:p14="http://schemas.microsoft.com/office/powerpoint/2010/main" val="379079075"/>
+        <p14:creationId xmlns:p14="http://schemas.microsoft.com/office/powerpoint/2010/main" xmlns="" val="379079075"/>
       </p:ext>
     </p:extLst>
   </p:cSld>
@@ -629,7 +629,7 @@
     </p:spTree>
     <p:extLst>
       <p:ext uri="{BB962C8B-B14F-4D97-AF65-F5344CB8AC3E}">
-        <p14:creationId xmlns="" xmlns:p14="http://schemas.microsoft.com/office/powerpoint/2010/main" val="2747109784"/>
+        <p14:creationId xmlns:p14="http://schemas.microsoft.com/office/powerpoint/2010/main" xmlns="" val="2747109784"/>
       </p:ext>
     </p:extLst>
   </p:cSld>
@@ -873,7 +873,7 @@
     </p:spTree>
     <p:extLst>
       <p:ext uri="{BB962C8B-B14F-4D97-AF65-F5344CB8AC3E}">
-        <p14:creationId xmlns="" xmlns:p14="http://schemas.microsoft.com/office/powerpoint/2010/main" val="1365601116"/>
+        <p14:creationId xmlns:p14="http://schemas.microsoft.com/office/powerpoint/2010/main" xmlns="" val="1365601116"/>
       </p:ext>
     </p:extLst>
   </p:cSld>
@@ -1045,7 +1045,7 @@
     </p:spTree>
     <p:extLst>
       <p:ext uri="{BB962C8B-B14F-4D97-AF65-F5344CB8AC3E}">
-        <p14:creationId xmlns="" xmlns:p14="http://schemas.microsoft.com/office/powerpoint/2010/main" val="2307113976"/>
+        <p14:creationId xmlns:p14="http://schemas.microsoft.com/office/powerpoint/2010/main" xmlns="" val="2307113976"/>
       </p:ext>
     </p:extLst>
   </p:cSld>
@@ -1227,7 +1227,7 @@
     </p:spTree>
     <p:extLst>
       <p:ext uri="{BB962C8B-B14F-4D97-AF65-F5344CB8AC3E}">
-        <p14:creationId xmlns="" xmlns:p14="http://schemas.microsoft.com/office/powerpoint/2010/main" val="2924712174"/>
+        <p14:creationId xmlns:p14="http://schemas.microsoft.com/office/powerpoint/2010/main" xmlns="" val="2924712174"/>
       </p:ext>
     </p:extLst>
   </p:cSld>
@@ -1399,7 +1399,7 @@
     </p:spTree>
     <p:extLst>
       <p:ext uri="{BB962C8B-B14F-4D97-AF65-F5344CB8AC3E}">
-        <p14:creationId xmlns="" xmlns:p14="http://schemas.microsoft.com/office/powerpoint/2010/main" val="920667919"/>
+        <p14:creationId xmlns:p14="http://schemas.microsoft.com/office/powerpoint/2010/main" xmlns="" val="920667919"/>
       </p:ext>
     </p:extLst>
   </p:cSld>
@@ -1647,7 +1647,7 @@
     </p:spTree>
     <p:extLst>
       <p:ext uri="{BB962C8B-B14F-4D97-AF65-F5344CB8AC3E}">
-        <p14:creationId xmlns="" xmlns:p14="http://schemas.microsoft.com/office/powerpoint/2010/main" val="2518805200"/>
+        <p14:creationId xmlns:p14="http://schemas.microsoft.com/office/powerpoint/2010/main" xmlns="" val="2518805200"/>
       </p:ext>
     </p:extLst>
   </p:cSld>
@@ -1937,7 +1937,7 @@
     </p:spTree>
     <p:extLst>
       <p:ext uri="{BB962C8B-B14F-4D97-AF65-F5344CB8AC3E}">
-        <p14:creationId xmlns="" xmlns:p14="http://schemas.microsoft.com/office/powerpoint/2010/main" val="1671547278"/>
+        <p14:creationId xmlns:p14="http://schemas.microsoft.com/office/powerpoint/2010/main" xmlns="" val="1671547278"/>
       </p:ext>
     </p:extLst>
   </p:cSld>
@@ -2361,7 +2361,7 @@
     </p:spTree>
     <p:extLst>
       <p:ext uri="{BB962C8B-B14F-4D97-AF65-F5344CB8AC3E}">
-        <p14:creationId xmlns="" xmlns:p14="http://schemas.microsoft.com/office/powerpoint/2010/main" val="2359131444"/>
+        <p14:creationId xmlns:p14="http://schemas.microsoft.com/office/powerpoint/2010/main" xmlns="" val="2359131444"/>
       </p:ext>
     </p:extLst>
   </p:cSld>
@@ -2481,7 +2481,7 @@
     </p:spTree>
     <p:extLst>
       <p:ext uri="{BB962C8B-B14F-4D97-AF65-F5344CB8AC3E}">
-        <p14:creationId xmlns="" xmlns:p14="http://schemas.microsoft.com/office/powerpoint/2010/main" val="1701070066"/>
+        <p14:creationId xmlns:p14="http://schemas.microsoft.com/office/powerpoint/2010/main" xmlns="" val="1701070066"/>
       </p:ext>
     </p:extLst>
   </p:cSld>
@@ -2578,7 +2578,7 @@
     </p:spTree>
     <p:extLst>
       <p:ext uri="{BB962C8B-B14F-4D97-AF65-F5344CB8AC3E}">
-        <p14:creationId xmlns="" xmlns:p14="http://schemas.microsoft.com/office/powerpoint/2010/main" val="1206239005"/>
+        <p14:creationId xmlns:p14="http://schemas.microsoft.com/office/powerpoint/2010/main" xmlns="" val="1206239005"/>
       </p:ext>
     </p:extLst>
   </p:cSld>
@@ -2857,7 +2857,7 @@
     </p:spTree>
     <p:extLst>
       <p:ext uri="{BB962C8B-B14F-4D97-AF65-F5344CB8AC3E}">
-        <p14:creationId xmlns="" xmlns:p14="http://schemas.microsoft.com/office/powerpoint/2010/main" val="2089640843"/>
+        <p14:creationId xmlns:p14="http://schemas.microsoft.com/office/powerpoint/2010/main" xmlns="" val="2089640843"/>
       </p:ext>
     </p:extLst>
   </p:cSld>
@@ -3112,7 +3112,7 @@
     </p:spTree>
     <p:extLst>
       <p:ext uri="{BB962C8B-B14F-4D97-AF65-F5344CB8AC3E}">
-        <p14:creationId xmlns="" xmlns:p14="http://schemas.microsoft.com/office/powerpoint/2010/main" val="1915928661"/>
+        <p14:creationId xmlns:p14="http://schemas.microsoft.com/office/powerpoint/2010/main" xmlns="" val="1915928661"/>
       </p:ext>
     </p:extLst>
   </p:cSld>
@@ -3372,7 +3372,7 @@
     </p:spTree>
     <p:extLst>
       <p:ext uri="{BB962C8B-B14F-4D97-AF65-F5344CB8AC3E}">
-        <p14:creationId xmlns="" xmlns:p14="http://schemas.microsoft.com/office/powerpoint/2010/main" val="3313188243"/>
+        <p14:creationId xmlns:p14="http://schemas.microsoft.com/office/powerpoint/2010/main" xmlns="" val="3313188243"/>
       </p:ext>
     </p:extLst>
   </p:cSld>
@@ -3990,7 +3990,7 @@
     </p:spTree>
     <p:extLst>
       <p:ext uri="{BB962C8B-B14F-4D97-AF65-F5344CB8AC3E}">
-        <p14:creationId xmlns="" xmlns:p14="http://schemas.microsoft.com/office/powerpoint/2010/main" val="3556372192"/>
+        <p14:creationId xmlns:p14="http://schemas.microsoft.com/office/powerpoint/2010/main" xmlns="" val="3556372192"/>
       </p:ext>
     </p:extLst>
   </p:cSld>
@@ -4277,7 +4277,7 @@
           <p:nvPr>
             <p:extLst>
               <p:ext uri="{D42A27DB-BD31-4B8C-83A1-F6EECF244321}">
-                <p14:modId xmlns="" xmlns:p14="http://schemas.microsoft.com/office/powerpoint/2010/main" val="193443960"/>
+                <p14:modId xmlns:p14="http://schemas.microsoft.com/office/powerpoint/2010/main" xmlns="" val="193443960"/>
               </p:ext>
             </p:extLst>
           </p:nvPr>
@@ -4724,7 +4724,7 @@
     </p:spTree>
     <p:extLst>
       <p:ext uri="{BB962C8B-B14F-4D97-AF65-F5344CB8AC3E}">
-        <p14:creationId xmlns="" xmlns:p14="http://schemas.microsoft.com/office/powerpoint/2010/main" val="3929209132"/>
+        <p14:creationId xmlns:p14="http://schemas.microsoft.com/office/powerpoint/2010/main" xmlns="" val="3929209132"/>
       </p:ext>
     </p:extLst>
   </p:cSld>
@@ -5086,7 +5086,7 @@
     </p:spTree>
     <p:extLst>
       <p:ext uri="{BB962C8B-B14F-4D97-AF65-F5344CB8AC3E}">
-        <p14:creationId xmlns="" xmlns:p14="http://schemas.microsoft.com/office/powerpoint/2010/main" val="4207131649"/>
+        <p14:creationId xmlns:p14="http://schemas.microsoft.com/office/powerpoint/2010/main" xmlns="" val="4207131649"/>
       </p:ext>
     </p:extLst>
   </p:cSld>
@@ -5324,7 +5324,7 @@
     </p:spTree>
     <p:extLst>
       <p:ext uri="{BB962C8B-B14F-4D97-AF65-F5344CB8AC3E}">
-        <p14:creationId xmlns="" xmlns:p14="http://schemas.microsoft.com/office/powerpoint/2010/main" val="1978140734"/>
+        <p14:creationId xmlns:p14="http://schemas.microsoft.com/office/powerpoint/2010/main" xmlns="" val="1978140734"/>
       </p:ext>
     </p:extLst>
   </p:cSld>
@@ -5649,6 +5649,28 @@
                     <a:lstStyle/>
                     <a:p>
                       <a:r>
+                        <a:rPr lang="en-US" sz="1800" b="0" i="0" kern="1200" dirty="0" smtClean="0">
+                          <a:solidFill>
+                            <a:schemeClr val="dk1"/>
+                          </a:solidFill>
+                          <a:latin typeface="+mn-lt"/>
+                          <a:ea typeface="+mn-ea"/>
+                          <a:cs typeface="+mn-cs"/>
+                        </a:rPr>
+                        <a:t>Canvas</a:t>
+                      </a:r>
+                      <a:r>
+                        <a:rPr lang="en-US" sz="1800" b="0" i="0" kern="1200" baseline="0" dirty="0" smtClean="0">
+                          <a:solidFill>
+                            <a:schemeClr val="dk1"/>
+                          </a:solidFill>
+                          <a:latin typeface="+mn-lt"/>
+                          <a:ea typeface="+mn-ea"/>
+                          <a:cs typeface="+mn-cs"/>
+                        </a:rPr>
+                        <a:t>     </a:t>
+                      </a:r>
+                      <a:r>
                         <a:rPr lang="en-US" sz="1800" b="0" i="0" kern="1200" dirty="0" err="1" smtClean="0">
                           <a:solidFill>
                             <a:schemeClr val="dk1"/>
@@ -5657,7 +5679,7 @@
                           <a:ea typeface="+mn-ea"/>
                           <a:cs typeface="+mn-cs"/>
                         </a:rPr>
-                        <a:t>CanvasJS</a:t>
+                        <a:t>jQuery</a:t>
                       </a:r>
                       <a:r>
                         <a:rPr lang="en-US" sz="1800" b="0" i="0" kern="1200" dirty="0" smtClean="0">
@@ -5670,7 +5692,7 @@
                         </a:rPr>
                         <a:t> </a:t>
                       </a:r>
-                      <a:endParaRPr lang="bg-BG" dirty="0"/>
+                      <a:endParaRPr lang="bg-BG" dirty="0" smtClean="0"/>
                     </a:p>
                   </a:txBody>
                   <a:tcPr/>
@@ -5683,8 +5705,12 @@
                     <a:lstStyle/>
                     <a:p>
                       <a:r>
-                        <a:rPr lang="en-US" smtClean="0"/>
-                        <a:t>Compare movies </a:t>
+                        <a:rPr lang="en-US" dirty="0" smtClean="0"/>
+                        <a:t>Radar</a:t>
+                      </a:r>
+                      <a:r>
+                        <a:rPr lang="en-US" baseline="0" dirty="0" smtClean="0"/>
+                        <a:t> Chart</a:t>
                       </a:r>
                       <a:endParaRPr lang="bg-BG" dirty="0"/>
                     </a:p>
@@ -5718,9 +5744,10 @@
                         <a:rPr lang="en-US" dirty="0" err="1" smtClean="0"/>
                         <a:t>ChartJS</a:t>
                       </a:r>
-                      <a:endParaRPr lang="bg-BG" dirty="0" smtClean="0"/>
-                    </a:p>
-                    <a:p>
+                      <a:r>
+                        <a:rPr lang="en-US" baseline="0" dirty="0" smtClean="0"/>
+                        <a:t>     </a:t>
+                      </a:r>
                       <a:r>
                         <a:rPr lang="en-US" sz="1800" b="0" i="0" kern="1200" dirty="0" err="1" smtClean="0">
                           <a:solidFill>
@@ -5944,11 +5971,7 @@
                       </a:r>
                       <a:r>
                         <a:rPr lang="en-US" baseline="0" dirty="0" smtClean="0"/>
-                        <a:t> </a:t>
-                      </a:r>
-                      <a:r>
-                        <a:rPr lang="en-US" baseline="0" dirty="0" smtClean="0"/>
-                        <a:t>years, works with its own data </a:t>
+                        <a:t> years, works with its own data </a:t>
                       </a:r>
                       <a:endParaRPr lang="bg-BG" dirty="0" smtClean="0"/>
                     </a:p>
@@ -6002,7 +6025,13 @@
                     <a:p>
                       <a:r>
                         <a:rPr lang="en-US" dirty="0" smtClean="0"/>
-                        <a:t>Pyramid Chart</a:t>
+                        <a:t>Pyramid</a:t>
+                      </a:r>
+                    </a:p>
+                    <a:p>
+                      <a:r>
+                        <a:rPr lang="en-US" dirty="0" smtClean="0"/>
+                        <a:t>Chart</a:t>
                       </a:r>
                       <a:r>
                         <a:rPr lang="en-US" baseline="0" dirty="0" smtClean="0"/>
@@ -6091,7 +6120,7 @@
     </p:spTree>
     <p:extLst>
       <p:ext uri="{BB962C8B-B14F-4D97-AF65-F5344CB8AC3E}">
-        <p14:creationId xmlns="" xmlns:p14="http://schemas.microsoft.com/office/powerpoint/2010/main" val="1284655973"/>
+        <p14:creationId xmlns:p14="http://schemas.microsoft.com/office/powerpoint/2010/main" xmlns="" val="1284655973"/>
       </p:ext>
     </p:extLst>
   </p:cSld>
@@ -6450,7 +6479,7 @@
     </p:spTree>
     <p:extLst>
       <p:ext uri="{BB962C8B-B14F-4D97-AF65-F5344CB8AC3E}">
-        <p14:creationId xmlns="" xmlns:p14="http://schemas.microsoft.com/office/powerpoint/2010/main" val="3004571794"/>
+        <p14:creationId xmlns:p14="http://schemas.microsoft.com/office/powerpoint/2010/main" xmlns="" val="3004571794"/>
       </p:ext>
     </p:extLst>
   </p:cSld>
@@ -6627,17 +6656,7 @@
                   </a:schemeClr>
                 </a:solidFill>
               </a:rPr>
-              <a:t>,  </a:t>
-            </a:r>
-            <a:r>
-              <a:rPr lang="en-US" sz="2400" dirty="0" smtClean="0">
-                <a:solidFill>
-                  <a:schemeClr val="accent1">
-                    <a:lumMod val="50000"/>
-                  </a:schemeClr>
-                </a:solidFill>
-              </a:rPr>
-              <a:t>framework like </a:t>
+              <a:t>,  framework like </a:t>
             </a:r>
             <a:r>
               <a:rPr lang="en-US" sz="2400" dirty="0" err="1" smtClean="0">
@@ -6773,7 +6792,7 @@
     </p:spTree>
     <p:extLst>
       <p:ext uri="{BB962C8B-B14F-4D97-AF65-F5344CB8AC3E}">
-        <p14:creationId xmlns="" xmlns:p14="http://schemas.microsoft.com/office/powerpoint/2010/main" val="241372775"/>
+        <p14:creationId xmlns:p14="http://schemas.microsoft.com/office/powerpoint/2010/main" xmlns="" val="241372775"/>
       </p:ext>
     </p:extLst>
   </p:cSld>
@@ -6894,7 +6913,7 @@
     </p:spTree>
     <p:extLst>
       <p:ext uri="{BB962C8B-B14F-4D97-AF65-F5344CB8AC3E}">
-        <p14:creationId xmlns="" xmlns:p14="http://schemas.microsoft.com/office/powerpoint/2010/main" val="2020875122"/>
+        <p14:creationId xmlns:p14="http://schemas.microsoft.com/office/powerpoint/2010/main" xmlns="" val="2020875122"/>
       </p:ext>
     </p:extLst>
   </p:cSld>

--- a/Project Documentation/Presentation Mandarine.pptx
+++ b/Project Documentation/Presentation Mandarine.pptx
@@ -369,7 +369,7 @@
     </p:spTree>
     <p:extLst>
       <p:ext uri="{BB962C8B-B14F-4D97-AF65-F5344CB8AC3E}">
-        <p14:creationId xmlns:p14="http://schemas.microsoft.com/office/powerpoint/2010/main" xmlns="" val="3915967036"/>
+        <p14:creationId xmlns="" xmlns:p14="http://schemas.microsoft.com/office/powerpoint/2010/main" val="3915967036"/>
       </p:ext>
     </p:extLst>
   </p:cSld>
@@ -544,7 +544,7 @@
     </p:spTree>
     <p:extLst>
       <p:ext uri="{BB962C8B-B14F-4D97-AF65-F5344CB8AC3E}">
-        <p14:creationId xmlns:p14="http://schemas.microsoft.com/office/powerpoint/2010/main" xmlns="" val="379079075"/>
+        <p14:creationId xmlns="" xmlns:p14="http://schemas.microsoft.com/office/powerpoint/2010/main" val="379079075"/>
       </p:ext>
     </p:extLst>
   </p:cSld>
@@ -629,7 +629,7 @@
     </p:spTree>
     <p:extLst>
       <p:ext uri="{BB962C8B-B14F-4D97-AF65-F5344CB8AC3E}">
-        <p14:creationId xmlns:p14="http://schemas.microsoft.com/office/powerpoint/2010/main" xmlns="" val="2747109784"/>
+        <p14:creationId xmlns="" xmlns:p14="http://schemas.microsoft.com/office/powerpoint/2010/main" val="2747109784"/>
       </p:ext>
     </p:extLst>
   </p:cSld>
@@ -873,7 +873,7 @@
     </p:spTree>
     <p:extLst>
       <p:ext uri="{BB962C8B-B14F-4D97-AF65-F5344CB8AC3E}">
-        <p14:creationId xmlns:p14="http://schemas.microsoft.com/office/powerpoint/2010/main" xmlns="" val="1365601116"/>
+        <p14:creationId xmlns="" xmlns:p14="http://schemas.microsoft.com/office/powerpoint/2010/main" val="1365601116"/>
       </p:ext>
     </p:extLst>
   </p:cSld>
@@ -1045,7 +1045,7 @@
     </p:spTree>
     <p:extLst>
       <p:ext uri="{BB962C8B-B14F-4D97-AF65-F5344CB8AC3E}">
-        <p14:creationId xmlns:p14="http://schemas.microsoft.com/office/powerpoint/2010/main" xmlns="" val="2307113976"/>
+        <p14:creationId xmlns="" xmlns:p14="http://schemas.microsoft.com/office/powerpoint/2010/main" val="2307113976"/>
       </p:ext>
     </p:extLst>
   </p:cSld>
@@ -1227,7 +1227,7 @@
     </p:spTree>
     <p:extLst>
       <p:ext uri="{BB962C8B-B14F-4D97-AF65-F5344CB8AC3E}">
-        <p14:creationId xmlns:p14="http://schemas.microsoft.com/office/powerpoint/2010/main" xmlns="" val="2924712174"/>
+        <p14:creationId xmlns="" xmlns:p14="http://schemas.microsoft.com/office/powerpoint/2010/main" val="2924712174"/>
       </p:ext>
     </p:extLst>
   </p:cSld>
@@ -1399,7 +1399,7 @@
     </p:spTree>
     <p:extLst>
       <p:ext uri="{BB962C8B-B14F-4D97-AF65-F5344CB8AC3E}">
-        <p14:creationId xmlns:p14="http://schemas.microsoft.com/office/powerpoint/2010/main" xmlns="" val="920667919"/>
+        <p14:creationId xmlns="" xmlns:p14="http://schemas.microsoft.com/office/powerpoint/2010/main" val="920667919"/>
       </p:ext>
     </p:extLst>
   </p:cSld>
@@ -1647,7 +1647,7 @@
     </p:spTree>
     <p:extLst>
       <p:ext uri="{BB962C8B-B14F-4D97-AF65-F5344CB8AC3E}">
-        <p14:creationId xmlns:p14="http://schemas.microsoft.com/office/powerpoint/2010/main" xmlns="" val="2518805200"/>
+        <p14:creationId xmlns="" xmlns:p14="http://schemas.microsoft.com/office/powerpoint/2010/main" val="2518805200"/>
       </p:ext>
     </p:extLst>
   </p:cSld>
@@ -1937,7 +1937,7 @@
     </p:spTree>
     <p:extLst>
       <p:ext uri="{BB962C8B-B14F-4D97-AF65-F5344CB8AC3E}">
-        <p14:creationId xmlns:p14="http://schemas.microsoft.com/office/powerpoint/2010/main" xmlns="" val="1671547278"/>
+        <p14:creationId xmlns="" xmlns:p14="http://schemas.microsoft.com/office/powerpoint/2010/main" val="1671547278"/>
       </p:ext>
     </p:extLst>
   </p:cSld>
@@ -2361,7 +2361,7 @@
     </p:spTree>
     <p:extLst>
       <p:ext uri="{BB962C8B-B14F-4D97-AF65-F5344CB8AC3E}">
-        <p14:creationId xmlns:p14="http://schemas.microsoft.com/office/powerpoint/2010/main" xmlns="" val="2359131444"/>
+        <p14:creationId xmlns="" xmlns:p14="http://schemas.microsoft.com/office/powerpoint/2010/main" val="2359131444"/>
       </p:ext>
     </p:extLst>
   </p:cSld>
@@ -2481,7 +2481,7 @@
     </p:spTree>
     <p:extLst>
       <p:ext uri="{BB962C8B-B14F-4D97-AF65-F5344CB8AC3E}">
-        <p14:creationId xmlns:p14="http://schemas.microsoft.com/office/powerpoint/2010/main" xmlns="" val="1701070066"/>
+        <p14:creationId xmlns="" xmlns:p14="http://schemas.microsoft.com/office/powerpoint/2010/main" val="1701070066"/>
       </p:ext>
     </p:extLst>
   </p:cSld>
@@ -2578,7 +2578,7 @@
     </p:spTree>
     <p:extLst>
       <p:ext uri="{BB962C8B-B14F-4D97-AF65-F5344CB8AC3E}">
-        <p14:creationId xmlns:p14="http://schemas.microsoft.com/office/powerpoint/2010/main" xmlns="" val="1206239005"/>
+        <p14:creationId xmlns="" xmlns:p14="http://schemas.microsoft.com/office/powerpoint/2010/main" val="1206239005"/>
       </p:ext>
     </p:extLst>
   </p:cSld>
@@ -2857,7 +2857,7 @@
     </p:spTree>
     <p:extLst>
       <p:ext uri="{BB962C8B-B14F-4D97-AF65-F5344CB8AC3E}">
-        <p14:creationId xmlns:p14="http://schemas.microsoft.com/office/powerpoint/2010/main" xmlns="" val="2089640843"/>
+        <p14:creationId xmlns="" xmlns:p14="http://schemas.microsoft.com/office/powerpoint/2010/main" val="2089640843"/>
       </p:ext>
     </p:extLst>
   </p:cSld>
@@ -3112,7 +3112,7 @@
     </p:spTree>
     <p:extLst>
       <p:ext uri="{BB962C8B-B14F-4D97-AF65-F5344CB8AC3E}">
-        <p14:creationId xmlns:p14="http://schemas.microsoft.com/office/powerpoint/2010/main" xmlns="" val="1915928661"/>
+        <p14:creationId xmlns="" xmlns:p14="http://schemas.microsoft.com/office/powerpoint/2010/main" val="1915928661"/>
       </p:ext>
     </p:extLst>
   </p:cSld>
@@ -3372,7 +3372,7 @@
     </p:spTree>
     <p:extLst>
       <p:ext uri="{BB962C8B-B14F-4D97-AF65-F5344CB8AC3E}">
-        <p14:creationId xmlns:p14="http://schemas.microsoft.com/office/powerpoint/2010/main" xmlns="" val="3313188243"/>
+        <p14:creationId xmlns="" xmlns:p14="http://schemas.microsoft.com/office/powerpoint/2010/main" val="3313188243"/>
       </p:ext>
     </p:extLst>
   </p:cSld>
@@ -3990,7 +3990,7 @@
     </p:spTree>
     <p:extLst>
       <p:ext uri="{BB962C8B-B14F-4D97-AF65-F5344CB8AC3E}">
-        <p14:creationId xmlns:p14="http://schemas.microsoft.com/office/powerpoint/2010/main" xmlns="" val="3556372192"/>
+        <p14:creationId xmlns="" xmlns:p14="http://schemas.microsoft.com/office/powerpoint/2010/main" val="3556372192"/>
       </p:ext>
     </p:extLst>
   </p:cSld>
@@ -4277,7 +4277,7 @@
           <p:nvPr>
             <p:extLst>
               <p:ext uri="{D42A27DB-BD31-4B8C-83A1-F6EECF244321}">
-                <p14:modId xmlns:p14="http://schemas.microsoft.com/office/powerpoint/2010/main" xmlns="" val="193443960"/>
+                <p14:modId xmlns="" xmlns:p14="http://schemas.microsoft.com/office/powerpoint/2010/main" val="193443960"/>
               </p:ext>
             </p:extLst>
           </p:nvPr>
@@ -4724,7 +4724,7 @@
     </p:spTree>
     <p:extLst>
       <p:ext uri="{BB962C8B-B14F-4D97-AF65-F5344CB8AC3E}">
-        <p14:creationId xmlns:p14="http://schemas.microsoft.com/office/powerpoint/2010/main" xmlns="" val="3929209132"/>
+        <p14:creationId xmlns="" xmlns:p14="http://schemas.microsoft.com/office/powerpoint/2010/main" val="3929209132"/>
       </p:ext>
     </p:extLst>
   </p:cSld>
@@ -5086,7 +5086,7 @@
     </p:spTree>
     <p:extLst>
       <p:ext uri="{BB962C8B-B14F-4D97-AF65-F5344CB8AC3E}">
-        <p14:creationId xmlns:p14="http://schemas.microsoft.com/office/powerpoint/2010/main" xmlns="" val="4207131649"/>
+        <p14:creationId xmlns="" xmlns:p14="http://schemas.microsoft.com/office/powerpoint/2010/main" val="4207131649"/>
       </p:ext>
     </p:extLst>
   </p:cSld>
@@ -5324,7 +5324,7 @@
     </p:spTree>
     <p:extLst>
       <p:ext uri="{BB962C8B-B14F-4D97-AF65-F5344CB8AC3E}">
-        <p14:creationId xmlns:p14="http://schemas.microsoft.com/office/powerpoint/2010/main" xmlns="" val="1978140734"/>
+        <p14:creationId xmlns="" xmlns:p14="http://schemas.microsoft.com/office/powerpoint/2010/main" val="1978140734"/>
       </p:ext>
     </p:extLst>
   </p:cSld>
@@ -5649,7 +5649,7 @@
                     <a:lstStyle/>
                     <a:p>
                       <a:r>
-                        <a:rPr lang="en-US" sz="1800" b="0" i="0" kern="1200" dirty="0" smtClean="0">
+                        <a:rPr lang="en-US" sz="1800" b="0" i="0" kern="1200" dirty="0" err="1" smtClean="0">
                           <a:solidFill>
                             <a:schemeClr val="dk1"/>
                           </a:solidFill>
@@ -5657,7 +5657,7 @@
                           <a:ea typeface="+mn-ea"/>
                           <a:cs typeface="+mn-cs"/>
                         </a:rPr>
-                        <a:t>Canvas</a:t>
+                        <a:t>CanvasJS</a:t>
                       </a:r>
                       <a:r>
                         <a:rPr lang="en-US" sz="1800" b="0" i="0" kern="1200" baseline="0" dirty="0" smtClean="0">
@@ -5668,7 +5668,7 @@
                           <a:ea typeface="+mn-ea"/>
                           <a:cs typeface="+mn-cs"/>
                         </a:rPr>
-                        <a:t>     </a:t>
+                        <a:t>  </a:t>
                       </a:r>
                       <a:r>
                         <a:rPr lang="en-US" sz="1800" b="0" i="0" kern="1200" dirty="0" err="1" smtClean="0">
@@ -6120,7 +6120,7 @@
     </p:spTree>
     <p:extLst>
       <p:ext uri="{BB962C8B-B14F-4D97-AF65-F5344CB8AC3E}">
-        <p14:creationId xmlns:p14="http://schemas.microsoft.com/office/powerpoint/2010/main" xmlns="" val="1284655973"/>
+        <p14:creationId xmlns="" xmlns:p14="http://schemas.microsoft.com/office/powerpoint/2010/main" val="1284655973"/>
       </p:ext>
     </p:extLst>
   </p:cSld>
@@ -6479,7 +6479,7 @@
     </p:spTree>
     <p:extLst>
       <p:ext uri="{BB962C8B-B14F-4D97-AF65-F5344CB8AC3E}">
-        <p14:creationId xmlns:p14="http://schemas.microsoft.com/office/powerpoint/2010/main" xmlns="" val="3004571794"/>
+        <p14:creationId xmlns="" xmlns:p14="http://schemas.microsoft.com/office/powerpoint/2010/main" val="3004571794"/>
       </p:ext>
     </p:extLst>
   </p:cSld>
@@ -6636,27 +6636,47 @@
                   </a:schemeClr>
                 </a:solidFill>
               </a:rPr>
-              <a:t>Use of </a:t>
-            </a:r>
-            <a:r>
-              <a:rPr lang="en-US" sz="2400" dirty="0" err="1" smtClean="0">
+              <a:t>Use </a:t>
+            </a:r>
+            <a:r>
+              <a:rPr lang="en-US" sz="2400" dirty="0" smtClean="0">
                 <a:solidFill>
                   <a:schemeClr val="accent1">
                     <a:lumMod val="50000"/>
                   </a:schemeClr>
                 </a:solidFill>
               </a:rPr>
-              <a:t>CanvasJS</a:t>
-            </a:r>
-            <a:r>
-              <a:rPr lang="en-US" sz="2400" dirty="0" smtClean="0">
+              <a:t>of  </a:t>
+            </a:r>
+            <a:r>
+              <a:rPr lang="en-US" sz="2400" dirty="0" err="1" smtClean="0">
                 <a:solidFill>
                   <a:schemeClr val="accent1">
                     <a:lumMod val="50000"/>
                   </a:schemeClr>
                 </a:solidFill>
               </a:rPr>
-              <a:t>,  framework like </a:t>
+              <a:t>CanvasJS</a:t>
+            </a:r>
+            <a:r>
+              <a:rPr lang="en-US" sz="2400" dirty="0" smtClean="0">
+                <a:solidFill>
+                  <a:schemeClr val="accent1">
+                    <a:lumMod val="50000"/>
+                  </a:schemeClr>
+                </a:solidFill>
+              </a:rPr>
+              <a:t>,  </a:t>
+            </a:r>
+            <a:r>
+              <a:rPr lang="en-US" sz="2400" dirty="0" smtClean="0">
+                <a:solidFill>
+                  <a:schemeClr val="accent1">
+                    <a:lumMod val="50000"/>
+                  </a:schemeClr>
+                </a:solidFill>
+              </a:rPr>
+              <a:t> </a:t>
             </a:r>
             <a:r>
               <a:rPr lang="en-US" sz="2400" dirty="0" err="1" smtClean="0">
@@ -6702,7 +6722,27 @@
                   </a:schemeClr>
                 </a:solidFill>
               </a:rPr>
-              <a:t>Use of SVG , Raphael JS , </a:t>
+              <a:t>Use of </a:t>
+            </a:r>
+            <a:r>
+              <a:rPr lang="en-US" sz="2400" dirty="0" smtClean="0">
+                <a:solidFill>
+                  <a:schemeClr val="accent1">
+                    <a:lumMod val="50000"/>
+                  </a:schemeClr>
+                </a:solidFill>
+              </a:rPr>
+              <a:t>Raphael </a:t>
+            </a:r>
+            <a:r>
+              <a:rPr lang="en-US" sz="2400" dirty="0" smtClean="0">
+                <a:solidFill>
+                  <a:schemeClr val="accent1">
+                    <a:lumMod val="50000"/>
+                  </a:schemeClr>
+                </a:solidFill>
+              </a:rPr>
+              <a:t>JS , </a:t>
             </a:r>
             <a:r>
               <a:rPr lang="en-US" sz="2400" dirty="0" err="1" smtClean="0">
@@ -6748,8 +6788,25 @@
                   </a:schemeClr>
                 </a:solidFill>
               </a:rPr>
-              <a:t>Created animation with SVG </a:t>
-            </a:r>
+              <a:t>Created animation with </a:t>
+            </a:r>
+            <a:r>
+              <a:rPr lang="en-US" sz="2400" dirty="0" smtClean="0">
+                <a:solidFill>
+                  <a:schemeClr val="accent1">
+                    <a:lumMod val="50000"/>
+                  </a:schemeClr>
+                </a:solidFill>
+              </a:rPr>
+              <a:t>Raphael JS</a:t>
+            </a:r>
+            <a:endParaRPr lang="en-US" sz="2400" dirty="0" smtClean="0">
+              <a:solidFill>
+                <a:schemeClr val="accent1">
+                  <a:lumMod val="50000"/>
+                </a:schemeClr>
+              </a:solidFill>
+            </a:endParaRPr>
           </a:p>
           <a:p>
             <a:pPr>
@@ -6792,7 +6849,7 @@
     </p:spTree>
     <p:extLst>
       <p:ext uri="{BB962C8B-B14F-4D97-AF65-F5344CB8AC3E}">
-        <p14:creationId xmlns:p14="http://schemas.microsoft.com/office/powerpoint/2010/main" xmlns="" val="241372775"/>
+        <p14:creationId xmlns="" xmlns:p14="http://schemas.microsoft.com/office/powerpoint/2010/main" val="241372775"/>
       </p:ext>
     </p:extLst>
   </p:cSld>
@@ -6913,7 +6970,7 @@
     </p:spTree>
     <p:extLst>
       <p:ext uri="{BB962C8B-B14F-4D97-AF65-F5344CB8AC3E}">
-        <p14:creationId xmlns:p14="http://schemas.microsoft.com/office/powerpoint/2010/main" xmlns="" val="2020875122"/>
+        <p14:creationId xmlns="" xmlns:p14="http://schemas.microsoft.com/office/powerpoint/2010/main" val="2020875122"/>
       </p:ext>
     </p:extLst>
   </p:cSld>

--- a/Project Documentation/Presentation Mandarine.pptx
+++ b/Project Documentation/Presentation Mandarine.pptx
@@ -369,7 +369,7 @@
     </p:spTree>
     <p:extLst>
       <p:ext uri="{BB962C8B-B14F-4D97-AF65-F5344CB8AC3E}">
-        <p14:creationId xmlns="" xmlns:p14="http://schemas.microsoft.com/office/powerpoint/2010/main" val="3915967036"/>
+        <p14:creationId xmlns:p14="http://schemas.microsoft.com/office/powerpoint/2010/main" xmlns="" val="3915967036"/>
       </p:ext>
     </p:extLst>
   </p:cSld>
@@ -544,7 +544,7 @@
     </p:spTree>
     <p:extLst>
       <p:ext uri="{BB962C8B-B14F-4D97-AF65-F5344CB8AC3E}">
-        <p14:creationId xmlns="" xmlns:p14="http://schemas.microsoft.com/office/powerpoint/2010/main" val="379079075"/>
+        <p14:creationId xmlns:p14="http://schemas.microsoft.com/office/powerpoint/2010/main" xmlns="" val="379079075"/>
       </p:ext>
     </p:extLst>
   </p:cSld>
@@ -629,7 +629,7 @@
     </p:spTree>
     <p:extLst>
       <p:ext uri="{BB962C8B-B14F-4D97-AF65-F5344CB8AC3E}">
-        <p14:creationId xmlns="" xmlns:p14="http://schemas.microsoft.com/office/powerpoint/2010/main" val="2747109784"/>
+        <p14:creationId xmlns:p14="http://schemas.microsoft.com/office/powerpoint/2010/main" xmlns="" val="2747109784"/>
       </p:ext>
     </p:extLst>
   </p:cSld>
@@ -873,7 +873,7 @@
     </p:spTree>
     <p:extLst>
       <p:ext uri="{BB962C8B-B14F-4D97-AF65-F5344CB8AC3E}">
-        <p14:creationId xmlns="" xmlns:p14="http://schemas.microsoft.com/office/powerpoint/2010/main" val="1365601116"/>
+        <p14:creationId xmlns:p14="http://schemas.microsoft.com/office/powerpoint/2010/main" xmlns="" val="1365601116"/>
       </p:ext>
     </p:extLst>
   </p:cSld>
@@ -1045,7 +1045,7 @@
     </p:spTree>
     <p:extLst>
       <p:ext uri="{BB962C8B-B14F-4D97-AF65-F5344CB8AC3E}">
-        <p14:creationId xmlns="" xmlns:p14="http://schemas.microsoft.com/office/powerpoint/2010/main" val="2307113976"/>
+        <p14:creationId xmlns:p14="http://schemas.microsoft.com/office/powerpoint/2010/main" xmlns="" val="2307113976"/>
       </p:ext>
     </p:extLst>
   </p:cSld>
@@ -1227,7 +1227,7 @@
     </p:spTree>
     <p:extLst>
       <p:ext uri="{BB962C8B-B14F-4D97-AF65-F5344CB8AC3E}">
-        <p14:creationId xmlns="" xmlns:p14="http://schemas.microsoft.com/office/powerpoint/2010/main" val="2924712174"/>
+        <p14:creationId xmlns:p14="http://schemas.microsoft.com/office/powerpoint/2010/main" xmlns="" val="2924712174"/>
       </p:ext>
     </p:extLst>
   </p:cSld>
@@ -1399,7 +1399,7 @@
     </p:spTree>
     <p:extLst>
       <p:ext uri="{BB962C8B-B14F-4D97-AF65-F5344CB8AC3E}">
-        <p14:creationId xmlns="" xmlns:p14="http://schemas.microsoft.com/office/powerpoint/2010/main" val="920667919"/>
+        <p14:creationId xmlns:p14="http://schemas.microsoft.com/office/powerpoint/2010/main" xmlns="" val="920667919"/>
       </p:ext>
     </p:extLst>
   </p:cSld>
@@ -1647,7 +1647,7 @@
     </p:spTree>
     <p:extLst>
       <p:ext uri="{BB962C8B-B14F-4D97-AF65-F5344CB8AC3E}">
-        <p14:creationId xmlns="" xmlns:p14="http://schemas.microsoft.com/office/powerpoint/2010/main" val="2518805200"/>
+        <p14:creationId xmlns:p14="http://schemas.microsoft.com/office/powerpoint/2010/main" xmlns="" val="2518805200"/>
       </p:ext>
     </p:extLst>
   </p:cSld>
@@ -1937,7 +1937,7 @@
     </p:spTree>
     <p:extLst>
       <p:ext uri="{BB962C8B-B14F-4D97-AF65-F5344CB8AC3E}">
-        <p14:creationId xmlns="" xmlns:p14="http://schemas.microsoft.com/office/powerpoint/2010/main" val="1671547278"/>
+        <p14:creationId xmlns:p14="http://schemas.microsoft.com/office/powerpoint/2010/main" xmlns="" val="1671547278"/>
       </p:ext>
     </p:extLst>
   </p:cSld>
@@ -2361,7 +2361,7 @@
     </p:spTree>
     <p:extLst>
       <p:ext uri="{BB962C8B-B14F-4D97-AF65-F5344CB8AC3E}">
-        <p14:creationId xmlns="" xmlns:p14="http://schemas.microsoft.com/office/powerpoint/2010/main" val="2359131444"/>
+        <p14:creationId xmlns:p14="http://schemas.microsoft.com/office/powerpoint/2010/main" xmlns="" val="2359131444"/>
       </p:ext>
     </p:extLst>
   </p:cSld>
@@ -2481,7 +2481,7 @@
     </p:spTree>
     <p:extLst>
       <p:ext uri="{BB962C8B-B14F-4D97-AF65-F5344CB8AC3E}">
-        <p14:creationId xmlns="" xmlns:p14="http://schemas.microsoft.com/office/powerpoint/2010/main" val="1701070066"/>
+        <p14:creationId xmlns:p14="http://schemas.microsoft.com/office/powerpoint/2010/main" xmlns="" val="1701070066"/>
       </p:ext>
     </p:extLst>
   </p:cSld>
@@ -2578,7 +2578,7 @@
     </p:spTree>
     <p:extLst>
       <p:ext uri="{BB962C8B-B14F-4D97-AF65-F5344CB8AC3E}">
-        <p14:creationId xmlns="" xmlns:p14="http://schemas.microsoft.com/office/powerpoint/2010/main" val="1206239005"/>
+        <p14:creationId xmlns:p14="http://schemas.microsoft.com/office/powerpoint/2010/main" xmlns="" val="1206239005"/>
       </p:ext>
     </p:extLst>
   </p:cSld>
@@ -2857,7 +2857,7 @@
     </p:spTree>
     <p:extLst>
       <p:ext uri="{BB962C8B-B14F-4D97-AF65-F5344CB8AC3E}">
-        <p14:creationId xmlns="" xmlns:p14="http://schemas.microsoft.com/office/powerpoint/2010/main" val="2089640843"/>
+        <p14:creationId xmlns:p14="http://schemas.microsoft.com/office/powerpoint/2010/main" xmlns="" val="2089640843"/>
       </p:ext>
     </p:extLst>
   </p:cSld>
@@ -3112,7 +3112,7 @@
     </p:spTree>
     <p:extLst>
       <p:ext uri="{BB962C8B-B14F-4D97-AF65-F5344CB8AC3E}">
-        <p14:creationId xmlns="" xmlns:p14="http://schemas.microsoft.com/office/powerpoint/2010/main" val="1915928661"/>
+        <p14:creationId xmlns:p14="http://schemas.microsoft.com/office/powerpoint/2010/main" xmlns="" val="1915928661"/>
       </p:ext>
     </p:extLst>
   </p:cSld>
@@ -3372,7 +3372,7 @@
     </p:spTree>
     <p:extLst>
       <p:ext uri="{BB962C8B-B14F-4D97-AF65-F5344CB8AC3E}">
-        <p14:creationId xmlns="" xmlns:p14="http://schemas.microsoft.com/office/powerpoint/2010/main" val="3313188243"/>
+        <p14:creationId xmlns:p14="http://schemas.microsoft.com/office/powerpoint/2010/main" xmlns="" val="3313188243"/>
       </p:ext>
     </p:extLst>
   </p:cSld>
@@ -3990,7 +3990,7 @@
     </p:spTree>
     <p:extLst>
       <p:ext uri="{BB962C8B-B14F-4D97-AF65-F5344CB8AC3E}">
-        <p14:creationId xmlns="" xmlns:p14="http://schemas.microsoft.com/office/powerpoint/2010/main" val="3556372192"/>
+        <p14:creationId xmlns:p14="http://schemas.microsoft.com/office/powerpoint/2010/main" xmlns="" val="3556372192"/>
       </p:ext>
     </p:extLst>
   </p:cSld>
@@ -4277,7 +4277,7 @@
           <p:nvPr>
             <p:extLst>
               <p:ext uri="{D42A27DB-BD31-4B8C-83A1-F6EECF244321}">
-                <p14:modId xmlns="" xmlns:p14="http://schemas.microsoft.com/office/powerpoint/2010/main" val="193443960"/>
+                <p14:modId xmlns:p14="http://schemas.microsoft.com/office/powerpoint/2010/main" xmlns="" val="193443960"/>
               </p:ext>
             </p:extLst>
           </p:nvPr>
@@ -4724,7 +4724,7 @@
     </p:spTree>
     <p:extLst>
       <p:ext uri="{BB962C8B-B14F-4D97-AF65-F5344CB8AC3E}">
-        <p14:creationId xmlns="" xmlns:p14="http://schemas.microsoft.com/office/powerpoint/2010/main" val="3929209132"/>
+        <p14:creationId xmlns:p14="http://schemas.microsoft.com/office/powerpoint/2010/main" xmlns="" val="3929209132"/>
       </p:ext>
     </p:extLst>
   </p:cSld>
@@ -5086,7 +5086,7 @@
     </p:spTree>
     <p:extLst>
       <p:ext uri="{BB962C8B-B14F-4D97-AF65-F5344CB8AC3E}">
-        <p14:creationId xmlns="" xmlns:p14="http://schemas.microsoft.com/office/powerpoint/2010/main" val="4207131649"/>
+        <p14:creationId xmlns:p14="http://schemas.microsoft.com/office/powerpoint/2010/main" xmlns="" val="4207131649"/>
       </p:ext>
     </p:extLst>
   </p:cSld>
@@ -5324,7 +5324,7 @@
     </p:spTree>
     <p:extLst>
       <p:ext uri="{BB962C8B-B14F-4D97-AF65-F5344CB8AC3E}">
-        <p14:creationId xmlns="" xmlns:p14="http://schemas.microsoft.com/office/powerpoint/2010/main" val="1978140734"/>
+        <p14:creationId xmlns:p14="http://schemas.microsoft.com/office/powerpoint/2010/main" xmlns="" val="1978140734"/>
       </p:ext>
     </p:extLst>
   </p:cSld>
@@ -5815,7 +5815,15 @@
                       </a:pPr>
                       <a:r>
                         <a:rPr lang="en-US" dirty="0" smtClean="0"/>
-                        <a:t>all factors, </a:t>
+                        <a:t>by</a:t>
+                      </a:r>
+                      <a:r>
+                        <a:rPr lang="en-US" baseline="0" dirty="0" smtClean="0"/>
+                        <a:t> rating</a:t>
+                      </a:r>
+                      <a:r>
+                        <a:rPr lang="en-US" dirty="0" smtClean="0"/>
+                        <a:t>, </a:t>
                       </a:r>
                       <a:r>
                         <a:rPr lang="en-US" baseline="0" dirty="0" smtClean="0"/>
@@ -6120,7 +6128,7 @@
     </p:spTree>
     <p:extLst>
       <p:ext uri="{BB962C8B-B14F-4D97-AF65-F5344CB8AC3E}">
-        <p14:creationId xmlns="" xmlns:p14="http://schemas.microsoft.com/office/powerpoint/2010/main" val="1284655973"/>
+        <p14:creationId xmlns:p14="http://schemas.microsoft.com/office/powerpoint/2010/main" xmlns="" val="1284655973"/>
       </p:ext>
     </p:extLst>
   </p:cSld>
@@ -6479,7 +6487,7 @@
     </p:spTree>
     <p:extLst>
       <p:ext uri="{BB962C8B-B14F-4D97-AF65-F5344CB8AC3E}">
-        <p14:creationId xmlns="" xmlns:p14="http://schemas.microsoft.com/office/powerpoint/2010/main" val="3004571794"/>
+        <p14:creationId xmlns:p14="http://schemas.microsoft.com/office/powerpoint/2010/main" xmlns="" val="3004571794"/>
       </p:ext>
     </p:extLst>
   </p:cSld>
@@ -6636,17 +6644,7 @@
                   </a:schemeClr>
                 </a:solidFill>
               </a:rPr>
-              <a:t>Use </a:t>
-            </a:r>
-            <a:r>
-              <a:rPr lang="en-US" sz="2400" dirty="0" smtClean="0">
-                <a:solidFill>
-                  <a:schemeClr val="accent1">
-                    <a:lumMod val="50000"/>
-                  </a:schemeClr>
-                </a:solidFill>
-              </a:rPr>
-              <a:t>of  </a:t>
+              <a:t>Use of  </a:t>
             </a:r>
             <a:r>
               <a:rPr lang="en-US" sz="2400" dirty="0" err="1" smtClean="0">
@@ -6666,17 +6664,7 @@
                   </a:schemeClr>
                 </a:solidFill>
               </a:rPr>
-              <a:t>,  </a:t>
-            </a:r>
-            <a:r>
-              <a:rPr lang="en-US" sz="2400" dirty="0" smtClean="0">
-                <a:solidFill>
-                  <a:schemeClr val="accent1">
-                    <a:lumMod val="50000"/>
-                  </a:schemeClr>
-                </a:solidFill>
-              </a:rPr>
-              <a:t> </a:t>
+              <a:t>,   </a:t>
             </a:r>
             <a:r>
               <a:rPr lang="en-US" sz="2400" dirty="0" err="1" smtClean="0">
@@ -6722,27 +6710,7 @@
                   </a:schemeClr>
                 </a:solidFill>
               </a:rPr>
-              <a:t>Use of </a:t>
-            </a:r>
-            <a:r>
-              <a:rPr lang="en-US" sz="2400" dirty="0" smtClean="0">
-                <a:solidFill>
-                  <a:schemeClr val="accent1">
-                    <a:lumMod val="50000"/>
-                  </a:schemeClr>
-                </a:solidFill>
-              </a:rPr>
-              <a:t>Raphael </a:t>
-            </a:r>
-            <a:r>
-              <a:rPr lang="en-US" sz="2400" dirty="0" smtClean="0">
-                <a:solidFill>
-                  <a:schemeClr val="accent1">
-                    <a:lumMod val="50000"/>
-                  </a:schemeClr>
-                </a:solidFill>
-              </a:rPr>
-              <a:t>JS , </a:t>
+              <a:t>Use of Raphael JS , </a:t>
             </a:r>
             <a:r>
               <a:rPr lang="en-US" sz="2400" dirty="0" err="1" smtClean="0">
@@ -6788,25 +6756,8 @@
                   </a:schemeClr>
                 </a:solidFill>
               </a:rPr>
-              <a:t>Created animation with </a:t>
-            </a:r>
-            <a:r>
-              <a:rPr lang="en-US" sz="2400" dirty="0" smtClean="0">
-                <a:solidFill>
-                  <a:schemeClr val="accent1">
-                    <a:lumMod val="50000"/>
-                  </a:schemeClr>
-                </a:solidFill>
-              </a:rPr>
-              <a:t>Raphael JS</a:t>
-            </a:r>
-            <a:endParaRPr lang="en-US" sz="2400" dirty="0" smtClean="0">
-              <a:solidFill>
-                <a:schemeClr val="accent1">
-                  <a:lumMod val="50000"/>
-                </a:schemeClr>
-              </a:solidFill>
-            </a:endParaRPr>
+              <a:t>Created animation with Raphael JS</a:t>
+            </a:r>
           </a:p>
           <a:p>
             <a:pPr>
@@ -6849,7 +6800,7 @@
     </p:spTree>
     <p:extLst>
       <p:ext uri="{BB962C8B-B14F-4D97-AF65-F5344CB8AC3E}">
-        <p14:creationId xmlns="" xmlns:p14="http://schemas.microsoft.com/office/powerpoint/2010/main" val="241372775"/>
+        <p14:creationId xmlns:p14="http://schemas.microsoft.com/office/powerpoint/2010/main" xmlns="" val="241372775"/>
       </p:ext>
     </p:extLst>
   </p:cSld>
@@ -6970,7 +6921,7 @@
     </p:spTree>
     <p:extLst>
       <p:ext uri="{BB962C8B-B14F-4D97-AF65-F5344CB8AC3E}">
-        <p14:creationId xmlns="" xmlns:p14="http://schemas.microsoft.com/office/powerpoint/2010/main" val="2020875122"/>
+        <p14:creationId xmlns:p14="http://schemas.microsoft.com/office/powerpoint/2010/main" xmlns="" val="2020875122"/>
       </p:ext>
     </p:extLst>
   </p:cSld>

--- a/Project Documentation/Presentation Mandarine.pptx
+++ b/Project Documentation/Presentation Mandarine.pptx
@@ -369,7 +369,7 @@
     </p:spTree>
     <p:extLst>
       <p:ext uri="{BB962C8B-B14F-4D97-AF65-F5344CB8AC3E}">
-        <p14:creationId xmlns:p14="http://schemas.microsoft.com/office/powerpoint/2010/main" xmlns="" val="3915967036"/>
+        <p14:creationId xmlns="" xmlns:p14="http://schemas.microsoft.com/office/powerpoint/2010/main" val="3915967036"/>
       </p:ext>
     </p:extLst>
   </p:cSld>
@@ -544,7 +544,7 @@
     </p:spTree>
     <p:extLst>
       <p:ext uri="{BB962C8B-B14F-4D97-AF65-F5344CB8AC3E}">
-        <p14:creationId xmlns:p14="http://schemas.microsoft.com/office/powerpoint/2010/main" xmlns="" val="379079075"/>
+        <p14:creationId xmlns="" xmlns:p14="http://schemas.microsoft.com/office/powerpoint/2010/main" val="379079075"/>
       </p:ext>
     </p:extLst>
   </p:cSld>
@@ -629,7 +629,7 @@
     </p:spTree>
     <p:extLst>
       <p:ext uri="{BB962C8B-B14F-4D97-AF65-F5344CB8AC3E}">
-        <p14:creationId xmlns:p14="http://schemas.microsoft.com/office/powerpoint/2010/main" xmlns="" val="2747109784"/>
+        <p14:creationId xmlns="" xmlns:p14="http://schemas.microsoft.com/office/powerpoint/2010/main" val="2747109784"/>
       </p:ext>
     </p:extLst>
   </p:cSld>
@@ -873,7 +873,7 @@
     </p:spTree>
     <p:extLst>
       <p:ext uri="{BB962C8B-B14F-4D97-AF65-F5344CB8AC3E}">
-        <p14:creationId xmlns:p14="http://schemas.microsoft.com/office/powerpoint/2010/main" xmlns="" val="1365601116"/>
+        <p14:creationId xmlns="" xmlns:p14="http://schemas.microsoft.com/office/powerpoint/2010/main" val="1365601116"/>
       </p:ext>
     </p:extLst>
   </p:cSld>
@@ -1045,7 +1045,7 @@
     </p:spTree>
     <p:extLst>
       <p:ext uri="{BB962C8B-B14F-4D97-AF65-F5344CB8AC3E}">
-        <p14:creationId xmlns:p14="http://schemas.microsoft.com/office/powerpoint/2010/main" xmlns="" val="2307113976"/>
+        <p14:creationId xmlns="" xmlns:p14="http://schemas.microsoft.com/office/powerpoint/2010/main" val="2307113976"/>
       </p:ext>
     </p:extLst>
   </p:cSld>
@@ -1227,7 +1227,7 @@
     </p:spTree>
     <p:extLst>
       <p:ext uri="{BB962C8B-B14F-4D97-AF65-F5344CB8AC3E}">
-        <p14:creationId xmlns:p14="http://schemas.microsoft.com/office/powerpoint/2010/main" xmlns="" val="2924712174"/>
+        <p14:creationId xmlns="" xmlns:p14="http://schemas.microsoft.com/office/powerpoint/2010/main" val="2924712174"/>
       </p:ext>
     </p:extLst>
   </p:cSld>
@@ -1399,7 +1399,7 @@
     </p:spTree>
     <p:extLst>
       <p:ext uri="{BB962C8B-B14F-4D97-AF65-F5344CB8AC3E}">
-        <p14:creationId xmlns:p14="http://schemas.microsoft.com/office/powerpoint/2010/main" xmlns="" val="920667919"/>
+        <p14:creationId xmlns="" xmlns:p14="http://schemas.microsoft.com/office/powerpoint/2010/main" val="920667919"/>
       </p:ext>
     </p:extLst>
   </p:cSld>
@@ -1647,7 +1647,7 @@
     </p:spTree>
     <p:extLst>
       <p:ext uri="{BB962C8B-B14F-4D97-AF65-F5344CB8AC3E}">
-        <p14:creationId xmlns:p14="http://schemas.microsoft.com/office/powerpoint/2010/main" xmlns="" val="2518805200"/>
+        <p14:creationId xmlns="" xmlns:p14="http://schemas.microsoft.com/office/powerpoint/2010/main" val="2518805200"/>
       </p:ext>
     </p:extLst>
   </p:cSld>
@@ -1937,7 +1937,7 @@
     </p:spTree>
     <p:extLst>
       <p:ext uri="{BB962C8B-B14F-4D97-AF65-F5344CB8AC3E}">
-        <p14:creationId xmlns:p14="http://schemas.microsoft.com/office/powerpoint/2010/main" xmlns="" val="1671547278"/>
+        <p14:creationId xmlns="" xmlns:p14="http://schemas.microsoft.com/office/powerpoint/2010/main" val="1671547278"/>
       </p:ext>
     </p:extLst>
   </p:cSld>
@@ -2361,7 +2361,7 @@
     </p:spTree>
     <p:extLst>
       <p:ext uri="{BB962C8B-B14F-4D97-AF65-F5344CB8AC3E}">
-        <p14:creationId xmlns:p14="http://schemas.microsoft.com/office/powerpoint/2010/main" xmlns="" val="2359131444"/>
+        <p14:creationId xmlns="" xmlns:p14="http://schemas.microsoft.com/office/powerpoint/2010/main" val="2359131444"/>
       </p:ext>
     </p:extLst>
   </p:cSld>
@@ -2481,7 +2481,7 @@
     </p:spTree>
     <p:extLst>
       <p:ext uri="{BB962C8B-B14F-4D97-AF65-F5344CB8AC3E}">
-        <p14:creationId xmlns:p14="http://schemas.microsoft.com/office/powerpoint/2010/main" xmlns="" val="1701070066"/>
+        <p14:creationId xmlns="" xmlns:p14="http://schemas.microsoft.com/office/powerpoint/2010/main" val="1701070066"/>
       </p:ext>
     </p:extLst>
   </p:cSld>
@@ -2578,7 +2578,7 @@
     </p:spTree>
     <p:extLst>
       <p:ext uri="{BB962C8B-B14F-4D97-AF65-F5344CB8AC3E}">
-        <p14:creationId xmlns:p14="http://schemas.microsoft.com/office/powerpoint/2010/main" xmlns="" val="1206239005"/>
+        <p14:creationId xmlns="" xmlns:p14="http://schemas.microsoft.com/office/powerpoint/2010/main" val="1206239005"/>
       </p:ext>
     </p:extLst>
   </p:cSld>
@@ -2857,7 +2857,7 @@
     </p:spTree>
     <p:extLst>
       <p:ext uri="{BB962C8B-B14F-4D97-AF65-F5344CB8AC3E}">
-        <p14:creationId xmlns:p14="http://schemas.microsoft.com/office/powerpoint/2010/main" xmlns="" val="2089640843"/>
+        <p14:creationId xmlns="" xmlns:p14="http://schemas.microsoft.com/office/powerpoint/2010/main" val="2089640843"/>
       </p:ext>
     </p:extLst>
   </p:cSld>
@@ -3112,7 +3112,7 @@
     </p:spTree>
     <p:extLst>
       <p:ext uri="{BB962C8B-B14F-4D97-AF65-F5344CB8AC3E}">
-        <p14:creationId xmlns:p14="http://schemas.microsoft.com/office/powerpoint/2010/main" xmlns="" val="1915928661"/>
+        <p14:creationId xmlns="" xmlns:p14="http://schemas.microsoft.com/office/powerpoint/2010/main" val="1915928661"/>
       </p:ext>
     </p:extLst>
   </p:cSld>
@@ -3372,7 +3372,7 @@
     </p:spTree>
     <p:extLst>
       <p:ext uri="{BB962C8B-B14F-4D97-AF65-F5344CB8AC3E}">
-        <p14:creationId xmlns:p14="http://schemas.microsoft.com/office/powerpoint/2010/main" xmlns="" val="3313188243"/>
+        <p14:creationId xmlns="" xmlns:p14="http://schemas.microsoft.com/office/powerpoint/2010/main" val="3313188243"/>
       </p:ext>
     </p:extLst>
   </p:cSld>
@@ -3990,7 +3990,7 @@
     </p:spTree>
     <p:extLst>
       <p:ext uri="{BB962C8B-B14F-4D97-AF65-F5344CB8AC3E}">
-        <p14:creationId xmlns:p14="http://schemas.microsoft.com/office/powerpoint/2010/main" xmlns="" val="3556372192"/>
+        <p14:creationId xmlns="" xmlns:p14="http://schemas.microsoft.com/office/powerpoint/2010/main" val="3556372192"/>
       </p:ext>
     </p:extLst>
   </p:cSld>
@@ -4277,7 +4277,7 @@
           <p:nvPr>
             <p:extLst>
               <p:ext uri="{D42A27DB-BD31-4B8C-83A1-F6EECF244321}">
-                <p14:modId xmlns:p14="http://schemas.microsoft.com/office/powerpoint/2010/main" xmlns="" val="193443960"/>
+                <p14:modId xmlns="" xmlns:p14="http://schemas.microsoft.com/office/powerpoint/2010/main" val="193443960"/>
               </p:ext>
             </p:extLst>
           </p:nvPr>
@@ -4724,7 +4724,7 @@
     </p:spTree>
     <p:extLst>
       <p:ext uri="{BB962C8B-B14F-4D97-AF65-F5344CB8AC3E}">
-        <p14:creationId xmlns:p14="http://schemas.microsoft.com/office/powerpoint/2010/main" xmlns="" val="3929209132"/>
+        <p14:creationId xmlns="" xmlns:p14="http://schemas.microsoft.com/office/powerpoint/2010/main" val="3929209132"/>
       </p:ext>
     </p:extLst>
   </p:cSld>
@@ -5086,7 +5086,7 @@
     </p:spTree>
     <p:extLst>
       <p:ext uri="{BB962C8B-B14F-4D97-AF65-F5344CB8AC3E}">
-        <p14:creationId xmlns:p14="http://schemas.microsoft.com/office/powerpoint/2010/main" xmlns="" val="4207131649"/>
+        <p14:creationId xmlns="" xmlns:p14="http://schemas.microsoft.com/office/powerpoint/2010/main" val="4207131649"/>
       </p:ext>
     </p:extLst>
   </p:cSld>
@@ -5171,7 +5171,7 @@
         <p:spPr>
           <a:xfrm>
             <a:off x="4929514" y="1752600"/>
-            <a:ext cx="4191000" cy="4955203"/>
+            <a:ext cx="4191000" cy="4678204"/>
           </a:xfrm>
           <a:prstGeom prst="rect">
             <a:avLst/>
@@ -5194,6 +5194,13 @@
               </a:rPr>
               <a:t>The app: </a:t>
             </a:r>
+            <a:endParaRPr lang="en-US" sz="2000" b="1" dirty="0" smtClean="0">
+              <a:solidFill>
+                <a:schemeClr val="accent1">
+                  <a:lumMod val="50000"/>
+                </a:schemeClr>
+              </a:solidFill>
+            </a:endParaRPr>
           </a:p>
           <a:p>
             <a:endParaRPr lang="en-US" sz="2000" dirty="0">
@@ -5215,82 +5222,108 @@
               </a:rPr>
               <a:t>Has 10 different charts </a:t>
             </a:r>
-          </a:p>
-          <a:p>
-            <a:endParaRPr lang="en-US" sz="2000" dirty="0">
+            <a:br>
+              <a:rPr lang="en-US" sz="2000" dirty="0" smtClean="0">
+                <a:solidFill>
+                  <a:schemeClr val="accent1">
+                    <a:lumMod val="50000"/>
+                  </a:schemeClr>
+                </a:solidFill>
+              </a:rPr>
+            </a:br>
+            <a:r>
+              <a:rPr lang="en-US" sz="2000" dirty="0" smtClean="0">
+                <a:solidFill>
+                  <a:schemeClr val="accent1">
+                    <a:lumMod val="50000"/>
+                  </a:schemeClr>
+                </a:solidFill>
+              </a:rPr>
+              <a:t>Has its own database with movies and at the moment</a:t>
+            </a:r>
+            <a:br>
+              <a:rPr lang="en-US" sz="2000" dirty="0" smtClean="0">
+                <a:solidFill>
+                  <a:schemeClr val="accent1">
+                    <a:lumMod val="50000"/>
+                  </a:schemeClr>
+                </a:solidFill>
+              </a:rPr>
+            </a:br>
+            <a:r>
+              <a:rPr lang="en-US" sz="2000" dirty="0" smtClean="0">
+                <a:solidFill>
+                  <a:schemeClr val="accent1">
+                    <a:lumMod val="50000"/>
+                  </a:schemeClr>
+                </a:solidFill>
+              </a:rPr>
+              <a:t>almost all of the charts can work with it </a:t>
+            </a:r>
+            <a:br>
+              <a:rPr lang="en-US" sz="2000" dirty="0" smtClean="0">
+                <a:solidFill>
+                  <a:schemeClr val="accent1">
+                    <a:lumMod val="50000"/>
+                  </a:schemeClr>
+                </a:solidFill>
+              </a:rPr>
+            </a:br>
+            <a:r>
+              <a:rPr lang="en-US" sz="2000" dirty="0" smtClean="0">
+                <a:solidFill>
+                  <a:schemeClr val="accent1">
+                    <a:lumMod val="50000"/>
+                  </a:schemeClr>
+                </a:solidFill>
+              </a:rPr>
+              <a:t>You can add a new movie with detailed info – name, genre, ticket price etc. and it’s added to the data base </a:t>
+            </a:r>
+            <a:br>
+              <a:rPr lang="en-US" sz="2000" dirty="0" smtClean="0">
+                <a:solidFill>
+                  <a:schemeClr val="accent1">
+                    <a:lumMod val="50000"/>
+                  </a:schemeClr>
+                </a:solidFill>
+              </a:rPr>
+            </a:br>
+            <a:r>
+              <a:rPr lang="en-US" sz="2000" dirty="0" smtClean="0">
+                <a:solidFill>
+                  <a:schemeClr val="accent1">
+                    <a:lumMod val="50000"/>
+                  </a:schemeClr>
+                </a:solidFill>
+              </a:rPr>
+              <a:t/>
+            </a:r>
+            <a:br>
+              <a:rPr lang="en-US" sz="2000" dirty="0" smtClean="0">
+                <a:solidFill>
+                  <a:schemeClr val="accent1">
+                    <a:lumMod val="50000"/>
+                  </a:schemeClr>
+                </a:solidFill>
+              </a:rPr>
+            </a:br>
+            <a:r>
+              <a:rPr lang="en-US" sz="2000" dirty="0" smtClean="0">
+                <a:solidFill>
+                  <a:schemeClr val="accent1">
+                    <a:lumMod val="50000"/>
+                  </a:schemeClr>
+                </a:solidFill>
+              </a:rPr>
+              <a:t>At the moment half of the charts work with the new movie</a:t>
+            </a:r>
+            <a:endParaRPr lang="en-US" dirty="0">
               <a:solidFill>
                 <a:schemeClr val="accent1">
                   <a:lumMod val="50000"/>
                 </a:schemeClr>
               </a:solidFill>
             </a:endParaRPr>
-          </a:p>
-          <a:p>
-            <a:r>
-              <a:rPr lang="en-US" sz="2000" dirty="0" smtClean="0">
-                <a:solidFill>
-                  <a:schemeClr val="accent1">
-                    <a:lumMod val="50000"/>
-                  </a:schemeClr>
-                </a:solidFill>
-              </a:rPr>
-              <a:t>Has its own database with movies and </a:t>
-            </a:r>
-          </a:p>
-          <a:p>
-            <a:r>
-              <a:rPr lang="en-US" sz="2000" dirty="0" smtClean="0">
-                <a:solidFill>
-                  <a:schemeClr val="accent1">
-                    <a:lumMod val="50000"/>
-                  </a:schemeClr>
-                </a:solidFill>
-              </a:rPr>
-              <a:t>almost all of the charts can work with it </a:t>
-            </a:r>
-            <a:endParaRPr lang="en-US" sz="2000" dirty="0">
-              <a:solidFill>
-                <a:schemeClr val="accent1">
-                  <a:lumMod val="50000"/>
-                </a:schemeClr>
-              </a:solidFill>
-            </a:endParaRPr>
-          </a:p>
-          <a:p>
-            <a:r>
-              <a:rPr lang="en-US" sz="2000" dirty="0" smtClean="0">
-                <a:solidFill>
-                  <a:schemeClr val="accent1">
-                    <a:lumMod val="50000"/>
-                  </a:schemeClr>
-                </a:solidFill>
-              </a:rPr>
-              <a:t>You can add a new movie with detailed info – name, genre, ticket price etc. and it’s added to the data base </a:t>
-            </a:r>
-          </a:p>
-          <a:p>
-            <a:endParaRPr lang="en-US" sz="2000" dirty="0">
-              <a:solidFill>
-                <a:schemeClr val="accent1">
-                  <a:lumMod val="50000"/>
-                </a:schemeClr>
-              </a:solidFill>
-            </a:endParaRPr>
-          </a:p>
-          <a:p>
-            <a:r>
-              <a:rPr lang="en-US" sz="2000" dirty="0" smtClean="0">
-                <a:solidFill>
-                  <a:schemeClr val="accent1">
-                    <a:lumMod val="50000"/>
-                  </a:schemeClr>
-                </a:solidFill>
-              </a:rPr>
-              <a:t>Half of the charts work with the new movie  </a:t>
-            </a:r>
-          </a:p>
-          <a:p>
-            <a:endParaRPr lang="en-US" dirty="0"/>
           </a:p>
           <a:p>
             <a:endParaRPr lang="bg-BG" dirty="0"/>
@@ -5324,7 +5357,7 @@
     </p:spTree>
     <p:extLst>
       <p:ext uri="{BB962C8B-B14F-4D97-AF65-F5344CB8AC3E}">
-        <p14:creationId xmlns:p14="http://schemas.microsoft.com/office/powerpoint/2010/main" xmlns="" val="1978140734"/>
+        <p14:creationId xmlns="" xmlns:p14="http://schemas.microsoft.com/office/powerpoint/2010/main" val="1978140734"/>
       </p:ext>
     </p:extLst>
   </p:cSld>
@@ -6128,7 +6161,7 @@
     </p:spTree>
     <p:extLst>
       <p:ext uri="{BB962C8B-B14F-4D97-AF65-F5344CB8AC3E}">
-        <p14:creationId xmlns:p14="http://schemas.microsoft.com/office/powerpoint/2010/main" xmlns="" val="1284655973"/>
+        <p14:creationId xmlns="" xmlns:p14="http://schemas.microsoft.com/office/powerpoint/2010/main" val="1284655973"/>
       </p:ext>
     </p:extLst>
   </p:cSld>
@@ -6487,7 +6520,7 @@
     </p:spTree>
     <p:extLst>
       <p:ext uri="{BB962C8B-B14F-4D97-AF65-F5344CB8AC3E}">
-        <p14:creationId xmlns:p14="http://schemas.microsoft.com/office/powerpoint/2010/main" xmlns="" val="3004571794"/>
+        <p14:creationId xmlns="" xmlns:p14="http://schemas.microsoft.com/office/powerpoint/2010/main" val="3004571794"/>
       </p:ext>
     </p:extLst>
   </p:cSld>
@@ -6800,7 +6833,7 @@
     </p:spTree>
     <p:extLst>
       <p:ext uri="{BB962C8B-B14F-4D97-AF65-F5344CB8AC3E}">
-        <p14:creationId xmlns:p14="http://schemas.microsoft.com/office/powerpoint/2010/main" xmlns="" val="241372775"/>
+        <p14:creationId xmlns="" xmlns:p14="http://schemas.microsoft.com/office/powerpoint/2010/main" val="241372775"/>
       </p:ext>
     </p:extLst>
   </p:cSld>
@@ -6921,7 +6954,7 @@
     </p:spTree>
     <p:extLst>
       <p:ext uri="{BB962C8B-B14F-4D97-AF65-F5344CB8AC3E}">
-        <p14:creationId xmlns:p14="http://schemas.microsoft.com/office/powerpoint/2010/main" xmlns="" val="2020875122"/>
+        <p14:creationId xmlns="" xmlns:p14="http://schemas.microsoft.com/office/powerpoint/2010/main" val="2020875122"/>
       </p:ext>
     </p:extLst>
   </p:cSld>

--- a/Project Documentation/Presentation Mandarine.pptx
+++ b/Project Documentation/Presentation Mandarine.pptx
@@ -369,7 +369,7 @@
     </p:spTree>
     <p:extLst>
       <p:ext uri="{BB962C8B-B14F-4D97-AF65-F5344CB8AC3E}">
-        <p14:creationId xmlns="" xmlns:p14="http://schemas.microsoft.com/office/powerpoint/2010/main" val="3915967036"/>
+        <p14:creationId xmlns:p14="http://schemas.microsoft.com/office/powerpoint/2010/main" xmlns="" val="3915967036"/>
       </p:ext>
     </p:extLst>
   </p:cSld>
@@ -544,7 +544,7 @@
     </p:spTree>
     <p:extLst>
       <p:ext uri="{BB962C8B-B14F-4D97-AF65-F5344CB8AC3E}">
-        <p14:creationId xmlns="" xmlns:p14="http://schemas.microsoft.com/office/powerpoint/2010/main" val="379079075"/>
+        <p14:creationId xmlns:p14="http://schemas.microsoft.com/office/powerpoint/2010/main" xmlns="" val="379079075"/>
       </p:ext>
     </p:extLst>
   </p:cSld>
@@ -629,7 +629,7 @@
     </p:spTree>
     <p:extLst>
       <p:ext uri="{BB962C8B-B14F-4D97-AF65-F5344CB8AC3E}">
-        <p14:creationId xmlns="" xmlns:p14="http://schemas.microsoft.com/office/powerpoint/2010/main" val="2747109784"/>
+        <p14:creationId xmlns:p14="http://schemas.microsoft.com/office/powerpoint/2010/main" xmlns="" val="2747109784"/>
       </p:ext>
     </p:extLst>
   </p:cSld>
@@ -873,7 +873,7 @@
     </p:spTree>
     <p:extLst>
       <p:ext uri="{BB962C8B-B14F-4D97-AF65-F5344CB8AC3E}">
-        <p14:creationId xmlns="" xmlns:p14="http://schemas.microsoft.com/office/powerpoint/2010/main" val="1365601116"/>
+        <p14:creationId xmlns:p14="http://schemas.microsoft.com/office/powerpoint/2010/main" xmlns="" val="1365601116"/>
       </p:ext>
     </p:extLst>
   </p:cSld>
@@ -1045,7 +1045,7 @@
     </p:spTree>
     <p:extLst>
       <p:ext uri="{BB962C8B-B14F-4D97-AF65-F5344CB8AC3E}">
-        <p14:creationId xmlns="" xmlns:p14="http://schemas.microsoft.com/office/powerpoint/2010/main" val="2307113976"/>
+        <p14:creationId xmlns:p14="http://schemas.microsoft.com/office/powerpoint/2010/main" xmlns="" val="2307113976"/>
       </p:ext>
     </p:extLst>
   </p:cSld>
@@ -1227,7 +1227,7 @@
     </p:spTree>
     <p:extLst>
       <p:ext uri="{BB962C8B-B14F-4D97-AF65-F5344CB8AC3E}">
-        <p14:creationId xmlns="" xmlns:p14="http://schemas.microsoft.com/office/powerpoint/2010/main" val="2924712174"/>
+        <p14:creationId xmlns:p14="http://schemas.microsoft.com/office/powerpoint/2010/main" xmlns="" val="2924712174"/>
       </p:ext>
     </p:extLst>
   </p:cSld>
@@ -1399,7 +1399,7 @@
     </p:spTree>
     <p:extLst>
       <p:ext uri="{BB962C8B-B14F-4D97-AF65-F5344CB8AC3E}">
-        <p14:creationId xmlns="" xmlns:p14="http://schemas.microsoft.com/office/powerpoint/2010/main" val="920667919"/>
+        <p14:creationId xmlns:p14="http://schemas.microsoft.com/office/powerpoint/2010/main" xmlns="" val="920667919"/>
       </p:ext>
     </p:extLst>
   </p:cSld>
@@ -1647,7 +1647,7 @@
     </p:spTree>
     <p:extLst>
       <p:ext uri="{BB962C8B-B14F-4D97-AF65-F5344CB8AC3E}">
-        <p14:creationId xmlns="" xmlns:p14="http://schemas.microsoft.com/office/powerpoint/2010/main" val="2518805200"/>
+        <p14:creationId xmlns:p14="http://schemas.microsoft.com/office/powerpoint/2010/main" xmlns="" val="2518805200"/>
       </p:ext>
     </p:extLst>
   </p:cSld>
@@ -1937,7 +1937,7 @@
     </p:spTree>
     <p:extLst>
       <p:ext uri="{BB962C8B-B14F-4D97-AF65-F5344CB8AC3E}">
-        <p14:creationId xmlns="" xmlns:p14="http://schemas.microsoft.com/office/powerpoint/2010/main" val="1671547278"/>
+        <p14:creationId xmlns:p14="http://schemas.microsoft.com/office/powerpoint/2010/main" xmlns="" val="1671547278"/>
       </p:ext>
     </p:extLst>
   </p:cSld>
@@ -2361,7 +2361,7 @@
     </p:spTree>
     <p:extLst>
       <p:ext uri="{BB962C8B-B14F-4D97-AF65-F5344CB8AC3E}">
-        <p14:creationId xmlns="" xmlns:p14="http://schemas.microsoft.com/office/powerpoint/2010/main" val="2359131444"/>
+        <p14:creationId xmlns:p14="http://schemas.microsoft.com/office/powerpoint/2010/main" xmlns="" val="2359131444"/>
       </p:ext>
     </p:extLst>
   </p:cSld>
@@ -2481,7 +2481,7 @@
     </p:spTree>
     <p:extLst>
       <p:ext uri="{BB962C8B-B14F-4D97-AF65-F5344CB8AC3E}">
-        <p14:creationId xmlns="" xmlns:p14="http://schemas.microsoft.com/office/powerpoint/2010/main" val="1701070066"/>
+        <p14:creationId xmlns:p14="http://schemas.microsoft.com/office/powerpoint/2010/main" xmlns="" val="1701070066"/>
       </p:ext>
     </p:extLst>
   </p:cSld>
@@ -2578,7 +2578,7 @@
     </p:spTree>
     <p:extLst>
       <p:ext uri="{BB962C8B-B14F-4D97-AF65-F5344CB8AC3E}">
-        <p14:creationId xmlns="" xmlns:p14="http://schemas.microsoft.com/office/powerpoint/2010/main" val="1206239005"/>
+        <p14:creationId xmlns:p14="http://schemas.microsoft.com/office/powerpoint/2010/main" xmlns="" val="1206239005"/>
       </p:ext>
     </p:extLst>
   </p:cSld>
@@ -2857,7 +2857,7 @@
     </p:spTree>
     <p:extLst>
       <p:ext uri="{BB962C8B-B14F-4D97-AF65-F5344CB8AC3E}">
-        <p14:creationId xmlns="" xmlns:p14="http://schemas.microsoft.com/office/powerpoint/2010/main" val="2089640843"/>
+        <p14:creationId xmlns:p14="http://schemas.microsoft.com/office/powerpoint/2010/main" xmlns="" val="2089640843"/>
       </p:ext>
     </p:extLst>
   </p:cSld>
@@ -3112,7 +3112,7 @@
     </p:spTree>
     <p:extLst>
       <p:ext uri="{BB962C8B-B14F-4D97-AF65-F5344CB8AC3E}">
-        <p14:creationId xmlns="" xmlns:p14="http://schemas.microsoft.com/office/powerpoint/2010/main" val="1915928661"/>
+        <p14:creationId xmlns:p14="http://schemas.microsoft.com/office/powerpoint/2010/main" xmlns="" val="1915928661"/>
       </p:ext>
     </p:extLst>
   </p:cSld>
@@ -3372,7 +3372,7 @@
     </p:spTree>
     <p:extLst>
       <p:ext uri="{BB962C8B-B14F-4D97-AF65-F5344CB8AC3E}">
-        <p14:creationId xmlns="" xmlns:p14="http://schemas.microsoft.com/office/powerpoint/2010/main" val="3313188243"/>
+        <p14:creationId xmlns:p14="http://schemas.microsoft.com/office/powerpoint/2010/main" xmlns="" val="3313188243"/>
       </p:ext>
     </p:extLst>
   </p:cSld>
@@ -3990,7 +3990,7 @@
     </p:spTree>
     <p:extLst>
       <p:ext uri="{BB962C8B-B14F-4D97-AF65-F5344CB8AC3E}">
-        <p14:creationId xmlns="" xmlns:p14="http://schemas.microsoft.com/office/powerpoint/2010/main" val="3556372192"/>
+        <p14:creationId xmlns:p14="http://schemas.microsoft.com/office/powerpoint/2010/main" xmlns="" val="3556372192"/>
       </p:ext>
     </p:extLst>
   </p:cSld>
@@ -4277,7 +4277,7 @@
           <p:nvPr>
             <p:extLst>
               <p:ext uri="{D42A27DB-BD31-4B8C-83A1-F6EECF244321}">
-                <p14:modId xmlns="" xmlns:p14="http://schemas.microsoft.com/office/powerpoint/2010/main" val="193443960"/>
+                <p14:modId xmlns:p14="http://schemas.microsoft.com/office/powerpoint/2010/main" xmlns="" val="193443960"/>
               </p:ext>
             </p:extLst>
           </p:nvPr>
@@ -4724,7 +4724,7 @@
     </p:spTree>
     <p:extLst>
       <p:ext uri="{BB962C8B-B14F-4D97-AF65-F5344CB8AC3E}">
-        <p14:creationId xmlns="" xmlns:p14="http://schemas.microsoft.com/office/powerpoint/2010/main" val="3929209132"/>
+        <p14:creationId xmlns:p14="http://schemas.microsoft.com/office/powerpoint/2010/main" xmlns="" val="3929209132"/>
       </p:ext>
     </p:extLst>
   </p:cSld>
@@ -5086,7 +5086,7 @@
     </p:spTree>
     <p:extLst>
       <p:ext uri="{BB962C8B-B14F-4D97-AF65-F5344CB8AC3E}">
-        <p14:creationId xmlns="" xmlns:p14="http://schemas.microsoft.com/office/powerpoint/2010/main" val="4207131649"/>
+        <p14:creationId xmlns:p14="http://schemas.microsoft.com/office/powerpoint/2010/main" xmlns="" val="4207131649"/>
       </p:ext>
     </p:extLst>
   </p:cSld>
@@ -5194,13 +5194,6 @@
               </a:rPr>
               <a:t>The app: </a:t>
             </a:r>
-            <a:endParaRPr lang="en-US" sz="2000" b="1" dirty="0" smtClean="0">
-              <a:solidFill>
-                <a:schemeClr val="accent1">
-                  <a:lumMod val="50000"/>
-                </a:schemeClr>
-              </a:solidFill>
-            </a:endParaRPr>
           </a:p>
           <a:p>
             <a:endParaRPr lang="en-US" sz="2000" dirty="0">
@@ -5357,7 +5350,7 @@
     </p:spTree>
     <p:extLst>
       <p:ext uri="{BB962C8B-B14F-4D97-AF65-F5344CB8AC3E}">
-        <p14:creationId xmlns="" xmlns:p14="http://schemas.microsoft.com/office/powerpoint/2010/main" val="1978140734"/>
+        <p14:creationId xmlns:p14="http://schemas.microsoft.com/office/powerpoint/2010/main" xmlns="" val="1978140734"/>
       </p:ext>
     </p:extLst>
   </p:cSld>
@@ -6107,11 +6100,15 @@
                       </a:pPr>
                       <a:r>
                         <a:rPr lang="en-US" dirty="0" smtClean="0"/>
-                        <a:t>ticket price, </a:t>
-                      </a:r>
-                      <a:r>
-                        <a:rPr lang="en-US" baseline="0" dirty="0" smtClean="0"/>
-                        <a:t>works with its own data </a:t>
+                        <a:t>ticket price</a:t>
+                      </a:r>
+                      <a:r>
+                        <a:rPr lang="en-US" smtClean="0"/>
+                        <a:t>, </a:t>
+                      </a:r>
+                      <a:r>
+                        <a:rPr lang="en-US" baseline="0" smtClean="0"/>
+                        <a:t>works with database and new added movies</a:t>
                       </a:r>
                       <a:endParaRPr lang="bg-BG" dirty="0" smtClean="0"/>
                     </a:p>
@@ -6161,7 +6158,7 @@
     </p:spTree>
     <p:extLst>
       <p:ext uri="{BB962C8B-B14F-4D97-AF65-F5344CB8AC3E}">
-        <p14:creationId xmlns="" xmlns:p14="http://schemas.microsoft.com/office/powerpoint/2010/main" val="1284655973"/>
+        <p14:creationId xmlns:p14="http://schemas.microsoft.com/office/powerpoint/2010/main" xmlns="" val="1284655973"/>
       </p:ext>
     </p:extLst>
   </p:cSld>
@@ -6520,7 +6517,7 @@
     </p:spTree>
     <p:extLst>
       <p:ext uri="{BB962C8B-B14F-4D97-AF65-F5344CB8AC3E}">
-        <p14:creationId xmlns="" xmlns:p14="http://schemas.microsoft.com/office/powerpoint/2010/main" val="3004571794"/>
+        <p14:creationId xmlns:p14="http://schemas.microsoft.com/office/powerpoint/2010/main" xmlns="" val="3004571794"/>
       </p:ext>
     </p:extLst>
   </p:cSld>
@@ -6833,7 +6830,7 @@
     </p:spTree>
     <p:extLst>
       <p:ext uri="{BB962C8B-B14F-4D97-AF65-F5344CB8AC3E}">
-        <p14:creationId xmlns="" xmlns:p14="http://schemas.microsoft.com/office/powerpoint/2010/main" val="241372775"/>
+        <p14:creationId xmlns:p14="http://schemas.microsoft.com/office/powerpoint/2010/main" xmlns="" val="241372775"/>
       </p:ext>
     </p:extLst>
   </p:cSld>
@@ -6954,7 +6951,7 @@
     </p:spTree>
     <p:extLst>
       <p:ext uri="{BB962C8B-B14F-4D97-AF65-F5344CB8AC3E}">
-        <p14:creationId xmlns="" xmlns:p14="http://schemas.microsoft.com/office/powerpoint/2010/main" val="2020875122"/>
+        <p14:creationId xmlns:p14="http://schemas.microsoft.com/office/powerpoint/2010/main" xmlns="" val="2020875122"/>
       </p:ext>
     </p:extLst>
   </p:cSld>

--- a/Project Documentation/Presentation Mandarine.pptx
+++ b/Project Documentation/Presentation Mandarine.pptx
@@ -369,7 +369,7 @@
     </p:spTree>
     <p:extLst>
       <p:ext uri="{BB962C8B-B14F-4D97-AF65-F5344CB8AC3E}">
-        <p14:creationId xmlns:p14="http://schemas.microsoft.com/office/powerpoint/2010/main" xmlns="" val="3915967036"/>
+        <p14:creationId xmlns:p14="http://schemas.microsoft.com/office/powerpoint/2010/main" val="3915967036"/>
       </p:ext>
     </p:extLst>
   </p:cSld>
@@ -544,7 +544,7 @@
     </p:spTree>
     <p:extLst>
       <p:ext uri="{BB962C8B-B14F-4D97-AF65-F5344CB8AC3E}">
-        <p14:creationId xmlns:p14="http://schemas.microsoft.com/office/powerpoint/2010/main" xmlns="" val="379079075"/>
+        <p14:creationId xmlns:p14="http://schemas.microsoft.com/office/powerpoint/2010/main" val="379079075"/>
       </p:ext>
     </p:extLst>
   </p:cSld>
@@ -629,7 +629,7 @@
     </p:spTree>
     <p:extLst>
       <p:ext uri="{BB962C8B-B14F-4D97-AF65-F5344CB8AC3E}">
-        <p14:creationId xmlns:p14="http://schemas.microsoft.com/office/powerpoint/2010/main" xmlns="" val="2747109784"/>
+        <p14:creationId xmlns:p14="http://schemas.microsoft.com/office/powerpoint/2010/main" val="2747109784"/>
       </p:ext>
     </p:extLst>
   </p:cSld>
@@ -873,7 +873,7 @@
     </p:spTree>
     <p:extLst>
       <p:ext uri="{BB962C8B-B14F-4D97-AF65-F5344CB8AC3E}">
-        <p14:creationId xmlns:p14="http://schemas.microsoft.com/office/powerpoint/2010/main" xmlns="" val="1365601116"/>
+        <p14:creationId xmlns:p14="http://schemas.microsoft.com/office/powerpoint/2010/main" val="1365601116"/>
       </p:ext>
     </p:extLst>
   </p:cSld>
@@ -1045,7 +1045,7 @@
     </p:spTree>
     <p:extLst>
       <p:ext uri="{BB962C8B-B14F-4D97-AF65-F5344CB8AC3E}">
-        <p14:creationId xmlns:p14="http://schemas.microsoft.com/office/powerpoint/2010/main" xmlns="" val="2307113976"/>
+        <p14:creationId xmlns:p14="http://schemas.microsoft.com/office/powerpoint/2010/main" val="2307113976"/>
       </p:ext>
     </p:extLst>
   </p:cSld>
@@ -1227,7 +1227,7 @@
     </p:spTree>
     <p:extLst>
       <p:ext uri="{BB962C8B-B14F-4D97-AF65-F5344CB8AC3E}">
-        <p14:creationId xmlns:p14="http://schemas.microsoft.com/office/powerpoint/2010/main" xmlns="" val="2924712174"/>
+        <p14:creationId xmlns:p14="http://schemas.microsoft.com/office/powerpoint/2010/main" val="2924712174"/>
       </p:ext>
     </p:extLst>
   </p:cSld>
@@ -1399,7 +1399,7 @@
     </p:spTree>
     <p:extLst>
       <p:ext uri="{BB962C8B-B14F-4D97-AF65-F5344CB8AC3E}">
-        <p14:creationId xmlns:p14="http://schemas.microsoft.com/office/powerpoint/2010/main" xmlns="" val="920667919"/>
+        <p14:creationId xmlns:p14="http://schemas.microsoft.com/office/powerpoint/2010/main" val="920667919"/>
       </p:ext>
     </p:extLst>
   </p:cSld>
@@ -1647,7 +1647,7 @@
     </p:spTree>
     <p:extLst>
       <p:ext uri="{BB962C8B-B14F-4D97-AF65-F5344CB8AC3E}">
-        <p14:creationId xmlns:p14="http://schemas.microsoft.com/office/powerpoint/2010/main" xmlns="" val="2518805200"/>
+        <p14:creationId xmlns:p14="http://schemas.microsoft.com/office/powerpoint/2010/main" val="2518805200"/>
       </p:ext>
     </p:extLst>
   </p:cSld>
@@ -1937,7 +1937,7 @@
     </p:spTree>
     <p:extLst>
       <p:ext uri="{BB962C8B-B14F-4D97-AF65-F5344CB8AC3E}">
-        <p14:creationId xmlns:p14="http://schemas.microsoft.com/office/powerpoint/2010/main" xmlns="" val="1671547278"/>
+        <p14:creationId xmlns:p14="http://schemas.microsoft.com/office/powerpoint/2010/main" val="1671547278"/>
       </p:ext>
     </p:extLst>
   </p:cSld>
@@ -2361,7 +2361,7 @@
     </p:spTree>
     <p:extLst>
       <p:ext uri="{BB962C8B-B14F-4D97-AF65-F5344CB8AC3E}">
-        <p14:creationId xmlns:p14="http://schemas.microsoft.com/office/powerpoint/2010/main" xmlns="" val="2359131444"/>
+        <p14:creationId xmlns:p14="http://schemas.microsoft.com/office/powerpoint/2010/main" val="2359131444"/>
       </p:ext>
     </p:extLst>
   </p:cSld>
@@ -2481,7 +2481,7 @@
     </p:spTree>
     <p:extLst>
       <p:ext uri="{BB962C8B-B14F-4D97-AF65-F5344CB8AC3E}">
-        <p14:creationId xmlns:p14="http://schemas.microsoft.com/office/powerpoint/2010/main" xmlns="" val="1701070066"/>
+        <p14:creationId xmlns:p14="http://schemas.microsoft.com/office/powerpoint/2010/main" val="1701070066"/>
       </p:ext>
     </p:extLst>
   </p:cSld>
@@ -2578,7 +2578,7 @@
     </p:spTree>
     <p:extLst>
       <p:ext uri="{BB962C8B-B14F-4D97-AF65-F5344CB8AC3E}">
-        <p14:creationId xmlns:p14="http://schemas.microsoft.com/office/powerpoint/2010/main" xmlns="" val="1206239005"/>
+        <p14:creationId xmlns:p14="http://schemas.microsoft.com/office/powerpoint/2010/main" val="1206239005"/>
       </p:ext>
     </p:extLst>
   </p:cSld>
@@ -2857,7 +2857,7 @@
     </p:spTree>
     <p:extLst>
       <p:ext uri="{BB962C8B-B14F-4D97-AF65-F5344CB8AC3E}">
-        <p14:creationId xmlns:p14="http://schemas.microsoft.com/office/powerpoint/2010/main" xmlns="" val="2089640843"/>
+        <p14:creationId xmlns:p14="http://schemas.microsoft.com/office/powerpoint/2010/main" val="2089640843"/>
       </p:ext>
     </p:extLst>
   </p:cSld>
@@ -3112,7 +3112,7 @@
     </p:spTree>
     <p:extLst>
       <p:ext uri="{BB962C8B-B14F-4D97-AF65-F5344CB8AC3E}">
-        <p14:creationId xmlns:p14="http://schemas.microsoft.com/office/powerpoint/2010/main" xmlns="" val="1915928661"/>
+        <p14:creationId xmlns:p14="http://schemas.microsoft.com/office/powerpoint/2010/main" val="1915928661"/>
       </p:ext>
     </p:extLst>
   </p:cSld>
@@ -3372,7 +3372,7 @@
     </p:spTree>
     <p:extLst>
       <p:ext uri="{BB962C8B-B14F-4D97-AF65-F5344CB8AC3E}">
-        <p14:creationId xmlns:p14="http://schemas.microsoft.com/office/powerpoint/2010/main" xmlns="" val="3313188243"/>
+        <p14:creationId xmlns:p14="http://schemas.microsoft.com/office/powerpoint/2010/main" val="3313188243"/>
       </p:ext>
     </p:extLst>
   </p:cSld>
@@ -3990,7 +3990,7 @@
     </p:spTree>
     <p:extLst>
       <p:ext uri="{BB962C8B-B14F-4D97-AF65-F5344CB8AC3E}">
-        <p14:creationId xmlns:p14="http://schemas.microsoft.com/office/powerpoint/2010/main" xmlns="" val="3556372192"/>
+        <p14:creationId xmlns:p14="http://schemas.microsoft.com/office/powerpoint/2010/main" val="3556372192"/>
       </p:ext>
     </p:extLst>
   </p:cSld>
@@ -4277,7 +4277,7 @@
           <p:nvPr>
             <p:extLst>
               <p:ext uri="{D42A27DB-BD31-4B8C-83A1-F6EECF244321}">
-                <p14:modId xmlns:p14="http://schemas.microsoft.com/office/powerpoint/2010/main" xmlns="" val="193443960"/>
+                <p14:modId xmlns:p14="http://schemas.microsoft.com/office/powerpoint/2010/main" val="193443960"/>
               </p:ext>
             </p:extLst>
           </p:nvPr>
@@ -4724,7 +4724,7 @@
     </p:spTree>
     <p:extLst>
       <p:ext uri="{BB962C8B-B14F-4D97-AF65-F5344CB8AC3E}">
-        <p14:creationId xmlns:p14="http://schemas.microsoft.com/office/powerpoint/2010/main" xmlns="" val="3929209132"/>
+        <p14:creationId xmlns:p14="http://schemas.microsoft.com/office/powerpoint/2010/main" val="3929209132"/>
       </p:ext>
     </p:extLst>
   </p:cSld>
@@ -5086,7 +5086,7 @@
     </p:spTree>
     <p:extLst>
       <p:ext uri="{BB962C8B-B14F-4D97-AF65-F5344CB8AC3E}">
-        <p14:creationId xmlns:p14="http://schemas.microsoft.com/office/powerpoint/2010/main" xmlns="" val="4207131649"/>
+        <p14:creationId xmlns:p14="http://schemas.microsoft.com/office/powerpoint/2010/main" val="4207131649"/>
       </p:ext>
     </p:extLst>
   </p:cSld>
@@ -5350,7 +5350,7 @@
     </p:spTree>
     <p:extLst>
       <p:ext uri="{BB962C8B-B14F-4D97-AF65-F5344CB8AC3E}">
-        <p14:creationId xmlns:p14="http://schemas.microsoft.com/office/powerpoint/2010/main" xmlns="" val="1978140734"/>
+        <p14:creationId xmlns:p14="http://schemas.microsoft.com/office/powerpoint/2010/main" val="1978140734"/>
       </p:ext>
     </p:extLst>
   </p:cSld>
@@ -5483,11 +5483,17 @@
           <p:cNvGraphicFramePr>
             <a:graphicFrameLocks noGrp="1"/>
           </p:cNvGraphicFramePr>
-          <p:nvPr/>
+          <p:nvPr>
+            <p:extLst>
+              <p:ext uri="{D42A27DB-BD31-4B8C-83A1-F6EECF244321}">
+                <p14:modId xmlns:p14="http://schemas.microsoft.com/office/powerpoint/2010/main" val="1063999480"/>
+              </p:ext>
+            </p:extLst>
+          </p:nvPr>
         </p:nvGraphicFramePr>
         <p:xfrm>
           <a:off x="381000" y="1752600"/>
-          <a:ext cx="8305801" cy="4683760"/>
+          <a:ext cx="8305801" cy="4953000"/>
         </p:xfrm>
         <a:graphic>
           <a:graphicData uri="http://schemas.openxmlformats.org/drawingml/2006/table">
@@ -5649,168 +5655,6 @@
                       <a:r>
                         <a:rPr lang="en-US" dirty="0" smtClean="0"/>
                         <a:t>Bar Chart </a:t>
-                      </a:r>
-                      <a:endParaRPr lang="bg-BG" dirty="0"/>
-                    </a:p>
-                  </a:txBody>
-                  <a:tcPr/>
-                </a:tc>
-                <a:tc>
-                  <a:txBody>
-                    <a:bodyPr/>
-                    <a:lstStyle/>
-                    <a:p>
-                      <a:r>
-                        <a:rPr lang="en-US" baseline="0" dirty="0" smtClean="0"/>
-                        <a:t>box office gross , works with its own data </a:t>
-                      </a:r>
-                      <a:endParaRPr lang="bg-BG" dirty="0"/>
-                    </a:p>
-                  </a:txBody>
-                  <a:tcPr/>
-                </a:tc>
-                <a:tc>
-                  <a:txBody>
-                    <a:bodyPr/>
-                    <a:lstStyle/>
-                    <a:p>
-                      <a:r>
-                        <a:rPr lang="en-US" sz="1800" b="0" i="0" kern="1200" dirty="0" err="1" smtClean="0">
-                          <a:solidFill>
-                            <a:schemeClr val="dk1"/>
-                          </a:solidFill>
-                          <a:latin typeface="+mn-lt"/>
-                          <a:ea typeface="+mn-ea"/>
-                          <a:cs typeface="+mn-cs"/>
-                        </a:rPr>
-                        <a:t>CanvasJS</a:t>
-                      </a:r>
-                      <a:r>
-                        <a:rPr lang="en-US" sz="1800" b="0" i="0" kern="1200" baseline="0" dirty="0" smtClean="0">
-                          <a:solidFill>
-                            <a:schemeClr val="dk1"/>
-                          </a:solidFill>
-                          <a:latin typeface="+mn-lt"/>
-                          <a:ea typeface="+mn-ea"/>
-                          <a:cs typeface="+mn-cs"/>
-                        </a:rPr>
-                        <a:t>  </a:t>
-                      </a:r>
-                      <a:r>
-                        <a:rPr lang="en-US" sz="1800" b="0" i="0" kern="1200" dirty="0" err="1" smtClean="0">
-                          <a:solidFill>
-                            <a:schemeClr val="dk1"/>
-                          </a:solidFill>
-                          <a:latin typeface="+mn-lt"/>
-                          <a:ea typeface="+mn-ea"/>
-                          <a:cs typeface="+mn-cs"/>
-                        </a:rPr>
-                        <a:t>jQuery</a:t>
-                      </a:r>
-                      <a:r>
-                        <a:rPr lang="en-US" sz="1800" b="0" i="0" kern="1200" dirty="0" smtClean="0">
-                          <a:solidFill>
-                            <a:schemeClr val="dk1"/>
-                          </a:solidFill>
-                          <a:latin typeface="+mn-lt"/>
-                          <a:ea typeface="+mn-ea"/>
-                          <a:cs typeface="+mn-cs"/>
-                        </a:rPr>
-                        <a:t> </a:t>
-                      </a:r>
-                      <a:endParaRPr lang="bg-BG" dirty="0" smtClean="0"/>
-                    </a:p>
-                  </a:txBody>
-                  <a:tcPr/>
-                </a:tc>
-              </a:tr>
-              <a:tr h="370840">
-                <a:tc>
-                  <a:txBody>
-                    <a:bodyPr/>
-                    <a:lstStyle/>
-                    <a:p>
-                      <a:r>
-                        <a:rPr lang="en-US" dirty="0" smtClean="0"/>
-                        <a:t>Radar</a:t>
-                      </a:r>
-                      <a:r>
-                        <a:rPr lang="en-US" baseline="0" dirty="0" smtClean="0"/>
-                        <a:t> Chart</a:t>
-                      </a:r>
-                      <a:endParaRPr lang="bg-BG" dirty="0"/>
-                    </a:p>
-                  </a:txBody>
-                  <a:tcPr/>
-                </a:tc>
-                <a:tc>
-                  <a:txBody>
-                    <a:bodyPr/>
-                    <a:lstStyle/>
-                    <a:p>
-                      <a:r>
-                        <a:rPr lang="en-US" dirty="0" smtClean="0"/>
-                        <a:t>all factors, </a:t>
-                      </a:r>
-                      <a:r>
-                        <a:rPr lang="en-US" baseline="0" dirty="0" smtClean="0"/>
-                        <a:t>works with database and new added movies, can change movies with button </a:t>
-                      </a:r>
-                      <a:endParaRPr lang="bg-BG" dirty="0"/>
-                    </a:p>
-                  </a:txBody>
-                  <a:tcPr/>
-                </a:tc>
-                <a:tc>
-                  <a:txBody>
-                    <a:bodyPr/>
-                    <a:lstStyle/>
-                    <a:p>
-                      <a:r>
-                        <a:rPr lang="en-US" dirty="0" err="1" smtClean="0"/>
-                        <a:t>ChartJS</a:t>
-                      </a:r>
-                      <a:r>
-                        <a:rPr lang="en-US" baseline="0" dirty="0" smtClean="0"/>
-                        <a:t>     </a:t>
-                      </a:r>
-                      <a:r>
-                        <a:rPr lang="en-US" sz="1800" b="0" i="0" kern="1200" dirty="0" err="1" smtClean="0">
-                          <a:solidFill>
-                            <a:schemeClr val="dk1"/>
-                          </a:solidFill>
-                          <a:latin typeface="+mn-lt"/>
-                          <a:ea typeface="+mn-ea"/>
-                          <a:cs typeface="+mn-cs"/>
-                        </a:rPr>
-                        <a:t>jQuery</a:t>
-                      </a:r>
-                      <a:r>
-                        <a:rPr lang="en-US" sz="1800" b="0" i="0" kern="1200" dirty="0" smtClean="0">
-                          <a:solidFill>
-                            <a:schemeClr val="dk1"/>
-                          </a:solidFill>
-                          <a:latin typeface="+mn-lt"/>
-                          <a:ea typeface="+mn-ea"/>
-                          <a:cs typeface="+mn-cs"/>
-                        </a:rPr>
-                        <a:t> </a:t>
-                      </a:r>
-                      <a:endParaRPr lang="bg-BG" dirty="0"/>
-                    </a:p>
-                  </a:txBody>
-                  <a:tcPr/>
-                </a:tc>
-              </a:tr>
-              <a:tr h="370840">
-                <a:tc>
-                  <a:txBody>
-                    <a:bodyPr/>
-                    <a:lstStyle/>
-                    <a:p>
-                      <a:r>
-                        <a:rPr lang="en-US" dirty="0" smtClean="0"/>
-                        <a:t>Bubble Chart </a:t>
                       </a:r>
                       <a:endParaRPr lang="bg-BG" dirty="0"/>
                     </a:p>
@@ -5840,6 +5684,201 @@
                         <a:defRPr/>
                       </a:pPr>
                       <a:r>
+                        <a:rPr lang="en-US" smtClean="0"/>
+                        <a:t>by</a:t>
+                      </a:r>
+                      <a:r>
+                        <a:rPr lang="en-US" baseline="0" smtClean="0"/>
+                        <a:t> rating</a:t>
+                      </a:r>
+                      <a:r>
+                        <a:rPr lang="en-US" smtClean="0"/>
+                        <a:t>, </a:t>
+                      </a:r>
+                      <a:r>
+                        <a:rPr lang="en-US" baseline="0" smtClean="0"/>
+                        <a:t>works with database and new added movies</a:t>
+                      </a:r>
+                      <a:endParaRPr lang="bg-BG" dirty="0" smtClean="0"/>
+                    </a:p>
+                  </a:txBody>
+                  <a:tcPr/>
+                </a:tc>
+                <a:tc>
+                  <a:txBody>
+                    <a:bodyPr/>
+                    <a:lstStyle/>
+                    <a:p>
+                      <a:r>
+                        <a:rPr lang="en-US" sz="1800" b="0" i="0" kern="1200" dirty="0" err="1" smtClean="0">
+                          <a:solidFill>
+                            <a:schemeClr val="dk1"/>
+                          </a:solidFill>
+                          <a:latin typeface="+mn-lt"/>
+                          <a:ea typeface="+mn-ea"/>
+                          <a:cs typeface="+mn-cs"/>
+                        </a:rPr>
+                        <a:t>CanvasJS</a:t>
+                      </a:r>
+                      <a:r>
+                        <a:rPr lang="en-US" sz="1800" b="0" i="0" kern="1200" baseline="0" dirty="0" smtClean="0">
+                          <a:solidFill>
+                            <a:schemeClr val="dk1"/>
+                          </a:solidFill>
+                          <a:latin typeface="+mn-lt"/>
+                          <a:ea typeface="+mn-ea"/>
+                          <a:cs typeface="+mn-cs"/>
+                        </a:rPr>
+                        <a:t>  </a:t>
+                      </a:r>
+                      <a:r>
+                        <a:rPr lang="en-US" sz="1800" b="0" i="0" kern="1200" dirty="0" err="1" smtClean="0">
+                          <a:solidFill>
+                            <a:schemeClr val="dk1"/>
+                          </a:solidFill>
+                          <a:latin typeface="+mn-lt"/>
+                          <a:ea typeface="+mn-ea"/>
+                          <a:cs typeface="+mn-cs"/>
+                        </a:rPr>
+                        <a:t>jQuery</a:t>
+                      </a:r>
+                      <a:r>
+                        <a:rPr lang="en-US" sz="1800" b="0" i="0" kern="1200" dirty="0" smtClean="0">
+                          <a:solidFill>
+                            <a:schemeClr val="dk1"/>
+                          </a:solidFill>
+                          <a:latin typeface="+mn-lt"/>
+                          <a:ea typeface="+mn-ea"/>
+                          <a:cs typeface="+mn-cs"/>
+                        </a:rPr>
+                        <a:t> </a:t>
+                      </a:r>
+                      <a:endParaRPr lang="bg-BG" dirty="0" smtClean="0"/>
+                    </a:p>
+                  </a:txBody>
+                  <a:tcPr/>
+                </a:tc>
+              </a:tr>
+              <a:tr h="370840">
+                <a:tc>
+                  <a:txBody>
+                    <a:bodyPr/>
+                    <a:lstStyle/>
+                    <a:p>
+                      <a:r>
+                        <a:rPr lang="en-US" dirty="0" smtClean="0"/>
+                        <a:t>Radar</a:t>
+                      </a:r>
+                      <a:r>
+                        <a:rPr lang="en-US" baseline="0" dirty="0" smtClean="0"/>
+                        <a:t> Chart</a:t>
+                      </a:r>
+                      <a:endParaRPr lang="bg-BG" dirty="0"/>
+                    </a:p>
+                  </a:txBody>
+                  <a:tcPr/>
+                </a:tc>
+                <a:tc>
+                  <a:txBody>
+                    <a:bodyPr/>
+                    <a:lstStyle/>
+                    <a:p>
+                      <a:r>
+                        <a:rPr lang="en-US" dirty="0" smtClean="0"/>
+                        <a:t>all factors, </a:t>
+                      </a:r>
+                      <a:r>
+                        <a:rPr lang="en-US" baseline="0" dirty="0" smtClean="0"/>
+                        <a:t>works with database and new added movies, can change movies with button </a:t>
+                      </a:r>
+                      <a:endParaRPr lang="bg-BG" dirty="0"/>
+                    </a:p>
+                  </a:txBody>
+                  <a:tcPr/>
+                </a:tc>
+                <a:tc>
+                  <a:txBody>
+                    <a:bodyPr/>
+                    <a:lstStyle/>
+                    <a:p>
+                      <a:r>
+                        <a:rPr lang="en-US" dirty="0" err="1" smtClean="0"/>
+                        <a:t>ChartJS</a:t>
+                      </a:r>
+                      <a:r>
+                        <a:rPr lang="en-US" baseline="0" dirty="0" smtClean="0"/>
+                        <a:t>     </a:t>
+                      </a:r>
+                      <a:r>
+                        <a:rPr lang="en-US" sz="1800" b="0" i="0" kern="1200" dirty="0" err="1" smtClean="0">
+                          <a:solidFill>
+                            <a:schemeClr val="dk1"/>
+                          </a:solidFill>
+                          <a:latin typeface="+mn-lt"/>
+                          <a:ea typeface="+mn-ea"/>
+                          <a:cs typeface="+mn-cs"/>
+                        </a:rPr>
+                        <a:t>jQuery</a:t>
+                      </a:r>
+                      <a:r>
+                        <a:rPr lang="en-US" sz="1800" b="0" i="0" kern="1200" dirty="0" smtClean="0">
+                          <a:solidFill>
+                            <a:schemeClr val="dk1"/>
+                          </a:solidFill>
+                          <a:latin typeface="+mn-lt"/>
+                          <a:ea typeface="+mn-ea"/>
+                          <a:cs typeface="+mn-cs"/>
+                        </a:rPr>
+                        <a:t> </a:t>
+                      </a:r>
+                      <a:endParaRPr lang="bg-BG" dirty="0"/>
+                    </a:p>
+                  </a:txBody>
+                  <a:tcPr/>
+                </a:tc>
+              </a:tr>
+              <a:tr h="370840">
+                <a:tc>
+                  <a:txBody>
+                    <a:bodyPr/>
+                    <a:lstStyle/>
+                    <a:p>
+                      <a:r>
+                        <a:rPr lang="en-US" dirty="0" smtClean="0"/>
+                        <a:t>Bubble </a:t>
+                      </a:r>
+                      <a:r>
+                        <a:rPr lang="en-US" dirty="0" smtClean="0"/>
+                        <a:t>Chart </a:t>
+                      </a:r>
+                      <a:endParaRPr lang="bg-BG" dirty="0"/>
+                    </a:p>
+                  </a:txBody>
+                  <a:tcPr/>
+                </a:tc>
+                <a:tc>
+                  <a:txBody>
+                    <a:bodyPr/>
+                    <a:lstStyle/>
+                    <a:p>
+                      <a:pPr marL="0" marR="0" indent="0" algn="l" defTabSz="914400" rtl="0" eaLnBrk="1" fontAlgn="auto" latinLnBrk="0" hangingPunct="1">
+                        <a:lnSpc>
+                          <a:spcPct val="100000"/>
+                        </a:lnSpc>
+                        <a:spcBef>
+                          <a:spcPts val="0"/>
+                        </a:spcBef>
+                        <a:spcAft>
+                          <a:spcPts val="0"/>
+                        </a:spcAft>
+                        <a:buClrTx/>
+                        <a:buSzTx/>
+                        <a:buFontTx/>
+                        <a:buNone/>
+                        <a:tabLst/>
+                        <a:defRPr/>
+                      </a:pPr>
+                      <a:r>
                         <a:rPr lang="en-US" dirty="0" smtClean="0"/>
                         <a:t>by</a:t>
                       </a:r>
@@ -6158,7 +6197,7 @@
     </p:spTree>
     <p:extLst>
       <p:ext uri="{BB962C8B-B14F-4D97-AF65-F5344CB8AC3E}">
-        <p14:creationId xmlns:p14="http://schemas.microsoft.com/office/powerpoint/2010/main" xmlns="" val="1284655973"/>
+        <p14:creationId xmlns:p14="http://schemas.microsoft.com/office/powerpoint/2010/main" val="1284655973"/>
       </p:ext>
     </p:extLst>
   </p:cSld>
@@ -6517,7 +6556,7 @@
     </p:spTree>
     <p:extLst>
       <p:ext uri="{BB962C8B-B14F-4D97-AF65-F5344CB8AC3E}">
-        <p14:creationId xmlns:p14="http://schemas.microsoft.com/office/powerpoint/2010/main" xmlns="" val="3004571794"/>
+        <p14:creationId xmlns:p14="http://schemas.microsoft.com/office/powerpoint/2010/main" val="3004571794"/>
       </p:ext>
     </p:extLst>
   </p:cSld>
@@ -6830,7 +6869,7 @@
     </p:spTree>
     <p:extLst>
       <p:ext uri="{BB962C8B-B14F-4D97-AF65-F5344CB8AC3E}">
-        <p14:creationId xmlns:p14="http://schemas.microsoft.com/office/powerpoint/2010/main" xmlns="" val="241372775"/>
+        <p14:creationId xmlns:p14="http://schemas.microsoft.com/office/powerpoint/2010/main" val="241372775"/>
       </p:ext>
     </p:extLst>
   </p:cSld>
@@ -6951,7 +6990,7 @@
     </p:spTree>
     <p:extLst>
       <p:ext uri="{BB962C8B-B14F-4D97-AF65-F5344CB8AC3E}">
-        <p14:creationId xmlns:p14="http://schemas.microsoft.com/office/powerpoint/2010/main" xmlns="" val="2020875122"/>
+        <p14:creationId xmlns:p14="http://schemas.microsoft.com/office/powerpoint/2010/main" val="2020875122"/>
       </p:ext>
     </p:extLst>
   </p:cSld>

--- a/Project Documentation/Presentation Mandarine.pptx
+++ b/Project Documentation/Presentation Mandarine.pptx
@@ -5486,14 +5486,14 @@
           <p:nvPr>
             <p:extLst>
               <p:ext uri="{D42A27DB-BD31-4B8C-83A1-F6EECF244321}">
-                <p14:modId xmlns:p14="http://schemas.microsoft.com/office/powerpoint/2010/main" val="1063999480"/>
+                <p14:modId xmlns:p14="http://schemas.microsoft.com/office/powerpoint/2010/main" val="2657630207"/>
               </p:ext>
             </p:extLst>
           </p:nvPr>
         </p:nvGraphicFramePr>
         <p:xfrm>
           <a:off x="381000" y="1752600"/>
-          <a:ext cx="8305801" cy="4953000"/>
+          <a:ext cx="8305801" cy="4312920"/>
         </p:xfrm>
         <a:graphic>
           <a:graphicData uri="http://schemas.openxmlformats.org/drawingml/2006/table">
@@ -5845,11 +5845,7 @@
                     <a:p>
                       <a:r>
                         <a:rPr lang="en-US" dirty="0" smtClean="0"/>
-                        <a:t>Bubble </a:t>
-                      </a:r>
-                      <a:r>
-                        <a:rPr lang="en-US" dirty="0" smtClean="0"/>
-                        <a:t>Chart </a:t>
+                        <a:t>Bubble Chart </a:t>
                       </a:r>
                       <a:endParaRPr lang="bg-BG" dirty="0"/>
                     </a:p>
@@ -6083,106 +6079,6 @@
                           <a:cs typeface="+mn-cs"/>
                         </a:rPr>
                         <a:t>CanvasJS</a:t>
-                      </a:r>
-                      <a:endParaRPr lang="bg-BG" dirty="0" smtClean="0"/>
-                    </a:p>
-                  </a:txBody>
-                  <a:tcPr/>
-                </a:tc>
-              </a:tr>
-              <a:tr h="370840">
-                <a:tc>
-                  <a:txBody>
-                    <a:bodyPr/>
-                    <a:lstStyle/>
-                    <a:p>
-                      <a:r>
-                        <a:rPr lang="en-US" dirty="0" smtClean="0"/>
-                        <a:t>Pyramid</a:t>
-                      </a:r>
-                    </a:p>
-                    <a:p>
-                      <a:r>
-                        <a:rPr lang="en-US" dirty="0" smtClean="0"/>
-                        <a:t>Chart</a:t>
-                      </a:r>
-                      <a:r>
-                        <a:rPr lang="en-US" baseline="0" dirty="0" smtClean="0"/>
-                        <a:t> </a:t>
-                      </a:r>
-                      <a:endParaRPr lang="bg-BG" dirty="0"/>
-                    </a:p>
-                  </a:txBody>
-                  <a:tcPr/>
-                </a:tc>
-                <a:tc>
-                  <a:txBody>
-                    <a:bodyPr/>
-                    <a:lstStyle/>
-                    <a:p>
-                      <a:pPr marL="0" marR="0" indent="0" algn="l" defTabSz="914400" rtl="0" eaLnBrk="1" fontAlgn="auto" latinLnBrk="0" hangingPunct="1">
-                        <a:lnSpc>
-                          <a:spcPct val="100000"/>
-                        </a:lnSpc>
-                        <a:spcBef>
-                          <a:spcPts val="0"/>
-                        </a:spcBef>
-                        <a:spcAft>
-                          <a:spcPts val="0"/>
-                        </a:spcAft>
-                        <a:buClrTx/>
-                        <a:buSzTx/>
-                        <a:buFontTx/>
-                        <a:buNone/>
-                        <a:tabLst/>
-                        <a:defRPr/>
-                      </a:pPr>
-                      <a:r>
-                        <a:rPr lang="en-US" dirty="0" smtClean="0"/>
-                        <a:t>ticket price</a:t>
-                      </a:r>
-                      <a:r>
-                        <a:rPr lang="en-US" smtClean="0"/>
-                        <a:t>, </a:t>
-                      </a:r>
-                      <a:r>
-                        <a:rPr lang="en-US" baseline="0" smtClean="0"/>
-                        <a:t>works with database and new added movies</a:t>
-                      </a:r>
-                      <a:endParaRPr lang="bg-BG" dirty="0" smtClean="0"/>
-                    </a:p>
-                  </a:txBody>
-                  <a:tcPr/>
-                </a:tc>
-                <a:tc>
-                  <a:txBody>
-                    <a:bodyPr/>
-                    <a:lstStyle/>
-                    <a:p>
-                      <a:pPr marL="0" marR="0" indent="0" algn="l" defTabSz="914400" rtl="0" eaLnBrk="1" fontAlgn="auto" latinLnBrk="0" hangingPunct="1">
-                        <a:lnSpc>
-                          <a:spcPct val="100000"/>
-                        </a:lnSpc>
-                        <a:spcBef>
-                          <a:spcPts val="0"/>
-                        </a:spcBef>
-                        <a:spcAft>
-                          <a:spcPts val="0"/>
-                        </a:spcAft>
-                        <a:buClrTx/>
-                        <a:buSzTx/>
-                        <a:buFontTx/>
-                        <a:buNone/>
-                        <a:tabLst/>
-                        <a:defRPr/>
-                      </a:pPr>
-                      <a:r>
-                        <a:rPr lang="en-US" dirty="0" err="1" smtClean="0"/>
-                        <a:t>Highcharts</a:t>
-                      </a:r>
-                      <a:r>
-                        <a:rPr lang="en-US" dirty="0" smtClean="0"/>
-                        <a:t> </a:t>
                       </a:r>
                       <a:endParaRPr lang="bg-BG" dirty="0" smtClean="0"/>
                     </a:p>
@@ -6272,11 +6168,17 @@
           <p:cNvGraphicFramePr>
             <a:graphicFrameLocks noGrp="1"/>
           </p:cNvGraphicFramePr>
-          <p:nvPr/>
+          <p:nvPr>
+            <p:extLst>
+              <p:ext uri="{D42A27DB-BD31-4B8C-83A1-F6EECF244321}">
+                <p14:modId xmlns:p14="http://schemas.microsoft.com/office/powerpoint/2010/main" val="2930126487"/>
+              </p:ext>
+            </p:extLst>
+          </p:nvPr>
         </p:nvGraphicFramePr>
         <p:xfrm>
           <a:off x="381000" y="1752600"/>
-          <a:ext cx="8305801" cy="1651000"/>
+          <a:ext cx="8305801" cy="2291080"/>
         </p:xfrm>
         <a:graphic>
           <a:graphicData uri="http://schemas.openxmlformats.org/drawingml/2006/table">
@@ -6328,6 +6230,102 @@
                         <a:t>Used library</a:t>
                       </a:r>
                       <a:endParaRPr lang="bg-BG" dirty="0"/>
+                    </a:p>
+                  </a:txBody>
+                  <a:tcPr/>
+                </a:tc>
+              </a:tr>
+              <a:tr h="370840">
+                <a:tc>
+                  <a:txBody>
+                    <a:bodyPr/>
+                    <a:lstStyle/>
+                    <a:p>
+                      <a:r>
+                        <a:rPr lang="en-US" dirty="0" smtClean="0"/>
+                        <a:t>Pyramid</a:t>
+                      </a:r>
+                    </a:p>
+                    <a:p>
+                      <a:r>
+                        <a:rPr lang="en-US" dirty="0" smtClean="0"/>
+                        <a:t>Chart</a:t>
+                      </a:r>
+                      <a:r>
+                        <a:rPr lang="en-US" baseline="0" dirty="0" smtClean="0"/>
+                        <a:t> </a:t>
+                      </a:r>
+                      <a:endParaRPr lang="bg-BG" dirty="0"/>
+                    </a:p>
+                  </a:txBody>
+                  <a:tcPr/>
+                </a:tc>
+                <a:tc>
+                  <a:txBody>
+                    <a:bodyPr/>
+                    <a:lstStyle/>
+                    <a:p>
+                      <a:pPr marL="0" marR="0" indent="0" algn="l" defTabSz="914400" rtl="0" eaLnBrk="1" fontAlgn="auto" latinLnBrk="0" hangingPunct="1">
+                        <a:lnSpc>
+                          <a:spcPct val="100000"/>
+                        </a:lnSpc>
+                        <a:spcBef>
+                          <a:spcPts val="0"/>
+                        </a:spcBef>
+                        <a:spcAft>
+                          <a:spcPts val="0"/>
+                        </a:spcAft>
+                        <a:buClrTx/>
+                        <a:buSzTx/>
+                        <a:buFontTx/>
+                        <a:buNone/>
+                        <a:tabLst/>
+                        <a:defRPr/>
+                      </a:pPr>
+                      <a:r>
+                        <a:rPr lang="en-US" dirty="0" smtClean="0"/>
+                        <a:t>ticket price, </a:t>
+                      </a:r>
+                      <a:r>
+                        <a:rPr lang="en-US" baseline="0" dirty="0" smtClean="0"/>
+                        <a:t>works with database and new added movies</a:t>
+                      </a:r>
+                      <a:endParaRPr lang="bg-BG" dirty="0" smtClean="0"/>
+                    </a:p>
+                  </a:txBody>
+                  <a:tcPr/>
+                </a:tc>
+                <a:tc>
+                  <a:txBody>
+                    <a:bodyPr/>
+                    <a:lstStyle/>
+                    <a:p>
+                      <a:pPr marL="0" marR="0" indent="0" algn="l" defTabSz="914400" rtl="0" eaLnBrk="1" fontAlgn="auto" latinLnBrk="0" hangingPunct="1">
+                        <a:lnSpc>
+                          <a:spcPct val="100000"/>
+                        </a:lnSpc>
+                        <a:spcBef>
+                          <a:spcPts val="0"/>
+                        </a:spcBef>
+                        <a:spcAft>
+                          <a:spcPts val="0"/>
+                        </a:spcAft>
+                        <a:buClrTx/>
+                        <a:buSzTx/>
+                        <a:buFontTx/>
+                        <a:buNone/>
+                        <a:tabLst/>
+                        <a:defRPr/>
+                      </a:pPr>
+                      <a:r>
+                        <a:rPr lang="en-US" dirty="0" err="1" smtClean="0"/>
+                        <a:t>Highcharts</a:t>
+                      </a:r>
+                      <a:r>
+                        <a:rPr lang="en-US" dirty="0" smtClean="0"/>
+                        <a:t> </a:t>
+                      </a:r>
+                      <a:endParaRPr lang="bg-BG" dirty="0" smtClean="0"/>
                     </a:p>
                   </a:txBody>
                   <a:tcPr/>
